--- a/20151202Extended/FSharp.pptx
+++ b/20151202Extended/FSharp.pptx
@@ -5,7 +5,7 @@
     <p:sldMasterId id="2147483648" r:id="rId1"/>
   </p:sldMasterIdLst>
   <p:notesMasterIdLst>
-    <p:notesMasterId r:id="rId35"/>
+    <p:notesMasterId r:id="rId32"/>
   </p:notesMasterIdLst>
   <p:sldIdLst>
     <p:sldId id="256" r:id="rId2"/>
@@ -32,15 +32,12 @@
     <p:sldId id="265" r:id="rId23"/>
     <p:sldId id="270" r:id="rId24"/>
     <p:sldId id="273" r:id="rId25"/>
-    <p:sldId id="274" r:id="rId26"/>
-    <p:sldId id="276" r:id="rId27"/>
-    <p:sldId id="278" r:id="rId28"/>
-    <p:sldId id="279" r:id="rId29"/>
-    <p:sldId id="280" r:id="rId30"/>
-    <p:sldId id="284" r:id="rId31"/>
-    <p:sldId id="281" r:id="rId32"/>
-    <p:sldId id="283" r:id="rId33"/>
-    <p:sldId id="282" r:id="rId34"/>
+    <p:sldId id="276" r:id="rId26"/>
+    <p:sldId id="278" r:id="rId27"/>
+    <p:sldId id="280" r:id="rId28"/>
+    <p:sldId id="281" r:id="rId29"/>
+    <p:sldId id="283" r:id="rId30"/>
+    <p:sldId id="282" r:id="rId31"/>
   </p:sldIdLst>
   <p:sldSz cx="9144000" cy="6858000" type="screen4x3"/>
   <p:notesSz cx="6858000" cy="9144000"/>
@@ -141,7 +138,7 @@
   </p:defaultTextStyle>
   <p:extLst>
     <p:ext uri="{EFAFB233-063F-42B5-8137-9DF3F51BA10A}">
-      <p15:sldGuideLst xmlns="" xmlns:p15="http://schemas.microsoft.com/office/powerpoint/2012/main">
+      <p15:sldGuideLst xmlns:p15="http://schemas.microsoft.com/office/powerpoint/2012/main" xmlns="">
         <p15:guide id="1" orient="horz" pos="2160">
           <p15:clr>
             <a:srgbClr val="A4A3A4"/>
@@ -1397,11 +1394,7 @@
             </a:r>
             <a:r>
               <a:rPr lang="de-DE" baseline="0" dirty="0" smtClean="0"/>
-              <a:t> heißt einmal erstellt, unveränderbar. Alle Daten müssen bei der Erstellung verfügbar </a:t>
-            </a:r>
-            <a:r>
-              <a:rPr lang="de-DE" baseline="0" dirty="0" smtClean="0"/>
-              <a:t>sein</a:t>
+              <a:t> heißt einmal erstellt, unveränderbar. Alle Daten müssen bei der Erstellung verfügbar sein</a:t>
             </a:r>
           </a:p>
           <a:p>
@@ -1785,16 +1778,11 @@
               <a:rPr lang="de-DE" baseline="0" dirty="0" smtClean="0"/>
               <a:t> sind schlau und nehmen die Info aus der PDB heraus.  </a:t>
             </a:r>
-            <a:endParaRPr lang="de-DE" baseline="0" dirty="0" smtClean="0"/>
           </a:p>
           <a:p>
             <a:r>
               <a:rPr lang="de-DE" baseline="0" dirty="0" smtClean="0"/>
-              <a:t>Dann </a:t>
-            </a:r>
-            <a:r>
-              <a:rPr lang="de-DE" baseline="0" dirty="0" smtClean="0"/>
-              <a:t>sieht man was der Compiler alles erzeugt.</a:t>
+              <a:t>Dann sieht man was der Compiler alles erzeugt.</a:t>
             </a:r>
             <a:endParaRPr lang="en-US" dirty="0"/>
           </a:p>
@@ -2190,19 +2178,117 @@
           <a:p>
             <a:r>
               <a:rPr lang="de-DE" dirty="0" smtClean="0"/>
-              <a:t>Ich kann nur auf die für mich relevante Felder </a:t>
+              <a:t>Und da Ausdrucke </a:t>
             </a:r>
             <a:r>
               <a:rPr lang="de-DE" dirty="0" err="1" smtClean="0"/>
-              <a:t>matchen</a:t>
-            </a:r>
-            <a:r>
-              <a:rPr lang="de-DE" dirty="0" smtClean="0"/>
-              <a:t>,</a:t>
+              <a:t>immutable</a:t>
+            </a:r>
+            <a:r>
+              <a:rPr lang="de-DE" dirty="0" smtClean="0"/>
+              <a:t> sind, ändert sich der Wert nicht.  Bitte nicht mit einem Variant (vb.net) verwechseln</a:t>
+            </a:r>
+          </a:p>
+          <a:p>
+            <a:r>
+              <a:rPr lang="de-DE" dirty="0" smtClean="0"/>
+              <a:t>DU ist das ganze.  Die einzelnen möglichen Werte heißen Union</a:t>
+            </a:r>
+            <a:r>
+              <a:rPr lang="de-DE" baseline="0" dirty="0" smtClean="0"/>
+              <a:t> Case</a:t>
+            </a:r>
+          </a:p>
+          <a:p>
+            <a:r>
+              <a:rPr lang="de-DE" baseline="0" dirty="0" smtClean="0"/>
+              <a:t>Empty Case </a:t>
+            </a:r>
+            <a:r>
+              <a:rPr lang="de-DE" baseline="0" dirty="0" err="1" smtClean="0"/>
+              <a:t>is</a:t>
             </a:r>
             <a:r>
               <a:rPr lang="de-DE" baseline="0" dirty="0" smtClean="0"/>
               <a:t> </a:t>
+            </a:r>
+            <a:r>
+              <a:rPr lang="de-DE" baseline="0" dirty="0" err="1" smtClean="0"/>
+              <a:t>possible</a:t>
+            </a:r>
+            <a:r>
+              <a:rPr lang="de-DE" baseline="0" dirty="0" smtClean="0"/>
+              <a:t>.  Wenn es nur Empty </a:t>
+            </a:r>
+            <a:r>
+              <a:rPr lang="de-DE" baseline="0" dirty="0" err="1" smtClean="0"/>
+              <a:t>cases</a:t>
+            </a:r>
+            <a:r>
+              <a:rPr lang="de-DE" baseline="0" dirty="0" smtClean="0"/>
+              <a:t> gibt, dann handelt es sich um einen „</a:t>
+            </a:r>
+            <a:r>
+              <a:rPr lang="de-DE" baseline="0" dirty="0" err="1" smtClean="0"/>
+              <a:t>Enum</a:t>
+            </a:r>
+            <a:r>
+              <a:rPr lang="de-DE" baseline="0" dirty="0" smtClean="0"/>
+              <a:t> Style“ DU.  Ein „Echter“ </a:t>
+            </a:r>
+            <a:r>
+              <a:rPr lang="de-DE" baseline="0" dirty="0" err="1" smtClean="0"/>
+              <a:t>Enum</a:t>
+            </a:r>
+            <a:r>
+              <a:rPr lang="de-DE" baseline="0" dirty="0" smtClean="0"/>
+              <a:t> aber muss anders definiert werden um das gleiche zu erhalten was das IL darstellt wenn ich in C# einen </a:t>
+            </a:r>
+            <a:r>
+              <a:rPr lang="de-DE" baseline="0" dirty="0" err="1" smtClean="0"/>
+              <a:t>Enum</a:t>
+            </a:r>
+            <a:r>
+              <a:rPr lang="de-DE" baseline="0" dirty="0" smtClean="0"/>
+              <a:t> definiere</a:t>
+            </a:r>
+          </a:p>
+          <a:p>
+            <a:r>
+              <a:rPr lang="de-DE" baseline="0" dirty="0" smtClean="0"/>
+              <a:t>Single Case gibt es auch und sind sehr schön zu verwenden um Werte die eine bestimmte Funktion in meinem Domain haben darzustellen.  Z.B. </a:t>
+            </a:r>
+            <a:r>
+              <a:rPr lang="de-DE" baseline="0" dirty="0" err="1" smtClean="0"/>
+              <a:t>int</a:t>
+            </a:r>
+            <a:r>
+              <a:rPr lang="de-DE" baseline="0" dirty="0" smtClean="0"/>
+              <a:t> als </a:t>
+            </a:r>
+            <a:r>
+              <a:rPr lang="de-DE" baseline="0" dirty="0" err="1" smtClean="0"/>
+              <a:t>KundeID</a:t>
+            </a:r>
+            <a:r>
+              <a:rPr lang="de-DE" baseline="0" dirty="0" smtClean="0"/>
+              <a:t> und </a:t>
+            </a:r>
+            <a:r>
+              <a:rPr lang="de-DE" baseline="0" dirty="0" err="1" smtClean="0"/>
+              <a:t>ProduktID</a:t>
+            </a:r>
+            <a:r>
+              <a:rPr lang="de-DE" baseline="0" dirty="0" smtClean="0"/>
+              <a:t>.  Dann ist es kein </a:t>
+            </a:r>
+            <a:r>
+              <a:rPr lang="de-DE" baseline="0" dirty="0" err="1" smtClean="0"/>
+              <a:t>int</a:t>
+            </a:r>
+            <a:r>
+              <a:rPr lang="de-DE" baseline="0" dirty="0" smtClean="0"/>
+              <a:t> mehr sondern das genannte typ und ich kann diese z.B. nicht mehr vergleichen</a:t>
             </a:r>
             <a:endParaRPr lang="en-US" dirty="0"/>
           </a:p>
@@ -2234,7 +2320,7 @@
     </p:spTree>
     <p:extLst>
       <p:ext uri="{BB962C8B-B14F-4D97-AF65-F5344CB8AC3E}">
-        <p14:creationId xmlns:p14="http://schemas.microsoft.com/office/powerpoint/2010/main" val="503566746"/>
+        <p14:creationId xmlns:p14="http://schemas.microsoft.com/office/powerpoint/2010/main" val="3285654297"/>
       </p:ext>
     </p:extLst>
   </p:cSld>
@@ -2290,117 +2376,19 @@
           <a:p>
             <a:r>
               <a:rPr lang="de-DE" dirty="0" smtClean="0"/>
-              <a:t>Und da Ausdrucke </a:t>
+              <a:t>In DDD (Domain </a:t>
             </a:r>
             <a:r>
               <a:rPr lang="de-DE" dirty="0" err="1" smtClean="0"/>
-              <a:t>immutable</a:t>
-            </a:r>
-            <a:r>
-              <a:rPr lang="de-DE" dirty="0" smtClean="0"/>
-              <a:t> sind, ändert sich der Wert nicht.  Bitte nicht mit einem Variant (vb.net) verwechseln</a:t>
-            </a:r>
-          </a:p>
-          <a:p>
-            <a:r>
-              <a:rPr lang="de-DE" dirty="0" smtClean="0"/>
-              <a:t>DU ist das ganze.  Die einzelnen möglichen Werte heißen Union</a:t>
+              <a:t>Driven</a:t>
+            </a:r>
+            <a:r>
+              <a:rPr lang="de-DE" dirty="0" smtClean="0"/>
+              <a:t> Design) spielen diese oft eine wichtige Rolle.  Z.B. kann ich dadurch Primitives</a:t>
             </a:r>
             <a:r>
               <a:rPr lang="de-DE" baseline="0" dirty="0" smtClean="0"/>
-              <a:t> Case</a:t>
-            </a:r>
-          </a:p>
-          <a:p>
-            <a:r>
-              <a:rPr lang="de-DE" baseline="0" dirty="0" smtClean="0"/>
-              <a:t>Empty Case </a:t>
-            </a:r>
-            <a:r>
-              <a:rPr lang="de-DE" baseline="0" dirty="0" err="1" smtClean="0"/>
-              <a:t>is</a:t>
-            </a:r>
-            <a:r>
-              <a:rPr lang="de-DE" baseline="0" dirty="0" smtClean="0"/>
-              <a:t> </a:t>
-            </a:r>
-            <a:r>
-              <a:rPr lang="de-DE" baseline="0" dirty="0" err="1" smtClean="0"/>
-              <a:t>possible</a:t>
-            </a:r>
-            <a:r>
-              <a:rPr lang="de-DE" baseline="0" dirty="0" smtClean="0"/>
-              <a:t>.  Wenn es nur Empty </a:t>
-            </a:r>
-            <a:r>
-              <a:rPr lang="de-DE" baseline="0" dirty="0" err="1" smtClean="0"/>
-              <a:t>cases</a:t>
-            </a:r>
-            <a:r>
-              <a:rPr lang="de-DE" baseline="0" dirty="0" smtClean="0"/>
-              <a:t> gibt, dann handelt es sich um einen „</a:t>
-            </a:r>
-            <a:r>
-              <a:rPr lang="de-DE" baseline="0" dirty="0" err="1" smtClean="0"/>
-              <a:t>Enum</a:t>
-            </a:r>
-            <a:r>
-              <a:rPr lang="de-DE" baseline="0" dirty="0" smtClean="0"/>
-              <a:t> Style“ DU.  Ein „Echter“ </a:t>
-            </a:r>
-            <a:r>
-              <a:rPr lang="de-DE" baseline="0" dirty="0" err="1" smtClean="0"/>
-              <a:t>Enum</a:t>
-            </a:r>
-            <a:r>
-              <a:rPr lang="de-DE" baseline="0" dirty="0" smtClean="0"/>
-              <a:t> aber muss anders definiert werden um das gleiche zu erhalten was das IL darstellt wenn ich in C# einen </a:t>
-            </a:r>
-            <a:r>
-              <a:rPr lang="de-DE" baseline="0" dirty="0" err="1" smtClean="0"/>
-              <a:t>Enum</a:t>
-            </a:r>
-            <a:r>
-              <a:rPr lang="de-DE" baseline="0" dirty="0" smtClean="0"/>
-              <a:t> definiere</a:t>
-            </a:r>
-          </a:p>
-          <a:p>
-            <a:r>
-              <a:rPr lang="de-DE" baseline="0" dirty="0" smtClean="0"/>
-              <a:t>Single Case gibt es auch und sind sehr schön zu verwenden um Werte die eine bestimmte Funktion in meinem Domain haben darzustellen.  Z.B. </a:t>
-            </a:r>
-            <a:r>
-              <a:rPr lang="de-DE" baseline="0" dirty="0" err="1" smtClean="0"/>
-              <a:t>int</a:t>
-            </a:r>
-            <a:r>
-              <a:rPr lang="de-DE" baseline="0" dirty="0" smtClean="0"/>
-              <a:t> als </a:t>
-            </a:r>
-            <a:r>
-              <a:rPr lang="de-DE" baseline="0" dirty="0" err="1" smtClean="0"/>
-              <a:t>KundeID</a:t>
-            </a:r>
-            <a:r>
-              <a:rPr lang="de-DE" baseline="0" dirty="0" smtClean="0"/>
-              <a:t> und </a:t>
-            </a:r>
-            <a:r>
-              <a:rPr lang="de-DE" baseline="0" dirty="0" err="1" smtClean="0"/>
-              <a:t>ProduktID</a:t>
-            </a:r>
-            <a:r>
-              <a:rPr lang="de-DE" baseline="0" dirty="0" smtClean="0"/>
-              <a:t>.  Dann ist es kein </a:t>
-            </a:r>
-            <a:r>
-              <a:rPr lang="de-DE" baseline="0" dirty="0" err="1" smtClean="0"/>
-              <a:t>int</a:t>
-            </a:r>
-            <a:r>
-              <a:rPr lang="de-DE" baseline="0" dirty="0" smtClean="0"/>
-              <a:t> mehr sondern das genannte typ und ich kann diese z.B. nicht mehr vergleichen</a:t>
+              <a:t> so definieren dass diese untereinander nicht „kompatibel“ sind, auch wenn diese vom gleichen Typ sind.</a:t>
             </a:r>
             <a:endParaRPr lang="en-US" dirty="0"/>
           </a:p>
@@ -2432,7 +2420,7 @@
     </p:spTree>
     <p:extLst>
       <p:ext uri="{BB962C8B-B14F-4D97-AF65-F5344CB8AC3E}">
-        <p14:creationId xmlns:p14="http://schemas.microsoft.com/office/powerpoint/2010/main" val="3285654297"/>
+        <p14:creationId xmlns:p14="http://schemas.microsoft.com/office/powerpoint/2010/main" val="2117330388"/>
       </p:ext>
     </p:extLst>
   </p:cSld>
@@ -2488,19 +2476,35 @@
           <a:p>
             <a:r>
               <a:rPr lang="de-DE" dirty="0" smtClean="0"/>
-              <a:t>In DDD (Domain </a:t>
+              <a:t>In </a:t>
             </a:r>
             <a:r>
               <a:rPr lang="de-DE" dirty="0" err="1" smtClean="0"/>
-              <a:t>Driven</a:t>
-            </a:r>
-            <a:r>
-              <a:rPr lang="de-DE" dirty="0" smtClean="0"/>
-              <a:t> Design) spielen diese oft eine wichtige Rolle.  Z.B. kann ich dadurch Primitives</a:t>
+              <a:t>Haskel</a:t>
+            </a:r>
+            <a:r>
+              <a:rPr lang="de-DE" dirty="0" smtClean="0"/>
+              <a:t> heißt dieser Typ </a:t>
+            </a:r>
+            <a:r>
+              <a:rPr lang="de-DE" dirty="0" err="1" smtClean="0"/>
+              <a:t>Maybe</a:t>
+            </a:r>
+            <a:r>
+              <a:rPr lang="de-DE" dirty="0" smtClean="0"/>
+              <a:t>, in Scala heißt</a:t>
             </a:r>
             <a:r>
               <a:rPr lang="de-DE" baseline="0" dirty="0" smtClean="0"/>
-              <a:t> so definieren dass diese untereinander nicht „kompatibel“ sind, auch wenn diese vom gleichen Typ sind.</a:t>
+              <a:t> es auch </a:t>
+            </a:r>
+            <a:r>
+              <a:rPr lang="de-DE" baseline="0" dirty="0" err="1" smtClean="0"/>
+              <a:t>option</a:t>
+            </a:r>
+            <a:r>
+              <a:rPr lang="de-DE" baseline="0" dirty="0" smtClean="0"/>
+              <a:t>.</a:t>
             </a:r>
             <a:endParaRPr lang="en-US" dirty="0"/>
           </a:p>
@@ -2532,7 +2536,7 @@
     </p:spTree>
     <p:extLst>
       <p:ext uri="{BB962C8B-B14F-4D97-AF65-F5344CB8AC3E}">
-        <p14:creationId xmlns:p14="http://schemas.microsoft.com/office/powerpoint/2010/main" val="2117330388"/>
+        <p14:creationId xmlns:p14="http://schemas.microsoft.com/office/powerpoint/2010/main" val="1558731010"/>
       </p:ext>
     </p:extLst>
   </p:cSld>
@@ -2586,6 +2590,63 @@
           <a:bodyPr/>
           <a:lstStyle/>
           <a:p>
+            <a:r>
+              <a:rPr lang="de-DE" dirty="0" smtClean="0"/>
+              <a:t>null</a:t>
+            </a:r>
+            <a:r>
+              <a:rPr lang="de-DE" baseline="0" dirty="0" smtClean="0"/>
+              <a:t> ist eine Reference zu einem nicht-vorhandenen Objekt</a:t>
+            </a:r>
+          </a:p>
+          <a:p>
+            <a:pPr marL="0" marR="0" indent="0" algn="l" defTabSz="914400" rtl="0" eaLnBrk="1" fontAlgn="auto" latinLnBrk="0" hangingPunct="1">
+              <a:lnSpc>
+                <a:spcPct val="100000"/>
+              </a:lnSpc>
+              <a:spcBef>
+                <a:spcPts val="0"/>
+              </a:spcBef>
+              <a:spcAft>
+                <a:spcPts val="0"/>
+              </a:spcAft>
+              <a:buClrTx/>
+              <a:buSzTx/>
+              <a:buFontTx/>
+              <a:buNone/>
+              <a:tabLst/>
+              <a:defRPr/>
+            </a:pPr>
+            <a:r>
+              <a:rPr lang="de-DE" dirty="0" smtClean="0"/>
+              <a:t>null</a:t>
+            </a:r>
+            <a:r>
+              <a:rPr lang="de-DE" baseline="0" dirty="0" smtClean="0"/>
+              <a:t> hat den gleichen Typ, ich kann </a:t>
+            </a:r>
+            <a:r>
+              <a:rPr lang="de-DE" baseline="0" dirty="0" err="1" smtClean="0">
+                <a:solidFill>
+                  <a:schemeClr val="accent2">
+                    <a:lumMod val="75000"/>
+                  </a:schemeClr>
+                </a:solidFill>
+              </a:rPr>
+              <a:t>Length</a:t>
+            </a:r>
+            <a:r>
+              <a:rPr lang="de-DE" baseline="0" dirty="0" smtClean="0">
+                <a:solidFill>
+                  <a:schemeClr val="accent2">
+                    <a:lumMod val="75000"/>
+                  </a:schemeClr>
+                </a:solidFill>
+              </a:rPr>
+              <a:t> aufrufen auf einen Reference zu Nichts!</a:t>
+            </a:r>
+          </a:p>
+          <a:p>
             <a:endParaRPr lang="en-US" dirty="0"/>
           </a:p>
         </p:txBody>
@@ -2616,7 +2677,7 @@
     </p:spTree>
     <p:extLst>
       <p:ext uri="{BB962C8B-B14F-4D97-AF65-F5344CB8AC3E}">
-        <p14:creationId xmlns:p14="http://schemas.microsoft.com/office/powerpoint/2010/main" val="1782707135"/>
+        <p14:creationId xmlns:p14="http://schemas.microsoft.com/office/powerpoint/2010/main" val="2749551638"/>
       </p:ext>
     </p:extLst>
   </p:cSld>
@@ -2672,355 +2733,6 @@
           <a:p>
             <a:r>
               <a:rPr lang="de-DE" dirty="0" smtClean="0"/>
-              <a:t>In </a:t>
-            </a:r>
-            <a:r>
-              <a:rPr lang="de-DE" dirty="0" err="1" smtClean="0"/>
-              <a:t>Haskel</a:t>
-            </a:r>
-            <a:r>
-              <a:rPr lang="de-DE" dirty="0" smtClean="0"/>
-              <a:t> heißt dieser Typ </a:t>
-            </a:r>
-            <a:r>
-              <a:rPr lang="de-DE" dirty="0" err="1" smtClean="0"/>
-              <a:t>Maybe</a:t>
-            </a:r>
-            <a:r>
-              <a:rPr lang="de-DE" dirty="0" smtClean="0"/>
-              <a:t>, in Scala heißt</a:t>
-            </a:r>
-            <a:r>
-              <a:rPr lang="de-DE" baseline="0" dirty="0" smtClean="0"/>
-              <a:t> es auch </a:t>
-            </a:r>
-            <a:r>
-              <a:rPr lang="de-DE" baseline="0" dirty="0" err="1" smtClean="0"/>
-              <a:t>option</a:t>
-            </a:r>
-            <a:r>
-              <a:rPr lang="de-DE" baseline="0" dirty="0" smtClean="0"/>
-              <a:t>.</a:t>
-            </a:r>
-            <a:endParaRPr lang="en-US" dirty="0"/>
-          </a:p>
-        </p:txBody>
-      </p:sp>
-      <p:sp>
-        <p:nvSpPr>
-          <p:cNvPr id="4" name="Slide Number Placeholder 3"/>
-          <p:cNvSpPr>
-            <a:spLocks noGrp="1"/>
-          </p:cNvSpPr>
-          <p:nvPr>
-            <p:ph type="sldNum" sz="quarter" idx="10"/>
-          </p:nvPr>
-        </p:nvSpPr>
-        <p:spPr/>
-        <p:txBody>
-          <a:bodyPr/>
-          <a:lstStyle/>
-          <a:p>
-            <a:fld id="{4775FDF9-2A53-4261-A0AF-3B6A9698D365}" type="slidenum">
-              <a:rPr lang="en-US" smtClean="0"/>
-              <a:t>29</a:t>
-            </a:fld>
-            <a:endParaRPr lang="en-US"/>
-          </a:p>
-        </p:txBody>
-      </p:sp>
-    </p:spTree>
-    <p:extLst>
-      <p:ext uri="{BB962C8B-B14F-4D97-AF65-F5344CB8AC3E}">
-        <p14:creationId xmlns:p14="http://schemas.microsoft.com/office/powerpoint/2010/main" val="1558731010"/>
-      </p:ext>
-    </p:extLst>
-  </p:cSld>
-  <p:clrMapOvr>
-    <a:masterClrMapping/>
-  </p:clrMapOvr>
-</p:notes>
-</file>
-
-<file path=ppt/notesSlides/notesSlide27.xml><?xml version="1.0" encoding="utf-8"?>
-<p:notes xmlns:a="http://schemas.openxmlformats.org/drawingml/2006/main" xmlns:r="http://schemas.openxmlformats.org/officeDocument/2006/relationships" xmlns:p="http://schemas.openxmlformats.org/presentationml/2006/main">
-  <p:cSld>
-    <p:spTree>
-      <p:nvGrpSpPr>
-        <p:cNvPr id="1" name=""/>
-        <p:cNvGrpSpPr/>
-        <p:nvPr/>
-      </p:nvGrpSpPr>
-      <p:grpSpPr>
-        <a:xfrm>
-          <a:off x="0" y="0"/>
-          <a:ext cx="0" cy="0"/>
-          <a:chOff x="0" y="0"/>
-          <a:chExt cx="0" cy="0"/>
-        </a:xfrm>
-      </p:grpSpPr>
-      <p:sp>
-        <p:nvSpPr>
-          <p:cNvPr id="2" name="Slide Image Placeholder 1"/>
-          <p:cNvSpPr>
-            <a:spLocks noGrp="1" noRot="1" noChangeAspect="1"/>
-          </p:cNvSpPr>
-          <p:nvPr>
-            <p:ph type="sldImg"/>
-          </p:nvPr>
-        </p:nvSpPr>
-        <p:spPr/>
-      </p:sp>
-      <p:sp>
-        <p:nvSpPr>
-          <p:cNvPr id="3" name="Notes Placeholder 2"/>
-          <p:cNvSpPr>
-            <a:spLocks noGrp="1"/>
-          </p:cNvSpPr>
-          <p:nvPr>
-            <p:ph type="body" idx="1"/>
-          </p:nvPr>
-        </p:nvSpPr>
-        <p:spPr/>
-        <p:txBody>
-          <a:bodyPr/>
-          <a:lstStyle/>
-          <a:p>
-            <a:r>
-              <a:rPr lang="de-DE" dirty="0" smtClean="0"/>
-              <a:t>Option</a:t>
-            </a:r>
-            <a:r>
-              <a:rPr lang="de-DE" baseline="0" dirty="0" smtClean="0"/>
-              <a:t> ist sehr mächtig und wird viel verwendet!</a:t>
-            </a:r>
-            <a:endParaRPr lang="en-US" dirty="0"/>
-          </a:p>
-        </p:txBody>
-      </p:sp>
-      <p:sp>
-        <p:nvSpPr>
-          <p:cNvPr id="4" name="Slide Number Placeholder 3"/>
-          <p:cNvSpPr>
-            <a:spLocks noGrp="1"/>
-          </p:cNvSpPr>
-          <p:nvPr>
-            <p:ph type="sldNum" sz="quarter" idx="10"/>
-          </p:nvPr>
-        </p:nvSpPr>
-        <p:spPr/>
-        <p:txBody>
-          <a:bodyPr/>
-          <a:lstStyle/>
-          <a:p>
-            <a:fld id="{4775FDF9-2A53-4261-A0AF-3B6A9698D365}" type="slidenum">
-              <a:rPr lang="en-US" smtClean="0"/>
-              <a:t>30</a:t>
-            </a:fld>
-            <a:endParaRPr lang="en-US"/>
-          </a:p>
-        </p:txBody>
-      </p:sp>
-    </p:spTree>
-    <p:extLst>
-      <p:ext uri="{BB962C8B-B14F-4D97-AF65-F5344CB8AC3E}">
-        <p14:creationId xmlns:p14="http://schemas.microsoft.com/office/powerpoint/2010/main" val="3812168741"/>
-      </p:ext>
-    </p:extLst>
-  </p:cSld>
-  <p:clrMapOvr>
-    <a:masterClrMapping/>
-  </p:clrMapOvr>
-</p:notes>
-</file>
-
-<file path=ppt/notesSlides/notesSlide28.xml><?xml version="1.0" encoding="utf-8"?>
-<p:notes xmlns:a="http://schemas.openxmlformats.org/drawingml/2006/main" xmlns:r="http://schemas.openxmlformats.org/officeDocument/2006/relationships" xmlns:p="http://schemas.openxmlformats.org/presentationml/2006/main">
-  <p:cSld>
-    <p:spTree>
-      <p:nvGrpSpPr>
-        <p:cNvPr id="1" name=""/>
-        <p:cNvGrpSpPr/>
-        <p:nvPr/>
-      </p:nvGrpSpPr>
-      <p:grpSpPr>
-        <a:xfrm>
-          <a:off x="0" y="0"/>
-          <a:ext cx="0" cy="0"/>
-          <a:chOff x="0" y="0"/>
-          <a:chExt cx="0" cy="0"/>
-        </a:xfrm>
-      </p:grpSpPr>
-      <p:sp>
-        <p:nvSpPr>
-          <p:cNvPr id="2" name="Slide Image Placeholder 1"/>
-          <p:cNvSpPr>
-            <a:spLocks noGrp="1" noRot="1" noChangeAspect="1"/>
-          </p:cNvSpPr>
-          <p:nvPr>
-            <p:ph type="sldImg"/>
-          </p:nvPr>
-        </p:nvSpPr>
-        <p:spPr/>
-      </p:sp>
-      <p:sp>
-        <p:nvSpPr>
-          <p:cNvPr id="3" name="Notes Placeholder 2"/>
-          <p:cNvSpPr>
-            <a:spLocks noGrp="1"/>
-          </p:cNvSpPr>
-          <p:nvPr>
-            <p:ph type="body" idx="1"/>
-          </p:nvPr>
-        </p:nvSpPr>
-        <p:spPr/>
-        <p:txBody>
-          <a:bodyPr/>
-          <a:lstStyle/>
-          <a:p>
-            <a:r>
-              <a:rPr lang="de-DE" dirty="0" smtClean="0"/>
-              <a:t>null</a:t>
-            </a:r>
-            <a:r>
-              <a:rPr lang="de-DE" baseline="0" dirty="0" smtClean="0"/>
-              <a:t> ist eine Reference zu einem nicht-vorhandenen Objekt</a:t>
-            </a:r>
-          </a:p>
-          <a:p>
-            <a:pPr marL="0" marR="0" indent="0" algn="l" defTabSz="914400" rtl="0" eaLnBrk="1" fontAlgn="auto" latinLnBrk="0" hangingPunct="1">
-              <a:lnSpc>
-                <a:spcPct val="100000"/>
-              </a:lnSpc>
-              <a:spcBef>
-                <a:spcPts val="0"/>
-              </a:spcBef>
-              <a:spcAft>
-                <a:spcPts val="0"/>
-              </a:spcAft>
-              <a:buClrTx/>
-              <a:buSzTx/>
-              <a:buFontTx/>
-              <a:buNone/>
-              <a:tabLst/>
-              <a:defRPr/>
-            </a:pPr>
-            <a:r>
-              <a:rPr lang="de-DE" dirty="0" smtClean="0"/>
-              <a:t>null</a:t>
-            </a:r>
-            <a:r>
-              <a:rPr lang="de-DE" baseline="0" dirty="0" smtClean="0"/>
-              <a:t> hat den gleichen Typ, ich kann </a:t>
-            </a:r>
-            <a:r>
-              <a:rPr lang="de-DE" baseline="0" dirty="0" err="1" smtClean="0">
-                <a:solidFill>
-                  <a:schemeClr val="accent2">
-                    <a:lumMod val="75000"/>
-                  </a:schemeClr>
-                </a:solidFill>
-              </a:rPr>
-              <a:t>Length</a:t>
-            </a:r>
-            <a:r>
-              <a:rPr lang="de-DE" baseline="0" dirty="0" smtClean="0">
-                <a:solidFill>
-                  <a:schemeClr val="accent2">
-                    <a:lumMod val="75000"/>
-                  </a:schemeClr>
-                </a:solidFill>
-              </a:rPr>
-              <a:t> aufrufen auf einen Reference zu Nichts!</a:t>
-            </a:r>
-          </a:p>
-          <a:p>
-            <a:endParaRPr lang="en-US" dirty="0"/>
-          </a:p>
-        </p:txBody>
-      </p:sp>
-      <p:sp>
-        <p:nvSpPr>
-          <p:cNvPr id="4" name="Slide Number Placeholder 3"/>
-          <p:cNvSpPr>
-            <a:spLocks noGrp="1"/>
-          </p:cNvSpPr>
-          <p:nvPr>
-            <p:ph type="sldNum" sz="quarter" idx="10"/>
-          </p:nvPr>
-        </p:nvSpPr>
-        <p:spPr/>
-        <p:txBody>
-          <a:bodyPr/>
-          <a:lstStyle/>
-          <a:p>
-            <a:fld id="{4775FDF9-2A53-4261-A0AF-3B6A9698D365}" type="slidenum">
-              <a:rPr lang="en-US" smtClean="0"/>
-              <a:t>31</a:t>
-            </a:fld>
-            <a:endParaRPr lang="en-US"/>
-          </a:p>
-        </p:txBody>
-      </p:sp>
-    </p:spTree>
-    <p:extLst>
-      <p:ext uri="{BB962C8B-B14F-4D97-AF65-F5344CB8AC3E}">
-        <p14:creationId xmlns:p14="http://schemas.microsoft.com/office/powerpoint/2010/main" val="2749551638"/>
-      </p:ext>
-    </p:extLst>
-  </p:cSld>
-  <p:clrMapOvr>
-    <a:masterClrMapping/>
-  </p:clrMapOvr>
-</p:notes>
-</file>
-
-<file path=ppt/notesSlides/notesSlide29.xml><?xml version="1.0" encoding="utf-8"?>
-<p:notes xmlns:a="http://schemas.openxmlformats.org/drawingml/2006/main" xmlns:r="http://schemas.openxmlformats.org/officeDocument/2006/relationships" xmlns:p="http://schemas.openxmlformats.org/presentationml/2006/main">
-  <p:cSld>
-    <p:spTree>
-      <p:nvGrpSpPr>
-        <p:cNvPr id="1" name=""/>
-        <p:cNvGrpSpPr/>
-        <p:nvPr/>
-      </p:nvGrpSpPr>
-      <p:grpSpPr>
-        <a:xfrm>
-          <a:off x="0" y="0"/>
-          <a:ext cx="0" cy="0"/>
-          <a:chOff x="0" y="0"/>
-          <a:chExt cx="0" cy="0"/>
-        </a:xfrm>
-      </p:grpSpPr>
-      <p:sp>
-        <p:nvSpPr>
-          <p:cNvPr id="2" name="Slide Image Placeholder 1"/>
-          <p:cNvSpPr>
-            <a:spLocks noGrp="1" noRot="1" noChangeAspect="1"/>
-          </p:cNvSpPr>
-          <p:nvPr>
-            <p:ph type="sldImg"/>
-          </p:nvPr>
-        </p:nvSpPr>
-        <p:spPr/>
-      </p:sp>
-      <p:sp>
-        <p:nvSpPr>
-          <p:cNvPr id="3" name="Notes Placeholder 2"/>
-          <p:cNvSpPr>
-            <a:spLocks noGrp="1"/>
-          </p:cNvSpPr>
-          <p:nvPr>
-            <p:ph type="body" idx="1"/>
-          </p:nvPr>
-        </p:nvSpPr>
-        <p:spPr/>
-        <p:txBody>
-          <a:bodyPr/>
-          <a:lstStyle/>
-          <a:p>
-            <a:r>
-              <a:rPr lang="de-DE" dirty="0" smtClean="0"/>
               <a:t>Der Compiler erkennt einen Aufruf zu einem None</a:t>
             </a:r>
             <a:r>
@@ -3065,7 +2777,7 @@
           <a:p>
             <a:fld id="{4775FDF9-2A53-4261-A0AF-3B6A9698D365}" type="slidenum">
               <a:rPr lang="en-US" smtClean="0"/>
-              <a:t>32</a:t>
+              <a:t>29</a:t>
             </a:fld>
             <a:endParaRPr lang="en-US"/>
           </a:p>
@@ -3433,13 +3145,8 @@
           <a:p>
             <a:r>
               <a:rPr lang="de-DE" dirty="0" smtClean="0"/>
-              <a:t>Kein </a:t>
-            </a:r>
-            <a:r>
-              <a:rPr lang="de-DE" dirty="0" smtClean="0"/>
-              <a:t>Hype, kein neuer Trend, sondern endlich auch im Enterprise-Umfeld angekommen </a:t>
-            </a:r>
-            <a:endParaRPr lang="de-DE" dirty="0" smtClean="0"/>
+              <a:t>Kein Hype, kein neuer Trend, sondern endlich auch im Enterprise-Umfeld angekommen </a:t>
+            </a:r>
           </a:p>
           <a:p>
             <a:r>
@@ -3458,26 +3165,13 @@
             </a:r>
             <a:r>
               <a:rPr lang="de-DE" baseline="0" dirty="0" smtClean="0"/>
-              <a:t> </a:t>
-            </a:r>
+              <a:t> auf JVM, F# auf .NET, funktionale Ansätze in JavaScript</a:t>
+            </a:r>
+          </a:p>
+          <a:p>
             <a:r>
               <a:rPr lang="de-DE" baseline="0" dirty="0" smtClean="0"/>
-              <a:t>auf JVM, F# auf .NET, funktionale Ansätze in </a:t>
-            </a:r>
-            <a:r>
-              <a:rPr lang="de-DE" baseline="0" dirty="0" smtClean="0"/>
-              <a:t>JavaScript</a:t>
-            </a:r>
-            <a:endParaRPr lang="de-DE" baseline="0" dirty="0" smtClean="0"/>
-          </a:p>
-          <a:p>
-            <a:r>
-              <a:rPr lang="de-DE" baseline="0" dirty="0" smtClean="0"/>
-              <a:t>Prognose: In den 2020ern wird genau so erwartet, dass man funktional programmieren kann, wie heute mit </a:t>
-            </a:r>
-            <a:r>
-              <a:rPr lang="de-DE" baseline="0" dirty="0" smtClean="0"/>
-              <a:t>OOP</a:t>
+              <a:t>Prognose: In den 2020ern wird genau so erwartet, dass man funktional programmieren kann, wie heute mit OOP</a:t>
             </a:r>
           </a:p>
           <a:p>
@@ -4030,7 +3724,6 @@
               <a:rPr lang="de-DE" baseline="0" dirty="0" smtClean="0"/>
               <a:t>). https://www.youtube.com/watch?v=iSmkqocn0oQ&amp;feature=youtu.be&amp;t=10s</a:t>
             </a:r>
-            <a:endParaRPr lang="de-DE" baseline="0" dirty="0" smtClean="0"/>
           </a:p>
         </p:txBody>
       </p:sp>
@@ -4323,17 +4016,8 @@
             </a:pPr>
             <a:r>
               <a:rPr lang="de-DE" baseline="0" dirty="0" smtClean="0"/>
-              <a:t>Stärker </a:t>
-            </a:r>
-            <a:r>
-              <a:rPr lang="de-DE" baseline="0" dirty="0" smtClean="0"/>
-              <a:t>betonen, dass (sobald funktionale Konstrukte in der Sprache bereitstehen), diese den Code vereinfachen </a:t>
-            </a:r>
-            <a:r>
-              <a:rPr lang="de-DE" baseline="0" dirty="0" smtClean="0"/>
-              <a:t>können, dies gilt nicht nur für F#</a:t>
-            </a:r>
-            <a:endParaRPr lang="de-DE" baseline="0" dirty="0" smtClean="0"/>
+              <a:t>Stärker betonen, dass (sobald funktionale Konstrukte in der Sprache bereitstehen), diese den Code vereinfachen können, dies gilt nicht nur für F#</a:t>
+            </a:r>
           </a:p>
           <a:p>
             <a:pPr marL="0" marR="0" indent="0" algn="l" defTabSz="914400" rtl="0" eaLnBrk="1" fontAlgn="auto" latinLnBrk="0" hangingPunct="1">
@@ -7795,13 +7479,8 @@
             </a:pPr>
             <a:r>
               <a:rPr lang="de-DE" dirty="0" smtClean="0"/>
-              <a:t>	Prägnanz: </a:t>
-            </a:r>
-            <a:r>
-              <a:rPr lang="de-DE" dirty="0" smtClean="0"/>
-              <a:t>LOC Zahl reduziert durch </a:t>
-            </a:r>
-            <a:endParaRPr lang="de-DE" dirty="0" smtClean="0"/>
+              <a:t>	Prägnanz: LOC Zahl reduziert durch </a:t>
+            </a:r>
           </a:p>
           <a:p>
             <a:pPr marL="0" indent="0">
@@ -7886,7 +7565,6 @@
               <a:rPr lang="de-DE" dirty="0" smtClean="0"/>
               <a:t>Default</a:t>
             </a:r>
-            <a:endParaRPr lang="de-DE" dirty="0" smtClean="0"/>
           </a:p>
           <a:p>
             <a:pPr marL="0" indent="0">
@@ -11040,11 +10718,7 @@
             </a:pPr>
             <a:r>
               <a:rPr lang="de-DE" sz="2400" dirty="0" smtClean="0"/>
-              <a:t>Erlaubt </a:t>
-            </a:r>
-            <a:r>
-              <a:rPr lang="de-DE" sz="2400" dirty="0" smtClean="0"/>
-              <a:t>die Extraktion von Werten aus Datentypen auch</a:t>
+              <a:t>Erlaubt die Extraktion von Werten aus Datentypen auch</a:t>
             </a:r>
           </a:p>
           <a:p>
@@ -12706,20 +12380,25 @@
         </p:nvSpPr>
         <p:spPr/>
         <p:txBody>
-          <a:bodyPr/>
+          <a:bodyPr>
+            <a:normAutofit fontScale="90000"/>
+          </a:bodyPr>
           <a:lstStyle/>
           <a:p>
             <a:r>
+              <a:rPr lang="de-DE" dirty="0" smtClean="0"/>
+              <a:t>DU</a:t>
+            </a:r>
+            <a:br>
+              <a:rPr lang="de-DE" dirty="0" smtClean="0"/>
+            </a:br>
+            <a:r>
               <a:rPr lang="de-DE" dirty="0" err="1" smtClean="0"/>
-              <a:t>Record</a:t>
-            </a:r>
-            <a:r>
-              <a:rPr lang="de-DE" dirty="0" smtClean="0"/>
-              <a:t>: Pattern </a:t>
-            </a:r>
-            <a:r>
-              <a:rPr lang="de-DE" dirty="0" err="1" smtClean="0"/>
-              <a:t>Matching</a:t>
+              <a:t>Discriminated</a:t>
+            </a:r>
+            <a:r>
+              <a:rPr lang="de-DE" dirty="0" smtClean="0"/>
+              <a:t> Union</a:t>
             </a:r>
             <a:endParaRPr lang="en-US" dirty="0"/>
           </a:p>
@@ -12737,7 +12416,9 @@
         </p:nvSpPr>
         <p:spPr/>
         <p:txBody>
-          <a:bodyPr/>
+          <a:bodyPr>
+            <a:normAutofit/>
+          </a:bodyPr>
           <a:lstStyle/>
           <a:p>
             <a:pPr marL="0" indent="0">
@@ -12745,23 +12426,7 @@
             </a:pPr>
             <a:r>
               <a:rPr lang="de-DE" dirty="0" smtClean="0"/>
-              <a:t>type Person = { </a:t>
-            </a:r>
-            <a:r>
-              <a:rPr lang="de-DE" dirty="0" err="1" smtClean="0"/>
-              <a:t>First:string</a:t>
-            </a:r>
-            <a:r>
-              <a:rPr lang="de-DE" dirty="0" smtClean="0"/>
-              <a:t>; </a:t>
-            </a:r>
-            <a:r>
-              <a:rPr lang="de-DE" dirty="0" err="1" smtClean="0"/>
-              <a:t>Last:string</a:t>
-            </a:r>
-            <a:r>
-              <a:rPr lang="de-DE" dirty="0" smtClean="0"/>
-              <a:t>; }</a:t>
+              <a:t>Unterscheidungs-Union auf deutsch</a:t>
             </a:r>
           </a:p>
           <a:p>
@@ -12769,12 +12434,8 @@
               <a:buNone/>
             </a:pPr>
             <a:r>
-              <a:rPr lang="de-DE" dirty="0" err="1" smtClean="0"/>
-              <a:t>let</a:t>
-            </a:r>
-            <a:r>
-              <a:rPr lang="de-DE" dirty="0" smtClean="0"/>
-              <a:t> p = { First = „Hans“; Last = „Koch“ }</a:t>
+              <a:rPr lang="de-DE" dirty="0" smtClean="0"/>
+              <a:t>Besteht aus einer Anzahl von benannten Fällen</a:t>
             </a:r>
           </a:p>
           <a:p>
@@ -12782,103 +12443,418 @@
               <a:buNone/>
             </a:pPr>
             <a:r>
-              <a:rPr lang="de-DE" dirty="0" err="1" smtClean="0"/>
-              <a:t>match</a:t>
-            </a:r>
-            <a:r>
-              <a:rPr lang="de-DE" dirty="0" smtClean="0"/>
-              <a:t> p </a:t>
-            </a:r>
-            <a:r>
-              <a:rPr lang="de-DE" dirty="0" err="1" smtClean="0"/>
-              <a:t>with</a:t>
-            </a:r>
-            <a:endParaRPr lang="de-DE" dirty="0" smtClean="0"/>
+              <a:rPr lang="de-DE" dirty="0" smtClean="0"/>
+              <a:t>Nur eines ist gültig für einen Ausdruck</a:t>
+            </a:r>
           </a:p>
           <a:p>
             <a:pPr marL="0" indent="0">
               <a:buNone/>
             </a:pPr>
             <a:r>
-              <a:rPr lang="de-DE" dirty="0" smtClean="0"/>
-              <a:t>| {First = „Hans“} -&gt; </a:t>
-            </a:r>
-            <a:r>
-              <a:rPr lang="de-DE" dirty="0" err="1" smtClean="0"/>
-              <a:t>printfn</a:t>
-            </a:r>
-            <a:r>
-              <a:rPr lang="de-DE" dirty="0" smtClean="0"/>
-              <a:t> „Hans Gefunden“</a:t>
-            </a:r>
+              <a:rPr lang="en-US" sz="2200" dirty="0" smtClean="0">
+                <a:solidFill>
+                  <a:srgbClr val="0000FF"/>
+                </a:solidFill>
+                <a:highlight>
+                  <a:srgbClr val="FFFFFF"/>
+                </a:highlight>
+                <a:latin typeface="Consolas"/>
+              </a:rPr>
+              <a:t>type</a:t>
+            </a:r>
+            <a:r>
+              <a:rPr lang="en-US" sz="2200" dirty="0" smtClean="0">
+                <a:solidFill>
+                  <a:srgbClr val="000000"/>
+                </a:solidFill>
+                <a:highlight>
+                  <a:srgbClr val="FFFFFF"/>
+                </a:highlight>
+                <a:latin typeface="Consolas"/>
+              </a:rPr>
+              <a:t> </a:t>
+            </a:r>
+            <a:r>
+              <a:rPr lang="en-US" sz="2200" dirty="0">
+                <a:solidFill>
+                  <a:srgbClr val="4EC9B0"/>
+                </a:solidFill>
+                <a:highlight>
+                  <a:srgbClr val="FFFFFF"/>
+                </a:highlight>
+                <a:latin typeface="Consolas"/>
+              </a:rPr>
+              <a:t>Shape</a:t>
+            </a:r>
+            <a:r>
+              <a:rPr lang="en-US" sz="2200" dirty="0">
+                <a:solidFill>
+                  <a:srgbClr val="000000"/>
+                </a:solidFill>
+                <a:highlight>
+                  <a:srgbClr val="FFFFFF"/>
+                </a:highlight>
+                <a:latin typeface="Consolas"/>
+              </a:rPr>
+              <a:t> </a:t>
+            </a:r>
+            <a:r>
+              <a:rPr lang="en-US" sz="2200" dirty="0">
+                <a:solidFill>
+                  <a:srgbClr val="DCDCDC"/>
+                </a:solidFill>
+                <a:highlight>
+                  <a:srgbClr val="FFFFFF"/>
+                </a:highlight>
+                <a:latin typeface="Consolas"/>
+              </a:rPr>
+              <a:t>=</a:t>
+            </a:r>
+            <a:endParaRPr lang="en-US" sz="2200" dirty="0">
+              <a:solidFill>
+                <a:srgbClr val="000000"/>
+              </a:solidFill>
+              <a:highlight>
+                <a:srgbClr val="FFFFFF"/>
+              </a:highlight>
+              <a:latin typeface="Consolas"/>
+            </a:endParaRPr>
           </a:p>
           <a:p>
             <a:pPr marL="0" indent="0">
               <a:buNone/>
             </a:pPr>
             <a:r>
-              <a:rPr lang="de-DE" dirty="0" smtClean="0"/>
-              <a:t>| {Last </a:t>
-            </a:r>
-            <a:r>
-              <a:rPr lang="de-DE" dirty="0"/>
-              <a:t>= </a:t>
-            </a:r>
-            <a:r>
-              <a:rPr lang="de-DE" dirty="0" smtClean="0"/>
-              <a:t>„Koch“} </a:t>
-            </a:r>
-            <a:r>
-              <a:rPr lang="de-DE" dirty="0"/>
-              <a:t>-&gt; </a:t>
-            </a:r>
-            <a:r>
-              <a:rPr lang="de-DE" dirty="0" err="1"/>
-              <a:t>printfn</a:t>
-            </a:r>
-            <a:r>
-              <a:rPr lang="de-DE" dirty="0"/>
+              <a:rPr lang="en-US" sz="2200" dirty="0" smtClean="0">
+                <a:solidFill>
+                  <a:srgbClr val="000000"/>
+                </a:solidFill>
+                <a:highlight>
+                  <a:srgbClr val="FFFFFF"/>
+                </a:highlight>
+                <a:latin typeface="Consolas"/>
+              </a:rPr>
+              <a:t>| </a:t>
+            </a:r>
+            <a:r>
+              <a:rPr lang="en-US" sz="2200" dirty="0">
+                <a:solidFill>
+                  <a:schemeClr val="accent2">
+                    <a:lumMod val="75000"/>
+                  </a:schemeClr>
+                </a:solidFill>
+                <a:highlight>
+                  <a:srgbClr val="FFFFFF"/>
+                </a:highlight>
+                <a:latin typeface="Consolas"/>
+              </a:rPr>
+              <a:t>Rectangle</a:t>
+            </a:r>
+            <a:r>
+              <a:rPr lang="en-US" sz="2200" dirty="0">
+                <a:solidFill>
+                  <a:srgbClr val="000000"/>
+                </a:solidFill>
+                <a:highlight>
+                  <a:srgbClr val="FFFFFF"/>
+                </a:highlight>
+                <a:latin typeface="Consolas"/>
+              </a:rPr>
               <a:t> </a:t>
             </a:r>
             <a:r>
-              <a:rPr lang="de-DE" dirty="0" smtClean="0"/>
-              <a:t>„Koch Gefunden“</a:t>
-            </a:r>
+              <a:rPr lang="en-US" sz="2200" dirty="0">
+                <a:solidFill>
+                  <a:srgbClr val="0000FF"/>
+                </a:solidFill>
+                <a:highlight>
+                  <a:srgbClr val="FFFFFF"/>
+                </a:highlight>
+                <a:latin typeface="Consolas"/>
+              </a:rPr>
+              <a:t>of</a:t>
+            </a:r>
+            <a:r>
+              <a:rPr lang="en-US" sz="2200" dirty="0">
+                <a:solidFill>
+                  <a:srgbClr val="000000"/>
+                </a:solidFill>
+                <a:highlight>
+                  <a:srgbClr val="FFFFFF"/>
+                </a:highlight>
+                <a:latin typeface="Consolas"/>
+              </a:rPr>
+              <a:t> width : </a:t>
+            </a:r>
+            <a:r>
+              <a:rPr lang="en-US" sz="2200" dirty="0">
+                <a:solidFill>
+                  <a:srgbClr val="4EC9B0"/>
+                </a:solidFill>
+                <a:highlight>
+                  <a:srgbClr val="FFFFFF"/>
+                </a:highlight>
+                <a:latin typeface="Consolas"/>
+              </a:rPr>
+              <a:t>float</a:t>
+            </a:r>
+            <a:r>
+              <a:rPr lang="en-US" sz="2200" dirty="0">
+                <a:solidFill>
+                  <a:srgbClr val="000000"/>
+                </a:solidFill>
+                <a:highlight>
+                  <a:srgbClr val="FFFFFF"/>
+                </a:highlight>
+                <a:latin typeface="Consolas"/>
+              </a:rPr>
+              <a:t> * length : </a:t>
+            </a:r>
+            <a:r>
+              <a:rPr lang="en-US" sz="2200" dirty="0">
+                <a:solidFill>
+                  <a:srgbClr val="4EC9B0"/>
+                </a:solidFill>
+                <a:highlight>
+                  <a:srgbClr val="FFFFFF"/>
+                </a:highlight>
+                <a:latin typeface="Consolas"/>
+              </a:rPr>
+              <a:t>float</a:t>
+            </a:r>
+            <a:endParaRPr lang="en-US" sz="2200" dirty="0">
+              <a:solidFill>
+                <a:srgbClr val="000000"/>
+              </a:solidFill>
+              <a:highlight>
+                <a:srgbClr val="FFFFFF"/>
+              </a:highlight>
+              <a:latin typeface="Consolas"/>
+            </a:endParaRPr>
           </a:p>
           <a:p>
             <a:pPr marL="0" indent="0">
               <a:buNone/>
             </a:pPr>
             <a:r>
-              <a:rPr lang="de-DE" dirty="0" smtClean="0"/>
-              <a:t>| _ -&gt; </a:t>
-            </a:r>
-            <a:r>
-              <a:rPr lang="de-DE" dirty="0" err="1"/>
-              <a:t>printfn</a:t>
-            </a:r>
-            <a:r>
-              <a:rPr lang="de-DE" dirty="0"/>
+              <a:rPr lang="en-US" sz="2200" dirty="0" smtClean="0">
+                <a:solidFill>
+                  <a:srgbClr val="000000"/>
+                </a:solidFill>
+                <a:highlight>
+                  <a:srgbClr val="FFFFFF"/>
+                </a:highlight>
+                <a:latin typeface="Consolas"/>
+              </a:rPr>
+              <a:t>| </a:t>
+            </a:r>
+            <a:r>
+              <a:rPr lang="en-US" sz="2200" dirty="0">
+                <a:solidFill>
+                  <a:schemeClr val="accent2">
+                    <a:lumMod val="75000"/>
+                  </a:schemeClr>
+                </a:solidFill>
+                <a:highlight>
+                  <a:srgbClr val="FFFFFF"/>
+                </a:highlight>
+                <a:latin typeface="Consolas"/>
+              </a:rPr>
+              <a:t>Circle</a:t>
+            </a:r>
+            <a:r>
+              <a:rPr lang="en-US" sz="2200" dirty="0">
+                <a:solidFill>
+                  <a:srgbClr val="000000"/>
+                </a:solidFill>
+                <a:highlight>
+                  <a:srgbClr val="FFFFFF"/>
+                </a:highlight>
+                <a:latin typeface="Consolas"/>
+              </a:rPr>
               <a:t> </a:t>
             </a:r>
             <a:r>
-              <a:rPr lang="de-DE" dirty="0" smtClean="0"/>
-              <a:t>„Wer ist da? : %A“ p</a:t>
-            </a:r>
-            <a:endParaRPr lang="de-DE" dirty="0"/>
+              <a:rPr lang="en-US" sz="2200" dirty="0">
+                <a:solidFill>
+                  <a:srgbClr val="0000FF"/>
+                </a:solidFill>
+                <a:highlight>
+                  <a:srgbClr val="FFFFFF"/>
+                </a:highlight>
+                <a:latin typeface="Consolas"/>
+              </a:rPr>
+              <a:t>of</a:t>
+            </a:r>
+            <a:r>
+              <a:rPr lang="en-US" sz="2200" dirty="0">
+                <a:solidFill>
+                  <a:srgbClr val="000000"/>
+                </a:solidFill>
+                <a:highlight>
+                  <a:srgbClr val="FFFFFF"/>
+                </a:highlight>
+                <a:latin typeface="Consolas"/>
+              </a:rPr>
+              <a:t> radius : </a:t>
+            </a:r>
+            <a:r>
+              <a:rPr lang="en-US" sz="2200" dirty="0">
+                <a:solidFill>
+                  <a:srgbClr val="4EC9B0"/>
+                </a:solidFill>
+                <a:highlight>
+                  <a:srgbClr val="FFFFFF"/>
+                </a:highlight>
+                <a:latin typeface="Consolas"/>
+              </a:rPr>
+              <a:t>float</a:t>
+            </a:r>
+            <a:endParaRPr lang="en-US" sz="2200" dirty="0">
+              <a:solidFill>
+                <a:srgbClr val="000000"/>
+              </a:solidFill>
+              <a:highlight>
+                <a:srgbClr val="FFFFFF"/>
+              </a:highlight>
+              <a:latin typeface="Consolas"/>
+            </a:endParaRPr>
           </a:p>
           <a:p>
             <a:pPr marL="0" indent="0">
               <a:buNone/>
             </a:pPr>
-            <a:endParaRPr lang="en-US" dirty="0"/>
+            <a:r>
+              <a:rPr lang="en-US" sz="2200" dirty="0" smtClean="0">
+                <a:solidFill>
+                  <a:srgbClr val="000000"/>
+                </a:solidFill>
+                <a:highlight>
+                  <a:srgbClr val="FFFFFF"/>
+                </a:highlight>
+                <a:latin typeface="Consolas"/>
+              </a:rPr>
+              <a:t>| </a:t>
+            </a:r>
+            <a:r>
+              <a:rPr lang="en-US" sz="2200" dirty="0">
+                <a:solidFill>
+                  <a:schemeClr val="accent2">
+                    <a:lumMod val="75000"/>
+                  </a:schemeClr>
+                </a:solidFill>
+                <a:highlight>
+                  <a:srgbClr val="FFFFFF"/>
+                </a:highlight>
+                <a:latin typeface="Consolas"/>
+              </a:rPr>
+              <a:t>Prism</a:t>
+            </a:r>
+            <a:r>
+              <a:rPr lang="en-US" sz="2200" dirty="0">
+                <a:solidFill>
+                  <a:srgbClr val="000000"/>
+                </a:solidFill>
+                <a:highlight>
+                  <a:srgbClr val="FFFFFF"/>
+                </a:highlight>
+                <a:latin typeface="Consolas"/>
+              </a:rPr>
+              <a:t> </a:t>
+            </a:r>
+            <a:r>
+              <a:rPr lang="en-US" sz="2200" dirty="0">
+                <a:solidFill>
+                  <a:srgbClr val="0000FF"/>
+                </a:solidFill>
+                <a:highlight>
+                  <a:srgbClr val="FFFFFF"/>
+                </a:highlight>
+                <a:latin typeface="Consolas"/>
+              </a:rPr>
+              <a:t>of</a:t>
+            </a:r>
+            <a:r>
+              <a:rPr lang="en-US" sz="2200" dirty="0">
+                <a:solidFill>
+                  <a:srgbClr val="000000"/>
+                </a:solidFill>
+                <a:highlight>
+                  <a:srgbClr val="FFFFFF"/>
+                </a:highlight>
+                <a:latin typeface="Consolas"/>
+              </a:rPr>
+              <a:t> width : </a:t>
+            </a:r>
+            <a:r>
+              <a:rPr lang="en-US" sz="2200" dirty="0">
+                <a:solidFill>
+                  <a:srgbClr val="4EC9B0"/>
+                </a:solidFill>
+                <a:highlight>
+                  <a:srgbClr val="FFFFFF"/>
+                </a:highlight>
+                <a:latin typeface="Consolas"/>
+              </a:rPr>
+              <a:t>float</a:t>
+            </a:r>
+            <a:r>
+              <a:rPr lang="en-US" sz="2200" dirty="0">
+                <a:solidFill>
+                  <a:srgbClr val="000000"/>
+                </a:solidFill>
+                <a:highlight>
+                  <a:srgbClr val="FFFFFF"/>
+                </a:highlight>
+                <a:latin typeface="Consolas"/>
+              </a:rPr>
+              <a:t> * </a:t>
+            </a:r>
+            <a:r>
+              <a:rPr lang="en-US" sz="2200" dirty="0">
+                <a:solidFill>
+                  <a:srgbClr val="4EC9B0"/>
+                </a:solidFill>
+                <a:highlight>
+                  <a:srgbClr val="FFFFFF"/>
+                </a:highlight>
+                <a:latin typeface="Consolas"/>
+              </a:rPr>
+              <a:t>float</a:t>
+            </a:r>
+            <a:r>
+              <a:rPr lang="en-US" sz="2200" dirty="0">
+                <a:solidFill>
+                  <a:srgbClr val="000000"/>
+                </a:solidFill>
+                <a:highlight>
+                  <a:srgbClr val="FFFFFF"/>
+                </a:highlight>
+                <a:latin typeface="Consolas"/>
+              </a:rPr>
+              <a:t> * height : </a:t>
+            </a:r>
+            <a:r>
+              <a:rPr lang="en-US" sz="2200" dirty="0">
+                <a:solidFill>
+                  <a:srgbClr val="4EC9B0"/>
+                </a:solidFill>
+                <a:highlight>
+                  <a:srgbClr val="FFFFFF"/>
+                </a:highlight>
+                <a:latin typeface="Consolas"/>
+              </a:rPr>
+              <a:t>float</a:t>
+            </a:r>
+            <a:endParaRPr lang="en-US" sz="2200" dirty="0"/>
           </a:p>
         </p:txBody>
       </p:sp>
     </p:spTree>
     <p:extLst>
       <p:ext uri="{BB962C8B-B14F-4D97-AF65-F5344CB8AC3E}">
-        <p14:creationId xmlns:p14="http://schemas.microsoft.com/office/powerpoint/2010/main" val="249076294"/>
+        <p14:creationId xmlns:p14="http://schemas.microsoft.com/office/powerpoint/2010/main" val="3184996216"/>
       </p:ext>
     </p:extLst>
   </p:cSld>
@@ -12924,25 +12900,12 @@
         </p:nvSpPr>
         <p:spPr/>
         <p:txBody>
-          <a:bodyPr>
-            <a:normAutofit fontScale="90000"/>
-          </a:bodyPr>
+          <a:bodyPr/>
           <a:lstStyle/>
           <a:p>
             <a:r>
               <a:rPr lang="de-DE" dirty="0" smtClean="0"/>
-              <a:t>DU</a:t>
-            </a:r>
-            <a:br>
-              <a:rPr lang="de-DE" dirty="0" smtClean="0"/>
-            </a:br>
-            <a:r>
-              <a:rPr lang="de-DE" dirty="0" err="1" smtClean="0"/>
-              <a:t>Discriminated</a:t>
-            </a:r>
-            <a:r>
-              <a:rPr lang="de-DE" dirty="0" smtClean="0"/>
-              <a:t> Union</a:t>
+              <a:t>DU: Single Case</a:t>
             </a:r>
             <a:endParaRPr lang="en-US" dirty="0"/>
           </a:p>
@@ -12961,7 +12924,7 @@
         <p:spPr/>
         <p:txBody>
           <a:bodyPr>
-            <a:normAutofit/>
+            <a:normAutofit lnSpcReduction="10000"/>
           </a:bodyPr>
           <a:lstStyle/>
           <a:p>
@@ -12969,34 +12932,7 @@
               <a:buNone/>
             </a:pPr>
             <a:r>
-              <a:rPr lang="de-DE" dirty="0" smtClean="0"/>
-              <a:t>Unterscheidungs-Union auf deutsch</a:t>
-            </a:r>
-          </a:p>
-          <a:p>
-            <a:pPr marL="0" indent="0">
-              <a:buNone/>
-            </a:pPr>
-            <a:r>
-              <a:rPr lang="de-DE" dirty="0" smtClean="0"/>
-              <a:t>Besteht aus einer Anzahl von benannten Fällen</a:t>
-            </a:r>
-          </a:p>
-          <a:p>
-            <a:pPr marL="0" indent="0">
-              <a:buNone/>
-            </a:pPr>
-            <a:r>
-              <a:rPr lang="de-DE" dirty="0" smtClean="0"/>
-              <a:t>Nur eines ist gültig für einen Ausdruck</a:t>
-            </a:r>
-          </a:p>
-          <a:p>
-            <a:pPr marL="0" indent="0">
-              <a:buNone/>
-            </a:pPr>
-            <a:r>
-              <a:rPr lang="en-US" sz="2200" dirty="0" smtClean="0">
+              <a:rPr lang="en-US" dirty="0" smtClean="0">
                 <a:solidFill>
                   <a:srgbClr val="0000FF"/>
                 </a:solidFill>
@@ -13008,7 +12944,7 @@
               <a:t>type</a:t>
             </a:r>
             <a:r>
-              <a:rPr lang="en-US" sz="2200" dirty="0" smtClean="0">
+              <a:rPr lang="en-US" dirty="0" smtClean="0">
                 <a:solidFill>
                   <a:srgbClr val="000000"/>
                 </a:solidFill>
@@ -13020,7 +12956,7 @@
               <a:t> </a:t>
             </a:r>
             <a:r>
-              <a:rPr lang="en-US" sz="2200" dirty="0">
+              <a:rPr lang="en-US" dirty="0" err="1">
                 <a:solidFill>
                   <a:srgbClr val="4EC9B0"/>
                 </a:solidFill>
@@ -13029,10 +12965,10 @@
                 </a:highlight>
                 <a:latin typeface="Consolas"/>
               </a:rPr>
-              <a:t>Shape</a:t>
-            </a:r>
-            <a:r>
-              <a:rPr lang="en-US" sz="2200" dirty="0">
+              <a:t>CustomerId</a:t>
+            </a:r>
+            <a:r>
+              <a:rPr lang="en-US" dirty="0">
                 <a:solidFill>
                   <a:srgbClr val="000000"/>
                 </a:solidFill>
@@ -13044,7 +12980,7 @@
               <a:t> </a:t>
             </a:r>
             <a:r>
-              <a:rPr lang="en-US" sz="2200" dirty="0">
+              <a:rPr lang="en-US" dirty="0">
                 <a:solidFill>
                   <a:srgbClr val="DCDCDC"/>
                 </a:solidFill>
@@ -13055,7 +12991,79 @@
               </a:rPr>
               <a:t>=</a:t>
             </a:r>
-            <a:endParaRPr lang="en-US" sz="2200" dirty="0">
+            <a:r>
+              <a:rPr lang="en-US" dirty="0">
+                <a:solidFill>
+                  <a:srgbClr val="000000"/>
+                </a:solidFill>
+                <a:highlight>
+                  <a:srgbClr val="FFFFFF"/>
+                </a:highlight>
+                <a:latin typeface="Consolas"/>
+              </a:rPr>
+              <a:t> </a:t>
+            </a:r>
+            <a:r>
+              <a:rPr lang="en-US" dirty="0" err="1">
+                <a:solidFill>
+                  <a:srgbClr val="DCDCDC"/>
+                </a:solidFill>
+                <a:highlight>
+                  <a:srgbClr val="FFFFFF"/>
+                </a:highlight>
+                <a:latin typeface="Consolas"/>
+              </a:rPr>
+              <a:t>CustomerId</a:t>
+            </a:r>
+            <a:r>
+              <a:rPr lang="en-US" dirty="0">
+                <a:solidFill>
+                  <a:srgbClr val="000000"/>
+                </a:solidFill>
+                <a:highlight>
+                  <a:srgbClr val="FFFFFF"/>
+                </a:highlight>
+                <a:latin typeface="Consolas"/>
+              </a:rPr>
+              <a:t> </a:t>
+            </a:r>
+            <a:r>
+              <a:rPr lang="en-US" dirty="0">
+                <a:solidFill>
+                  <a:srgbClr val="0000FF"/>
+                </a:solidFill>
+                <a:highlight>
+                  <a:srgbClr val="FFFFFF"/>
+                </a:highlight>
+                <a:latin typeface="Consolas"/>
+              </a:rPr>
+              <a:t>of</a:t>
+            </a:r>
+            <a:r>
+              <a:rPr lang="en-US" dirty="0">
+                <a:solidFill>
+                  <a:srgbClr val="000000"/>
+                </a:solidFill>
+                <a:highlight>
+                  <a:srgbClr val="FFFFFF"/>
+                </a:highlight>
+                <a:latin typeface="Consolas"/>
+              </a:rPr>
+              <a:t> </a:t>
+            </a:r>
+            <a:r>
+              <a:rPr lang="en-US" dirty="0" err="1">
+                <a:solidFill>
+                  <a:srgbClr val="4EC9B0"/>
+                </a:solidFill>
+                <a:highlight>
+                  <a:srgbClr val="FFFFFF"/>
+                </a:highlight>
+                <a:latin typeface="Consolas"/>
+              </a:rPr>
+              <a:t>int</a:t>
+            </a:r>
+            <a:endParaRPr lang="en-US" dirty="0">
               <a:solidFill>
                 <a:srgbClr val="000000"/>
               </a:solidFill>
@@ -13070,33 +13078,19 @@
               <a:buNone/>
             </a:pPr>
             <a:r>
-              <a:rPr lang="en-US" sz="2200" dirty="0" smtClean="0">
-                <a:solidFill>
-                  <a:srgbClr val="000000"/>
+              <a:rPr lang="en-US" dirty="0" smtClean="0">
+                <a:solidFill>
+                  <a:srgbClr val="0000FF"/>
                 </a:solidFill>
                 <a:highlight>
                   <a:srgbClr val="FFFFFF"/>
                 </a:highlight>
                 <a:latin typeface="Consolas"/>
               </a:rPr>
-              <a:t>| </a:t>
-            </a:r>
-            <a:r>
-              <a:rPr lang="en-US" sz="2200" dirty="0">
-                <a:solidFill>
-                  <a:schemeClr val="accent2">
-                    <a:lumMod val="75000"/>
-                  </a:schemeClr>
-                </a:solidFill>
-                <a:highlight>
-                  <a:srgbClr val="FFFFFF"/>
-                </a:highlight>
-                <a:latin typeface="Consolas"/>
-              </a:rPr>
-              <a:t>Rectangle</a:t>
-            </a:r>
-            <a:r>
-              <a:rPr lang="en-US" sz="2200" dirty="0">
+              <a:t>type</a:t>
+            </a:r>
+            <a:r>
+              <a:rPr lang="en-US" dirty="0" smtClean="0">
                 <a:solidFill>
                   <a:srgbClr val="000000"/>
                 </a:solidFill>
@@ -13108,7 +13102,79 @@
               <a:t> </a:t>
             </a:r>
             <a:r>
-              <a:rPr lang="en-US" sz="2200" dirty="0">
+              <a:rPr lang="en-US" dirty="0" err="1">
+                <a:solidFill>
+                  <a:srgbClr val="4EC9B0"/>
+                </a:solidFill>
+                <a:highlight>
+                  <a:srgbClr val="FFFFFF"/>
+                </a:highlight>
+                <a:latin typeface="Consolas"/>
+              </a:rPr>
+              <a:t>OrderId</a:t>
+            </a:r>
+            <a:r>
+              <a:rPr lang="en-US" dirty="0">
+                <a:solidFill>
+                  <a:srgbClr val="000000"/>
+                </a:solidFill>
+                <a:highlight>
+                  <a:srgbClr val="FFFFFF"/>
+                </a:highlight>
+                <a:latin typeface="Consolas"/>
+              </a:rPr>
+              <a:t> </a:t>
+            </a:r>
+            <a:r>
+              <a:rPr lang="en-US" dirty="0">
+                <a:solidFill>
+                  <a:srgbClr val="DCDCDC"/>
+                </a:solidFill>
+                <a:highlight>
+                  <a:srgbClr val="FFFFFF"/>
+                </a:highlight>
+                <a:latin typeface="Consolas"/>
+              </a:rPr>
+              <a:t>=</a:t>
+            </a:r>
+            <a:r>
+              <a:rPr lang="en-US" dirty="0">
+                <a:solidFill>
+                  <a:srgbClr val="000000"/>
+                </a:solidFill>
+                <a:highlight>
+                  <a:srgbClr val="FFFFFF"/>
+                </a:highlight>
+                <a:latin typeface="Consolas"/>
+              </a:rPr>
+              <a:t> </a:t>
+            </a:r>
+            <a:r>
+              <a:rPr lang="en-US" dirty="0" err="1">
+                <a:solidFill>
+                  <a:srgbClr val="DCDCDC"/>
+                </a:solidFill>
+                <a:highlight>
+                  <a:srgbClr val="FFFFFF"/>
+                </a:highlight>
+                <a:latin typeface="Consolas"/>
+              </a:rPr>
+              <a:t>OrderId</a:t>
+            </a:r>
+            <a:r>
+              <a:rPr lang="en-US" dirty="0">
+                <a:solidFill>
+                  <a:srgbClr val="000000"/>
+                </a:solidFill>
+                <a:highlight>
+                  <a:srgbClr val="FFFFFF"/>
+                </a:highlight>
+                <a:latin typeface="Consolas"/>
+              </a:rPr>
+              <a:t> </a:t>
+            </a:r>
+            <a:r>
+              <a:rPr lang="en-US" dirty="0">
                 <a:solidFill>
                   <a:srgbClr val="0000FF"/>
                 </a:solidFill>
@@ -13120,7 +13186,7 @@
               <a:t>of</a:t>
             </a:r>
             <a:r>
-              <a:rPr lang="en-US" sz="2200" dirty="0">
+              <a:rPr lang="en-US" dirty="0">
                 <a:solidFill>
                   <a:srgbClr val="000000"/>
                 </a:solidFill>
@@ -13129,10 +13195,10 @@
                 </a:highlight>
                 <a:latin typeface="Consolas"/>
               </a:rPr>
-              <a:t> width : </a:t>
-            </a:r>
-            <a:r>
-              <a:rPr lang="en-US" sz="2200" dirty="0">
+              <a:t> </a:t>
+            </a:r>
+            <a:r>
+              <a:rPr lang="en-US" dirty="0" err="1">
                 <a:solidFill>
                   <a:srgbClr val="4EC9B0"/>
                 </a:solidFill>
@@ -13141,33 +13207,9 @@
                 </a:highlight>
                 <a:latin typeface="Consolas"/>
               </a:rPr>
-              <a:t>float</a:t>
-            </a:r>
-            <a:r>
-              <a:rPr lang="en-US" sz="2200" dirty="0">
-                <a:solidFill>
-                  <a:srgbClr val="000000"/>
-                </a:solidFill>
-                <a:highlight>
-                  <a:srgbClr val="FFFFFF"/>
-                </a:highlight>
-                <a:latin typeface="Consolas"/>
-              </a:rPr>
-              <a:t> * length : </a:t>
-            </a:r>
-            <a:r>
-              <a:rPr lang="en-US" sz="2200" dirty="0">
-                <a:solidFill>
-                  <a:srgbClr val="4EC9B0"/>
-                </a:solidFill>
-                <a:highlight>
-                  <a:srgbClr val="FFFFFF"/>
-                </a:highlight>
-                <a:latin typeface="Consolas"/>
-              </a:rPr>
-              <a:t>float</a:t>
-            </a:r>
-            <a:endParaRPr lang="en-US" sz="2200" dirty="0">
+              <a:t>int</a:t>
+            </a:r>
+            <a:endParaRPr lang="en-US" dirty="0">
               <a:solidFill>
                 <a:srgbClr val="000000"/>
               </a:solidFill>
@@ -13178,84 +13220,7 @@
             </a:endParaRPr>
           </a:p>
           <a:p>
-            <a:pPr marL="0" indent="0">
-              <a:buNone/>
-            </a:pPr>
-            <a:r>
-              <a:rPr lang="en-US" sz="2200" dirty="0" smtClean="0">
-                <a:solidFill>
-                  <a:srgbClr val="000000"/>
-                </a:solidFill>
-                <a:highlight>
-                  <a:srgbClr val="FFFFFF"/>
-                </a:highlight>
-                <a:latin typeface="Consolas"/>
-              </a:rPr>
-              <a:t>| </a:t>
-            </a:r>
-            <a:r>
-              <a:rPr lang="en-US" sz="2200" dirty="0">
-                <a:solidFill>
-                  <a:schemeClr val="accent2">
-                    <a:lumMod val="75000"/>
-                  </a:schemeClr>
-                </a:solidFill>
-                <a:highlight>
-                  <a:srgbClr val="FFFFFF"/>
-                </a:highlight>
-                <a:latin typeface="Consolas"/>
-              </a:rPr>
-              <a:t>Circle</a:t>
-            </a:r>
-            <a:r>
-              <a:rPr lang="en-US" sz="2200" dirty="0">
-                <a:solidFill>
-                  <a:srgbClr val="000000"/>
-                </a:solidFill>
-                <a:highlight>
-                  <a:srgbClr val="FFFFFF"/>
-                </a:highlight>
-                <a:latin typeface="Consolas"/>
-              </a:rPr>
-              <a:t> </a:t>
-            </a:r>
-            <a:r>
-              <a:rPr lang="en-US" sz="2200" dirty="0">
-                <a:solidFill>
-                  <a:srgbClr val="0000FF"/>
-                </a:solidFill>
-                <a:highlight>
-                  <a:srgbClr val="FFFFFF"/>
-                </a:highlight>
-                <a:latin typeface="Consolas"/>
-              </a:rPr>
-              <a:t>of</a:t>
-            </a:r>
-            <a:r>
-              <a:rPr lang="en-US" sz="2200" dirty="0">
-                <a:solidFill>
-                  <a:srgbClr val="000000"/>
-                </a:solidFill>
-                <a:highlight>
-                  <a:srgbClr val="FFFFFF"/>
-                </a:highlight>
-                <a:latin typeface="Consolas"/>
-              </a:rPr>
-              <a:t> radius : </a:t>
-            </a:r>
-            <a:r>
-              <a:rPr lang="en-US" sz="2200" dirty="0">
-                <a:solidFill>
-                  <a:srgbClr val="4EC9B0"/>
-                </a:solidFill>
-                <a:highlight>
-                  <a:srgbClr val="FFFFFF"/>
-                </a:highlight>
-                <a:latin typeface="Consolas"/>
-              </a:rPr>
-              <a:t>float</a:t>
-            </a:r>
-            <a:endParaRPr lang="en-US" sz="2200" dirty="0">
+            <a:endParaRPr lang="en-US" dirty="0">
               <a:solidFill>
                 <a:srgbClr val="000000"/>
               </a:solidFill>
@@ -13270,33 +13235,19 @@
               <a:buNone/>
             </a:pPr>
             <a:r>
-              <a:rPr lang="en-US" sz="2200" dirty="0" smtClean="0">
-                <a:solidFill>
-                  <a:srgbClr val="000000"/>
+              <a:rPr lang="en-US" dirty="0" smtClean="0">
+                <a:solidFill>
+                  <a:srgbClr val="0000FF"/>
                 </a:solidFill>
                 <a:highlight>
                   <a:srgbClr val="FFFFFF"/>
                 </a:highlight>
                 <a:latin typeface="Consolas"/>
               </a:rPr>
-              <a:t>| </a:t>
-            </a:r>
-            <a:r>
-              <a:rPr lang="en-US" sz="2200" dirty="0">
-                <a:solidFill>
-                  <a:schemeClr val="accent2">
-                    <a:lumMod val="75000"/>
-                  </a:schemeClr>
-                </a:solidFill>
-                <a:highlight>
-                  <a:srgbClr val="FFFFFF"/>
-                </a:highlight>
-                <a:latin typeface="Consolas"/>
-              </a:rPr>
-              <a:t>Prism</a:t>
-            </a:r>
-            <a:r>
-              <a:rPr lang="en-US" sz="2200" dirty="0">
+              <a:t>let</a:t>
+            </a:r>
+            <a:r>
+              <a:rPr lang="en-US" dirty="0" smtClean="0">
                 <a:solidFill>
                   <a:srgbClr val="000000"/>
                 </a:solidFill>
@@ -13308,19 +13259,19 @@
               <a:t> </a:t>
             </a:r>
             <a:r>
-              <a:rPr lang="en-US" sz="2200" dirty="0">
-                <a:solidFill>
-                  <a:srgbClr val="0000FF"/>
+              <a:rPr lang="en-US" dirty="0" err="1">
+                <a:solidFill>
+                  <a:srgbClr val="000000"/>
                 </a:solidFill>
                 <a:highlight>
                   <a:srgbClr val="FFFFFF"/>
                 </a:highlight>
                 <a:latin typeface="Consolas"/>
               </a:rPr>
-              <a:t>of</a:t>
-            </a:r>
-            <a:r>
-              <a:rPr lang="en-US" sz="2200" dirty="0">
+              <a:t>cid</a:t>
+            </a:r>
+            <a:r>
+              <a:rPr lang="en-US" dirty="0">
                 <a:solidFill>
                   <a:srgbClr val="000000"/>
                 </a:solidFill>
@@ -13329,22 +13280,22 @@
                 </a:highlight>
                 <a:latin typeface="Consolas"/>
               </a:rPr>
-              <a:t> width : </a:t>
-            </a:r>
-            <a:r>
-              <a:rPr lang="en-US" sz="2200" dirty="0">
-                <a:solidFill>
-                  <a:srgbClr val="4EC9B0"/>
+              <a:t> </a:t>
+            </a:r>
+            <a:r>
+              <a:rPr lang="en-US" dirty="0">
+                <a:solidFill>
+                  <a:srgbClr val="DCDCDC"/>
                 </a:solidFill>
                 <a:highlight>
                   <a:srgbClr val="FFFFFF"/>
                 </a:highlight>
                 <a:latin typeface="Consolas"/>
               </a:rPr>
-              <a:t>float</a:t>
-            </a:r>
-            <a:r>
-              <a:rPr lang="en-US" sz="2200" dirty="0">
+              <a:t>=</a:t>
+            </a:r>
+            <a:r>
+              <a:rPr lang="en-US" dirty="0">
                 <a:solidFill>
                   <a:srgbClr val="000000"/>
                 </a:solidFill>
@@ -13353,22 +13304,22 @@
                 </a:highlight>
                 <a:latin typeface="Consolas"/>
               </a:rPr>
-              <a:t> * </a:t>
-            </a:r>
-            <a:r>
-              <a:rPr lang="en-US" sz="2200" dirty="0">
-                <a:solidFill>
-                  <a:srgbClr val="4EC9B0"/>
+              <a:t> </a:t>
+            </a:r>
+            <a:r>
+              <a:rPr lang="en-US" dirty="0" err="1">
+                <a:solidFill>
+                  <a:srgbClr val="DCDCDC"/>
                 </a:solidFill>
                 <a:highlight>
                   <a:srgbClr val="FFFFFF"/>
                 </a:highlight>
                 <a:latin typeface="Consolas"/>
               </a:rPr>
-              <a:t>float</a:t>
-            </a:r>
-            <a:r>
-              <a:rPr lang="en-US" sz="2200" dirty="0">
+              <a:t>CustomerId</a:t>
+            </a:r>
+            <a:r>
+              <a:rPr lang="en-US" dirty="0">
                 <a:solidFill>
                   <a:srgbClr val="000000"/>
                 </a:solidFill>
@@ -13377,28 +13328,376 @@
                 </a:highlight>
                 <a:latin typeface="Consolas"/>
               </a:rPr>
-              <a:t> * height : </a:t>
-            </a:r>
-            <a:r>
-              <a:rPr lang="en-US" sz="2200" dirty="0">
-                <a:solidFill>
-                  <a:srgbClr val="4EC9B0"/>
+              <a:t>(15)</a:t>
+            </a:r>
+          </a:p>
+          <a:p>
+            <a:pPr marL="0" indent="0">
+              <a:buNone/>
+            </a:pPr>
+            <a:r>
+              <a:rPr lang="en-US" dirty="0" smtClean="0">
+                <a:solidFill>
+                  <a:srgbClr val="0000FF"/>
                 </a:solidFill>
                 <a:highlight>
                   <a:srgbClr val="FFFFFF"/>
                 </a:highlight>
                 <a:latin typeface="Consolas"/>
               </a:rPr>
-              <a:t>float</a:t>
-            </a:r>
-            <a:endParaRPr lang="en-US" sz="2200" dirty="0"/>
+              <a:t>let</a:t>
+            </a:r>
+            <a:r>
+              <a:rPr lang="en-US" dirty="0" smtClean="0">
+                <a:solidFill>
+                  <a:srgbClr val="000000"/>
+                </a:solidFill>
+                <a:highlight>
+                  <a:srgbClr val="FFFFFF"/>
+                </a:highlight>
+                <a:latin typeface="Consolas"/>
+              </a:rPr>
+              <a:t> </a:t>
+            </a:r>
+            <a:r>
+              <a:rPr lang="en-US" dirty="0" err="1">
+                <a:solidFill>
+                  <a:srgbClr val="000000"/>
+                </a:solidFill>
+                <a:highlight>
+                  <a:srgbClr val="FFFFFF"/>
+                </a:highlight>
+                <a:latin typeface="Consolas"/>
+              </a:rPr>
+              <a:t>oid</a:t>
+            </a:r>
+            <a:r>
+              <a:rPr lang="en-US" dirty="0">
+                <a:solidFill>
+                  <a:srgbClr val="000000"/>
+                </a:solidFill>
+                <a:highlight>
+                  <a:srgbClr val="FFFFFF"/>
+                </a:highlight>
+                <a:latin typeface="Consolas"/>
+              </a:rPr>
+              <a:t> </a:t>
+            </a:r>
+            <a:r>
+              <a:rPr lang="en-US" dirty="0">
+                <a:solidFill>
+                  <a:srgbClr val="DCDCDC"/>
+                </a:solidFill>
+                <a:highlight>
+                  <a:srgbClr val="FFFFFF"/>
+                </a:highlight>
+                <a:latin typeface="Consolas"/>
+              </a:rPr>
+              <a:t>=</a:t>
+            </a:r>
+            <a:r>
+              <a:rPr lang="en-US" dirty="0">
+                <a:solidFill>
+                  <a:srgbClr val="000000"/>
+                </a:solidFill>
+                <a:highlight>
+                  <a:srgbClr val="FFFFFF"/>
+                </a:highlight>
+                <a:latin typeface="Consolas"/>
+              </a:rPr>
+              <a:t> </a:t>
+            </a:r>
+            <a:r>
+              <a:rPr lang="en-US" dirty="0" err="1">
+                <a:solidFill>
+                  <a:srgbClr val="DCDCDC"/>
+                </a:solidFill>
+                <a:highlight>
+                  <a:srgbClr val="FFFFFF"/>
+                </a:highlight>
+                <a:latin typeface="Consolas"/>
+              </a:rPr>
+              <a:t>OrderId</a:t>
+            </a:r>
+            <a:r>
+              <a:rPr lang="en-US" dirty="0">
+                <a:solidFill>
+                  <a:srgbClr val="000000"/>
+                </a:solidFill>
+                <a:highlight>
+                  <a:srgbClr val="FFFFFF"/>
+                </a:highlight>
+                <a:latin typeface="Consolas"/>
+              </a:rPr>
+              <a:t>(15)</a:t>
+            </a:r>
+          </a:p>
+          <a:p>
+            <a:pPr marL="0" indent="0">
+              <a:buNone/>
+            </a:pPr>
+            <a:endParaRPr lang="en-US" dirty="0">
+              <a:solidFill>
+                <a:srgbClr val="000000"/>
+              </a:solidFill>
+              <a:highlight>
+                <a:srgbClr val="FFFFFF"/>
+              </a:highlight>
+              <a:latin typeface="Consolas"/>
+            </a:endParaRPr>
+          </a:p>
+          <a:p>
+            <a:pPr marL="0" indent="0">
+              <a:buNone/>
+            </a:pPr>
+            <a:r>
+              <a:rPr lang="en-US" dirty="0" smtClean="0">
+                <a:solidFill>
+                  <a:srgbClr val="0000FF"/>
+                </a:solidFill>
+                <a:highlight>
+                  <a:srgbClr val="FFFFFF"/>
+                </a:highlight>
+                <a:latin typeface="Consolas"/>
+              </a:rPr>
+              <a:t>let</a:t>
+            </a:r>
+            <a:r>
+              <a:rPr lang="en-US" dirty="0" smtClean="0">
+                <a:solidFill>
+                  <a:srgbClr val="000000"/>
+                </a:solidFill>
+                <a:highlight>
+                  <a:srgbClr val="FFFFFF"/>
+                </a:highlight>
+                <a:latin typeface="Consolas"/>
+              </a:rPr>
+              <a:t> </a:t>
+            </a:r>
+            <a:r>
+              <a:rPr lang="en-US" dirty="0">
+                <a:solidFill>
+                  <a:srgbClr val="000000"/>
+                </a:solidFill>
+                <a:highlight>
+                  <a:srgbClr val="FFFFFF"/>
+                </a:highlight>
+                <a:latin typeface="Consolas"/>
+              </a:rPr>
+              <a:t>t </a:t>
+            </a:r>
+            <a:r>
+              <a:rPr lang="en-US" dirty="0">
+                <a:solidFill>
+                  <a:srgbClr val="DCDCDC"/>
+                </a:solidFill>
+                <a:highlight>
+                  <a:srgbClr val="FFFFFF"/>
+                </a:highlight>
+                <a:latin typeface="Consolas"/>
+              </a:rPr>
+              <a:t>=</a:t>
+            </a:r>
+            <a:r>
+              <a:rPr lang="en-US" dirty="0">
+                <a:solidFill>
+                  <a:srgbClr val="000000"/>
+                </a:solidFill>
+                <a:highlight>
+                  <a:srgbClr val="FFFFFF"/>
+                </a:highlight>
+                <a:latin typeface="Consolas"/>
+              </a:rPr>
+              <a:t> </a:t>
+            </a:r>
+            <a:r>
+              <a:rPr lang="en-US" dirty="0" err="1">
+                <a:solidFill>
+                  <a:srgbClr val="000000"/>
+                </a:solidFill>
+                <a:highlight>
+                  <a:srgbClr val="FFFFFF"/>
+                </a:highlight>
+                <a:latin typeface="Consolas"/>
+              </a:rPr>
+              <a:t>cid</a:t>
+            </a:r>
+            <a:r>
+              <a:rPr lang="en-US" dirty="0">
+                <a:solidFill>
+                  <a:srgbClr val="000000"/>
+                </a:solidFill>
+                <a:highlight>
+                  <a:srgbClr val="FFFFFF"/>
+                </a:highlight>
+                <a:latin typeface="Consolas"/>
+              </a:rPr>
+              <a:t> </a:t>
+            </a:r>
+            <a:r>
+              <a:rPr lang="en-US" dirty="0">
+                <a:solidFill>
+                  <a:srgbClr val="DCDCDC"/>
+                </a:solidFill>
+                <a:highlight>
+                  <a:srgbClr val="FFFFFF"/>
+                </a:highlight>
+                <a:latin typeface="Consolas"/>
+              </a:rPr>
+              <a:t>=</a:t>
+            </a:r>
+            <a:r>
+              <a:rPr lang="en-US" dirty="0">
+                <a:solidFill>
+                  <a:srgbClr val="000000"/>
+                </a:solidFill>
+                <a:highlight>
+                  <a:srgbClr val="FFFFFF"/>
+                </a:highlight>
+                <a:latin typeface="Consolas"/>
+              </a:rPr>
+              <a:t> </a:t>
+            </a:r>
+            <a:r>
+              <a:rPr lang="en-US" dirty="0" err="1" smtClean="0">
+                <a:solidFill>
+                  <a:srgbClr val="000000"/>
+                </a:solidFill>
+                <a:highlight>
+                  <a:srgbClr val="FFFFFF"/>
+                </a:highlight>
+                <a:latin typeface="Consolas"/>
+              </a:rPr>
+              <a:t>oid</a:t>
+            </a:r>
+            <a:r>
+              <a:rPr lang="en-US" dirty="0" smtClean="0">
+                <a:solidFill>
+                  <a:srgbClr val="000000"/>
+                </a:solidFill>
+                <a:highlight>
+                  <a:srgbClr val="FFFFFF"/>
+                </a:highlight>
+                <a:latin typeface="Consolas"/>
+              </a:rPr>
+              <a:t> // ERROR </a:t>
+            </a:r>
+            <a:r>
+              <a:rPr lang="en-US" dirty="0" err="1" smtClean="0">
+                <a:solidFill>
+                  <a:srgbClr val="000000"/>
+                </a:solidFill>
+                <a:highlight>
+                  <a:srgbClr val="FFFFFF"/>
+                </a:highlight>
+                <a:latin typeface="Consolas"/>
+              </a:rPr>
+              <a:t>Typen</a:t>
+            </a:r>
+            <a:r>
+              <a:rPr lang="en-US" dirty="0" smtClean="0">
+                <a:solidFill>
+                  <a:srgbClr val="000000"/>
+                </a:solidFill>
+                <a:highlight>
+                  <a:srgbClr val="FFFFFF"/>
+                </a:highlight>
+                <a:latin typeface="Consolas"/>
+              </a:rPr>
+              <a:t> </a:t>
+            </a:r>
+            <a:r>
+              <a:rPr lang="en-US" dirty="0" err="1" smtClean="0">
+                <a:solidFill>
+                  <a:srgbClr val="000000"/>
+                </a:solidFill>
+                <a:highlight>
+                  <a:srgbClr val="FFFFFF"/>
+                </a:highlight>
+                <a:latin typeface="Consolas"/>
+              </a:rPr>
+              <a:t>nicht</a:t>
+            </a:r>
+            <a:r>
+              <a:rPr lang="en-US" dirty="0" smtClean="0">
+                <a:solidFill>
+                  <a:srgbClr val="000000"/>
+                </a:solidFill>
+                <a:highlight>
+                  <a:srgbClr val="FFFFFF"/>
+                </a:highlight>
+                <a:latin typeface="Consolas"/>
+              </a:rPr>
+              <a:t> </a:t>
+            </a:r>
+            <a:r>
+              <a:rPr lang="en-US" dirty="0" err="1" smtClean="0">
+                <a:solidFill>
+                  <a:srgbClr val="000000"/>
+                </a:solidFill>
+                <a:highlight>
+                  <a:srgbClr val="FFFFFF"/>
+                </a:highlight>
+                <a:latin typeface="Consolas"/>
+              </a:rPr>
+              <a:t>gleich</a:t>
+            </a:r>
+            <a:r>
+              <a:rPr lang="en-US" dirty="0" smtClean="0">
+                <a:solidFill>
+                  <a:srgbClr val="000000"/>
+                </a:solidFill>
+                <a:highlight>
+                  <a:srgbClr val="FFFFFF"/>
+                </a:highlight>
+                <a:latin typeface="Consolas"/>
+              </a:rPr>
+              <a:t>, </a:t>
+            </a:r>
+            <a:r>
+              <a:rPr lang="en-US" dirty="0" err="1" smtClean="0">
+                <a:solidFill>
+                  <a:srgbClr val="000000"/>
+                </a:solidFill>
+                <a:highlight>
+                  <a:srgbClr val="FFFFFF"/>
+                </a:highlight>
+                <a:latin typeface="Consolas"/>
+              </a:rPr>
+              <a:t>kein</a:t>
+            </a:r>
+            <a:r>
+              <a:rPr lang="en-US" dirty="0" smtClean="0">
+                <a:solidFill>
+                  <a:srgbClr val="000000"/>
+                </a:solidFill>
+                <a:highlight>
+                  <a:srgbClr val="FFFFFF"/>
+                </a:highlight>
+                <a:latin typeface="Consolas"/>
+              </a:rPr>
+              <a:t> </a:t>
+            </a:r>
+            <a:r>
+              <a:rPr lang="en-US" dirty="0" err="1" smtClean="0">
+                <a:solidFill>
+                  <a:srgbClr val="000000"/>
+                </a:solidFill>
+                <a:highlight>
+                  <a:srgbClr val="FFFFFF"/>
+                </a:highlight>
+                <a:latin typeface="Consolas"/>
+              </a:rPr>
+              <a:t>Vergleich</a:t>
+            </a:r>
+            <a:endParaRPr lang="en-US" dirty="0"/>
           </a:p>
         </p:txBody>
       </p:sp>
     </p:spTree>
     <p:extLst>
       <p:ext uri="{BB962C8B-B14F-4D97-AF65-F5344CB8AC3E}">
-        <p14:creationId xmlns:p14="http://schemas.microsoft.com/office/powerpoint/2010/main" val="3184996216"/>
+        <p14:creationId xmlns:p14="http://schemas.microsoft.com/office/powerpoint/2010/main" val="2193518562"/>
       </p:ext>
     </p:extLst>
   </p:cSld>
@@ -13449,7 +13748,7 @@
           <a:p>
             <a:r>
               <a:rPr lang="de-DE" dirty="0" smtClean="0"/>
-              <a:t>DU: Single Case</a:t>
+              <a:t>Option</a:t>
             </a:r>
             <a:endParaRPr lang="en-US" dirty="0"/>
           </a:p>
@@ -13467,311 +13766,97 @@
         </p:nvSpPr>
         <p:spPr/>
         <p:txBody>
-          <a:bodyPr>
-            <a:normAutofit lnSpcReduction="10000"/>
-          </a:bodyPr>
+          <a:bodyPr/>
           <a:lstStyle/>
           <a:p>
             <a:pPr marL="0" indent="0">
               <a:buNone/>
             </a:pPr>
             <a:r>
-              <a:rPr lang="en-US" dirty="0" smtClean="0">
-                <a:solidFill>
-                  <a:srgbClr val="0000FF"/>
-                </a:solidFill>
-                <a:highlight>
-                  <a:srgbClr val="FFFFFF"/>
-                </a:highlight>
-                <a:latin typeface="Consolas"/>
-              </a:rPr>
-              <a:t>type</a:t>
-            </a:r>
-            <a:r>
-              <a:rPr lang="en-US" dirty="0" smtClean="0">
-                <a:solidFill>
-                  <a:srgbClr val="000000"/>
-                </a:solidFill>
-                <a:highlight>
-                  <a:srgbClr val="FFFFFF"/>
-                </a:highlight>
-                <a:latin typeface="Consolas"/>
-              </a:rPr>
-              <a:t> </a:t>
-            </a:r>
-            <a:r>
-              <a:rPr lang="en-US" dirty="0" err="1">
-                <a:solidFill>
-                  <a:srgbClr val="4EC9B0"/>
-                </a:solidFill>
-                <a:highlight>
-                  <a:srgbClr val="FFFFFF"/>
-                </a:highlight>
-                <a:latin typeface="Consolas"/>
-              </a:rPr>
-              <a:t>CustomerId</a:t>
-            </a:r>
-            <a:r>
-              <a:rPr lang="en-US" dirty="0">
-                <a:solidFill>
-                  <a:srgbClr val="000000"/>
-                </a:solidFill>
-                <a:highlight>
-                  <a:srgbClr val="FFFFFF"/>
-                </a:highlight>
-                <a:latin typeface="Consolas"/>
-              </a:rPr>
-              <a:t> </a:t>
-            </a:r>
-            <a:r>
-              <a:rPr lang="en-US" dirty="0">
-                <a:solidFill>
-                  <a:srgbClr val="DCDCDC"/>
-                </a:solidFill>
-                <a:highlight>
-                  <a:srgbClr val="FFFFFF"/>
-                </a:highlight>
-                <a:latin typeface="Consolas"/>
-              </a:rPr>
-              <a:t>=</a:t>
-            </a:r>
-            <a:r>
-              <a:rPr lang="en-US" dirty="0">
-                <a:solidFill>
-                  <a:srgbClr val="000000"/>
-                </a:solidFill>
-                <a:highlight>
-                  <a:srgbClr val="FFFFFF"/>
-                </a:highlight>
-                <a:latin typeface="Consolas"/>
-              </a:rPr>
-              <a:t> </a:t>
-            </a:r>
-            <a:r>
-              <a:rPr lang="en-US" dirty="0" err="1">
-                <a:solidFill>
-                  <a:srgbClr val="DCDCDC"/>
-                </a:solidFill>
-                <a:highlight>
-                  <a:srgbClr val="FFFFFF"/>
-                </a:highlight>
-                <a:latin typeface="Consolas"/>
-              </a:rPr>
-              <a:t>CustomerId</a:t>
-            </a:r>
-            <a:r>
-              <a:rPr lang="en-US" dirty="0">
-                <a:solidFill>
-                  <a:srgbClr val="000000"/>
-                </a:solidFill>
-                <a:highlight>
-                  <a:srgbClr val="FFFFFF"/>
-                </a:highlight>
-                <a:latin typeface="Consolas"/>
-              </a:rPr>
-              <a:t> </a:t>
-            </a:r>
-            <a:r>
-              <a:rPr lang="en-US" dirty="0">
-                <a:solidFill>
-                  <a:srgbClr val="0000FF"/>
-                </a:solidFill>
-                <a:highlight>
-                  <a:srgbClr val="FFFFFF"/>
-                </a:highlight>
-                <a:latin typeface="Consolas"/>
-              </a:rPr>
-              <a:t>of</a:t>
-            </a:r>
-            <a:r>
-              <a:rPr lang="en-US" dirty="0">
-                <a:solidFill>
-                  <a:srgbClr val="000000"/>
-                </a:solidFill>
-                <a:highlight>
-                  <a:srgbClr val="FFFFFF"/>
-                </a:highlight>
-                <a:latin typeface="Consolas"/>
-              </a:rPr>
-              <a:t> </a:t>
-            </a:r>
-            <a:r>
-              <a:rPr lang="en-US" dirty="0" err="1">
-                <a:solidFill>
-                  <a:srgbClr val="4EC9B0"/>
-                </a:solidFill>
-                <a:highlight>
-                  <a:srgbClr val="FFFFFF"/>
-                </a:highlight>
-                <a:latin typeface="Consolas"/>
-              </a:rPr>
-              <a:t>int</a:t>
-            </a:r>
-            <a:endParaRPr lang="en-US" dirty="0">
-              <a:solidFill>
-                <a:srgbClr val="000000"/>
-              </a:solidFill>
-              <a:highlight>
-                <a:srgbClr val="FFFFFF"/>
-              </a:highlight>
-              <a:latin typeface="Consolas"/>
-            </a:endParaRPr>
+              <a:rPr lang="de-DE" dirty="0" smtClean="0"/>
+              <a:t>Besondere Form des DU</a:t>
+            </a:r>
           </a:p>
           <a:p>
             <a:pPr marL="0" indent="0">
               <a:buNone/>
             </a:pPr>
             <a:r>
-              <a:rPr lang="en-US" dirty="0" smtClean="0">
-                <a:solidFill>
-                  <a:srgbClr val="0000FF"/>
-                </a:solidFill>
-                <a:highlight>
-                  <a:srgbClr val="FFFFFF"/>
-                </a:highlight>
-                <a:latin typeface="Consolas"/>
+              <a:rPr lang="en-US" b="1" dirty="0">
+                <a:solidFill>
+                  <a:srgbClr val="008000"/>
+                </a:solidFill>
               </a:rPr>
               <a:t>type</a:t>
             </a:r>
             <a:r>
-              <a:rPr lang="en-US" dirty="0" smtClean="0">
-                <a:solidFill>
-                  <a:srgbClr val="000000"/>
-                </a:solidFill>
-                <a:highlight>
-                  <a:srgbClr val="FFFFFF"/>
-                </a:highlight>
-                <a:latin typeface="Consolas"/>
+              <a:rPr lang="en-US" dirty="0"/>
+              <a:t> </a:t>
+            </a:r>
+            <a:r>
+              <a:rPr lang="en-US" b="1" dirty="0">
+                <a:solidFill>
+                  <a:srgbClr val="0000FF"/>
+                </a:solidFill>
               </a:rPr>
+              <a:t>Option</a:t>
+            </a:r>
+            <a:r>
+              <a:rPr lang="en-US" dirty="0">
+                <a:solidFill>
+                  <a:srgbClr val="666666"/>
+                </a:solidFill>
+              </a:rPr>
+              <a:t>&lt;</a:t>
+            </a:r>
+            <a:r>
+              <a:rPr lang="en-US" b="1" dirty="0">
+                <a:solidFill>
+                  <a:srgbClr val="008000"/>
+                </a:solidFill>
+              </a:rPr>
+              <a:t>'</a:t>
+            </a:r>
+            <a:r>
+              <a:rPr lang="en-US" dirty="0"/>
+              <a:t>a</a:t>
+            </a:r>
+            <a:r>
+              <a:rPr lang="en-US" dirty="0">
+                <a:solidFill>
+                  <a:srgbClr val="666666"/>
+                </a:solidFill>
+              </a:rPr>
+              <a:t>&gt;</a:t>
+            </a:r>
+            <a:r>
+              <a:rPr lang="en-US" dirty="0"/>
               <a:t> </a:t>
             </a:r>
             <a:r>
-              <a:rPr lang="en-US" dirty="0" err="1">
-                <a:solidFill>
-                  <a:srgbClr val="4EC9B0"/>
-                </a:solidFill>
-                <a:highlight>
-                  <a:srgbClr val="FFFFFF"/>
-                </a:highlight>
-                <a:latin typeface="Consolas"/>
-              </a:rPr>
-              <a:t>OrderId</a:t>
-            </a:r>
-            <a:r>
               <a:rPr lang="en-US" dirty="0">
                 <a:solidFill>
-                  <a:srgbClr val="000000"/>
-                </a:solidFill>
-                <a:highlight>
-                  <a:srgbClr val="FFFFFF"/>
-                </a:highlight>
-                <a:latin typeface="Consolas"/>
-              </a:rPr>
-              <a:t> </a:t>
-            </a:r>
-            <a:r>
-              <a:rPr lang="en-US" dirty="0">
-                <a:solidFill>
-                  <a:srgbClr val="DCDCDC"/>
-                </a:solidFill>
-                <a:highlight>
-                  <a:srgbClr val="FFFFFF"/>
-                </a:highlight>
-                <a:latin typeface="Consolas"/>
+                  <a:srgbClr val="666666"/>
+                </a:solidFill>
               </a:rPr>
               <a:t>=</a:t>
             </a:r>
             <a:r>
-              <a:rPr lang="en-US" dirty="0">
-                <a:solidFill>
-                  <a:srgbClr val="000000"/>
-                </a:solidFill>
-                <a:highlight>
-                  <a:srgbClr val="FFFFFF"/>
-                </a:highlight>
-                <a:latin typeface="Consolas"/>
+              <a:rPr lang="en-US" dirty="0"/>
+              <a:t> </a:t>
+            </a:r>
+            <a:r>
+              <a:rPr lang="en-US" i="1" dirty="0">
+                <a:solidFill>
+                  <a:srgbClr val="408080"/>
+                </a:solidFill>
               </a:rPr>
-              <a:t> </a:t>
-            </a:r>
-            <a:r>
-              <a:rPr lang="en-US" dirty="0" err="1">
-                <a:solidFill>
-                  <a:srgbClr val="DCDCDC"/>
-                </a:solidFill>
-                <a:highlight>
-                  <a:srgbClr val="FFFFFF"/>
-                </a:highlight>
-                <a:latin typeface="Consolas"/>
-              </a:rPr>
-              <a:t>OrderId</a:t>
-            </a:r>
-            <a:r>
-              <a:rPr lang="en-US" dirty="0">
-                <a:solidFill>
-                  <a:srgbClr val="000000"/>
-                </a:solidFill>
-                <a:highlight>
-                  <a:srgbClr val="FFFFFF"/>
-                </a:highlight>
-                <a:latin typeface="Consolas"/>
-              </a:rPr>
-              <a:t> </a:t>
-            </a:r>
-            <a:r>
-              <a:rPr lang="en-US" dirty="0">
-                <a:solidFill>
-                  <a:srgbClr val="0000FF"/>
-                </a:solidFill>
-                <a:highlight>
-                  <a:srgbClr val="FFFFFF"/>
-                </a:highlight>
-                <a:latin typeface="Consolas"/>
-              </a:rPr>
-              <a:t>of</a:t>
-            </a:r>
-            <a:r>
-              <a:rPr lang="en-US" dirty="0">
-                <a:solidFill>
-                  <a:srgbClr val="000000"/>
-                </a:solidFill>
-                <a:highlight>
-                  <a:srgbClr val="FFFFFF"/>
-                </a:highlight>
-                <a:latin typeface="Consolas"/>
-              </a:rPr>
-              <a:t> </a:t>
-            </a:r>
-            <a:r>
-              <a:rPr lang="en-US" dirty="0" err="1">
-                <a:solidFill>
-                  <a:srgbClr val="4EC9B0"/>
-                </a:solidFill>
-                <a:highlight>
-                  <a:srgbClr val="FFFFFF"/>
-                </a:highlight>
-                <a:latin typeface="Consolas"/>
-              </a:rPr>
-              <a:t>int</a:t>
-            </a:r>
-            <a:endParaRPr lang="en-US" dirty="0">
+              <a:t>// use a generic definition </a:t>
+            </a:r>
+            <a:endParaRPr lang="en-US" i="1" dirty="0" smtClean="0">
               <a:solidFill>
-                <a:srgbClr val="000000"/>
+                <a:srgbClr val="408080"/>
               </a:solidFill>
-              <a:highlight>
-                <a:srgbClr val="FFFFFF"/>
-              </a:highlight>
-              <a:latin typeface="Consolas"/>
-            </a:endParaRPr>
-          </a:p>
-          <a:p>
-            <a:endParaRPr lang="en-US" dirty="0">
-              <a:solidFill>
-                <a:srgbClr val="000000"/>
-              </a:solidFill>
-              <a:highlight>
-                <a:srgbClr val="FFFFFF"/>
-              </a:highlight>
-              <a:latin typeface="Consolas"/>
             </a:endParaRPr>
           </a:p>
           <a:p>
@@ -13781,99 +13866,64 @@
             <a:r>
               <a:rPr lang="en-US" dirty="0" smtClean="0">
                 <a:solidFill>
+                  <a:srgbClr val="666666"/>
+                </a:solidFill>
+              </a:rPr>
+              <a:t>|</a:t>
+            </a:r>
+            <a:r>
+              <a:rPr lang="en-US" dirty="0" smtClean="0"/>
+              <a:t> </a:t>
+            </a:r>
+            <a:r>
+              <a:rPr lang="en-US" b="1" dirty="0">
+                <a:solidFill>
                   <a:srgbClr val="0000FF"/>
                 </a:solidFill>
-                <a:highlight>
-                  <a:srgbClr val="FFFFFF"/>
-                </a:highlight>
-                <a:latin typeface="Consolas"/>
               </a:rPr>
-              <a:t>let</a:t>
-            </a:r>
-            <a:r>
-              <a:rPr lang="en-US" dirty="0" smtClean="0">
-                <a:solidFill>
-                  <a:srgbClr val="000000"/>
-                </a:solidFill>
-                <a:highlight>
-                  <a:srgbClr val="FFFFFF"/>
-                </a:highlight>
-                <a:latin typeface="Consolas"/>
+              <a:t>Some</a:t>
+            </a:r>
+            <a:r>
+              <a:rPr lang="en-US" dirty="0"/>
+              <a:t> </a:t>
+            </a:r>
+            <a:r>
+              <a:rPr lang="en-US" b="1" dirty="0">
+                <a:solidFill>
+                  <a:srgbClr val="008000"/>
+                </a:solidFill>
               </a:rPr>
+              <a:t>of</a:t>
+            </a:r>
+            <a:r>
+              <a:rPr lang="en-US" dirty="0"/>
               <a:t> </a:t>
             </a:r>
             <a:r>
-              <a:rPr lang="en-US" dirty="0" err="1">
-                <a:solidFill>
-                  <a:srgbClr val="000000"/>
-                </a:solidFill>
-                <a:highlight>
-                  <a:srgbClr val="FFFFFF"/>
-                </a:highlight>
-                <a:latin typeface="Consolas"/>
+              <a:rPr lang="en-US" b="1" dirty="0">
+                <a:solidFill>
+                  <a:srgbClr val="008000"/>
+                </a:solidFill>
               </a:rPr>
-              <a:t>cid</a:t>
-            </a:r>
-            <a:r>
-              <a:rPr lang="en-US" dirty="0">
-                <a:solidFill>
-                  <a:srgbClr val="000000"/>
-                </a:solidFill>
-                <a:highlight>
-                  <a:srgbClr val="FFFFFF"/>
-                </a:highlight>
-                <a:latin typeface="Consolas"/>
+              <a:t>'</a:t>
+            </a:r>
+            <a:r>
+              <a:rPr lang="en-US" dirty="0"/>
+              <a:t>a </a:t>
+            </a:r>
+            <a:r>
+              <a:rPr lang="en-US" i="1" dirty="0">
+                <a:solidFill>
+                  <a:srgbClr val="408080"/>
+                </a:solidFill>
               </a:rPr>
+              <a:t>// valid value</a:t>
+            </a:r>
+            <a:r>
+              <a:rPr lang="en-US" dirty="0"/>
               <a:t> </a:t>
             </a:r>
-            <a:r>
-              <a:rPr lang="en-US" dirty="0">
-                <a:solidFill>
-                  <a:srgbClr val="DCDCDC"/>
-                </a:solidFill>
-                <a:highlight>
-                  <a:srgbClr val="FFFFFF"/>
-                </a:highlight>
-                <a:latin typeface="Consolas"/>
-              </a:rPr>
-              <a:t>=</a:t>
-            </a:r>
-            <a:r>
-              <a:rPr lang="en-US" dirty="0">
-                <a:solidFill>
-                  <a:srgbClr val="000000"/>
-                </a:solidFill>
-                <a:highlight>
-                  <a:srgbClr val="FFFFFF"/>
-                </a:highlight>
-                <a:latin typeface="Consolas"/>
-              </a:rPr>
-              <a:t> </a:t>
-            </a:r>
-            <a:r>
-              <a:rPr lang="en-US" dirty="0" err="1">
-                <a:solidFill>
-                  <a:srgbClr val="DCDCDC"/>
-                </a:solidFill>
-                <a:highlight>
-                  <a:srgbClr val="FFFFFF"/>
-                </a:highlight>
-                <a:latin typeface="Consolas"/>
-              </a:rPr>
-              <a:t>CustomerId</a:t>
-            </a:r>
-            <a:r>
-              <a:rPr lang="en-US" dirty="0">
-                <a:solidFill>
-                  <a:srgbClr val="000000"/>
-                </a:solidFill>
-                <a:highlight>
-                  <a:srgbClr val="FFFFFF"/>
-                </a:highlight>
-                <a:latin typeface="Consolas"/>
-              </a:rPr>
-              <a:t>(15)</a:t>
-            </a:r>
+            <a:endParaRPr lang="en-US" dirty="0" smtClean="0"/>
           </a:p>
           <a:p>
             <a:pPr marL="0" indent="0">
@@ -13882,358 +13932,48 @@
             <a:r>
               <a:rPr lang="en-US" dirty="0" smtClean="0">
                 <a:solidFill>
+                  <a:srgbClr val="666666"/>
+                </a:solidFill>
+              </a:rPr>
+              <a:t>|</a:t>
+            </a:r>
+            <a:r>
+              <a:rPr lang="en-US" dirty="0" smtClean="0"/>
+              <a:t> </a:t>
+            </a:r>
+            <a:r>
+              <a:rPr lang="en-US" b="1" dirty="0">
+                <a:solidFill>
                   <a:srgbClr val="0000FF"/>
                 </a:solidFill>
-                <a:highlight>
-                  <a:srgbClr val="FFFFFF"/>
-                </a:highlight>
-                <a:latin typeface="Consolas"/>
               </a:rPr>
-              <a:t>let</a:t>
-            </a:r>
-            <a:r>
-              <a:rPr lang="en-US" dirty="0" smtClean="0">
-                <a:solidFill>
-                  <a:srgbClr val="000000"/>
-                </a:solidFill>
-                <a:highlight>
-                  <a:srgbClr val="FFFFFF"/>
-                </a:highlight>
-                <a:latin typeface="Consolas"/>
+              <a:t>None</a:t>
+            </a:r>
+            <a:r>
+              <a:rPr lang="en-US" dirty="0"/>
+              <a:t> </a:t>
+            </a:r>
+            <a:r>
+              <a:rPr lang="en-US" i="1" dirty="0">
+                <a:solidFill>
+                  <a:srgbClr val="408080"/>
+                </a:solidFill>
               </a:rPr>
-              <a:t> </a:t>
-            </a:r>
-            <a:r>
-              <a:rPr lang="en-US" dirty="0" err="1">
-                <a:solidFill>
-                  <a:srgbClr val="000000"/>
-                </a:solidFill>
-                <a:highlight>
-                  <a:srgbClr val="FFFFFF"/>
-                </a:highlight>
-                <a:latin typeface="Consolas"/>
+              <a:t>// </a:t>
+            </a:r>
+            <a:r>
+              <a:rPr lang="en-US" i="1" dirty="0" smtClean="0">
+                <a:solidFill>
+                  <a:srgbClr val="408080"/>
+                </a:solidFill>
               </a:rPr>
-              <a:t>oid</a:t>
-            </a:r>
-            <a:r>
-              <a:rPr lang="en-US" dirty="0">
-                <a:solidFill>
-                  <a:srgbClr val="000000"/>
-                </a:solidFill>
-                <a:highlight>
-                  <a:srgbClr val="FFFFFF"/>
-                </a:highlight>
-                <a:latin typeface="Consolas"/>
-              </a:rPr>
-              <a:t> </a:t>
-            </a:r>
-            <a:r>
-              <a:rPr lang="en-US" dirty="0">
-                <a:solidFill>
-                  <a:srgbClr val="DCDCDC"/>
-                </a:solidFill>
-                <a:highlight>
-                  <a:srgbClr val="FFFFFF"/>
-                </a:highlight>
-                <a:latin typeface="Consolas"/>
-              </a:rPr>
-              <a:t>=</a:t>
-            </a:r>
-            <a:r>
-              <a:rPr lang="en-US" dirty="0">
-                <a:solidFill>
-                  <a:srgbClr val="000000"/>
-                </a:solidFill>
-                <a:highlight>
-                  <a:srgbClr val="FFFFFF"/>
-                </a:highlight>
-                <a:latin typeface="Consolas"/>
-              </a:rPr>
-              <a:t> </a:t>
-            </a:r>
-            <a:r>
-              <a:rPr lang="en-US" dirty="0" err="1">
-                <a:solidFill>
-                  <a:srgbClr val="DCDCDC"/>
-                </a:solidFill>
-                <a:highlight>
-                  <a:srgbClr val="FFFFFF"/>
-                </a:highlight>
-                <a:latin typeface="Consolas"/>
-              </a:rPr>
-              <a:t>OrderId</a:t>
-            </a:r>
-            <a:r>
-              <a:rPr lang="en-US" dirty="0">
-                <a:solidFill>
-                  <a:srgbClr val="000000"/>
-                </a:solidFill>
-                <a:highlight>
-                  <a:srgbClr val="FFFFFF"/>
-                </a:highlight>
-                <a:latin typeface="Consolas"/>
-              </a:rPr>
-              <a:t>(15)</a:t>
+              <a:t>missing</a:t>
             </a:r>
           </a:p>
           <a:p>
             <a:pPr marL="0" indent="0">
               <a:buNone/>
             </a:pPr>
-            <a:endParaRPr lang="en-US" dirty="0">
-              <a:solidFill>
-                <a:srgbClr val="000000"/>
-              </a:solidFill>
-              <a:highlight>
-                <a:srgbClr val="FFFFFF"/>
-              </a:highlight>
-              <a:latin typeface="Consolas"/>
-            </a:endParaRPr>
-          </a:p>
-          <a:p>
-            <a:pPr marL="0" indent="0">
-              <a:buNone/>
-            </a:pPr>
-            <a:r>
-              <a:rPr lang="en-US" dirty="0" smtClean="0">
-                <a:solidFill>
-                  <a:srgbClr val="0000FF"/>
-                </a:solidFill>
-                <a:highlight>
-                  <a:srgbClr val="FFFFFF"/>
-                </a:highlight>
-                <a:latin typeface="Consolas"/>
-              </a:rPr>
-              <a:t>let</a:t>
-            </a:r>
-            <a:r>
-              <a:rPr lang="en-US" dirty="0" smtClean="0">
-                <a:solidFill>
-                  <a:srgbClr val="000000"/>
-                </a:solidFill>
-                <a:highlight>
-                  <a:srgbClr val="FFFFFF"/>
-                </a:highlight>
-                <a:latin typeface="Consolas"/>
-              </a:rPr>
-              <a:t> </a:t>
-            </a:r>
-            <a:r>
-              <a:rPr lang="en-US" dirty="0">
-                <a:solidFill>
-                  <a:srgbClr val="000000"/>
-                </a:solidFill>
-                <a:highlight>
-                  <a:srgbClr val="FFFFFF"/>
-                </a:highlight>
-                <a:latin typeface="Consolas"/>
-              </a:rPr>
-              <a:t>t </a:t>
-            </a:r>
-            <a:r>
-              <a:rPr lang="en-US" dirty="0">
-                <a:solidFill>
-                  <a:srgbClr val="DCDCDC"/>
-                </a:solidFill>
-                <a:highlight>
-                  <a:srgbClr val="FFFFFF"/>
-                </a:highlight>
-                <a:latin typeface="Consolas"/>
-              </a:rPr>
-              <a:t>=</a:t>
-            </a:r>
-            <a:r>
-              <a:rPr lang="en-US" dirty="0">
-                <a:solidFill>
-                  <a:srgbClr val="000000"/>
-                </a:solidFill>
-                <a:highlight>
-                  <a:srgbClr val="FFFFFF"/>
-                </a:highlight>
-                <a:latin typeface="Consolas"/>
-              </a:rPr>
-              <a:t> </a:t>
-            </a:r>
-            <a:r>
-              <a:rPr lang="en-US" dirty="0" err="1">
-                <a:solidFill>
-                  <a:srgbClr val="000000"/>
-                </a:solidFill>
-                <a:highlight>
-                  <a:srgbClr val="FFFFFF"/>
-                </a:highlight>
-                <a:latin typeface="Consolas"/>
-              </a:rPr>
-              <a:t>cid</a:t>
-            </a:r>
-            <a:r>
-              <a:rPr lang="en-US" dirty="0">
-                <a:solidFill>
-                  <a:srgbClr val="000000"/>
-                </a:solidFill>
-                <a:highlight>
-                  <a:srgbClr val="FFFFFF"/>
-                </a:highlight>
-                <a:latin typeface="Consolas"/>
-              </a:rPr>
-              <a:t> </a:t>
-            </a:r>
-            <a:r>
-              <a:rPr lang="en-US" dirty="0">
-                <a:solidFill>
-                  <a:srgbClr val="DCDCDC"/>
-                </a:solidFill>
-                <a:highlight>
-                  <a:srgbClr val="FFFFFF"/>
-                </a:highlight>
-                <a:latin typeface="Consolas"/>
-              </a:rPr>
-              <a:t>=</a:t>
-            </a:r>
-            <a:r>
-              <a:rPr lang="en-US" dirty="0">
-                <a:solidFill>
-                  <a:srgbClr val="000000"/>
-                </a:solidFill>
-                <a:highlight>
-                  <a:srgbClr val="FFFFFF"/>
-                </a:highlight>
-                <a:latin typeface="Consolas"/>
-              </a:rPr>
-              <a:t> </a:t>
-            </a:r>
-            <a:r>
-              <a:rPr lang="en-US" dirty="0" err="1" smtClean="0">
-                <a:solidFill>
-                  <a:srgbClr val="000000"/>
-                </a:solidFill>
-                <a:highlight>
-                  <a:srgbClr val="FFFFFF"/>
-                </a:highlight>
-                <a:latin typeface="Consolas"/>
-              </a:rPr>
-              <a:t>oid</a:t>
-            </a:r>
-            <a:r>
-              <a:rPr lang="en-US" dirty="0" smtClean="0">
-                <a:solidFill>
-                  <a:srgbClr val="000000"/>
-                </a:solidFill>
-                <a:highlight>
-                  <a:srgbClr val="FFFFFF"/>
-                </a:highlight>
-                <a:latin typeface="Consolas"/>
-              </a:rPr>
-              <a:t> // ERROR </a:t>
-            </a:r>
-            <a:r>
-              <a:rPr lang="en-US" dirty="0" err="1" smtClean="0">
-                <a:solidFill>
-                  <a:srgbClr val="000000"/>
-                </a:solidFill>
-                <a:highlight>
-                  <a:srgbClr val="FFFFFF"/>
-                </a:highlight>
-                <a:latin typeface="Consolas"/>
-              </a:rPr>
-              <a:t>Typen</a:t>
-            </a:r>
-            <a:r>
-              <a:rPr lang="en-US" dirty="0" smtClean="0">
-                <a:solidFill>
-                  <a:srgbClr val="000000"/>
-                </a:solidFill>
-                <a:highlight>
-                  <a:srgbClr val="FFFFFF"/>
-                </a:highlight>
-                <a:latin typeface="Consolas"/>
-              </a:rPr>
-              <a:t> </a:t>
-            </a:r>
-            <a:r>
-              <a:rPr lang="en-US" dirty="0" err="1" smtClean="0">
-                <a:solidFill>
-                  <a:srgbClr val="000000"/>
-                </a:solidFill>
-                <a:highlight>
-                  <a:srgbClr val="FFFFFF"/>
-                </a:highlight>
-                <a:latin typeface="Consolas"/>
-              </a:rPr>
-              <a:t>nicht</a:t>
-            </a:r>
-            <a:r>
-              <a:rPr lang="en-US" dirty="0" smtClean="0">
-                <a:solidFill>
-                  <a:srgbClr val="000000"/>
-                </a:solidFill>
-                <a:highlight>
-                  <a:srgbClr val="FFFFFF"/>
-                </a:highlight>
-                <a:latin typeface="Consolas"/>
-              </a:rPr>
-              <a:t> </a:t>
-            </a:r>
-            <a:r>
-              <a:rPr lang="en-US" dirty="0" err="1" smtClean="0">
-                <a:solidFill>
-                  <a:srgbClr val="000000"/>
-                </a:solidFill>
-                <a:highlight>
-                  <a:srgbClr val="FFFFFF"/>
-                </a:highlight>
-                <a:latin typeface="Consolas"/>
-              </a:rPr>
-              <a:t>gleich</a:t>
-            </a:r>
-            <a:r>
-              <a:rPr lang="en-US" dirty="0" smtClean="0">
-                <a:solidFill>
-                  <a:srgbClr val="000000"/>
-                </a:solidFill>
-                <a:highlight>
-                  <a:srgbClr val="FFFFFF"/>
-                </a:highlight>
-                <a:latin typeface="Consolas"/>
-              </a:rPr>
-              <a:t>, </a:t>
-            </a:r>
-            <a:r>
-              <a:rPr lang="en-US" dirty="0" err="1" smtClean="0">
-                <a:solidFill>
-                  <a:srgbClr val="000000"/>
-                </a:solidFill>
-                <a:highlight>
-                  <a:srgbClr val="FFFFFF"/>
-                </a:highlight>
-                <a:latin typeface="Consolas"/>
-              </a:rPr>
-              <a:t>kein</a:t>
-            </a:r>
-            <a:r>
-              <a:rPr lang="en-US" dirty="0" smtClean="0">
-                <a:solidFill>
-                  <a:srgbClr val="000000"/>
-                </a:solidFill>
-                <a:highlight>
-                  <a:srgbClr val="FFFFFF"/>
-                </a:highlight>
-                <a:latin typeface="Consolas"/>
-              </a:rPr>
-              <a:t> </a:t>
-            </a:r>
-            <a:r>
-              <a:rPr lang="en-US" dirty="0" err="1" smtClean="0">
-                <a:solidFill>
-                  <a:srgbClr val="000000"/>
-                </a:solidFill>
-                <a:highlight>
-                  <a:srgbClr val="FFFFFF"/>
-                </a:highlight>
-                <a:latin typeface="Consolas"/>
-              </a:rPr>
-              <a:t>Vergleich</a:t>
-            </a:r>
             <a:endParaRPr lang="en-US" dirty="0"/>
           </a:p>
         </p:txBody>
@@ -14241,20 +13981,13 @@
     </p:spTree>
     <p:extLst>
       <p:ext uri="{BB962C8B-B14F-4D97-AF65-F5344CB8AC3E}">
-        <p14:creationId xmlns:p14="http://schemas.microsoft.com/office/powerpoint/2010/main" val="2193518562"/>
+        <p14:creationId xmlns:p14="http://schemas.microsoft.com/office/powerpoint/2010/main" val="1673819925"/>
       </p:ext>
     </p:extLst>
   </p:cSld>
   <p:clrMapOvr>
     <a:masterClrMapping/>
   </p:clrMapOvr>
-  <p:timing>
-    <p:tnLst>
-      <p:par>
-        <p:cTn id="1" dur="indefinite" restart="never" nodeType="tmRoot"/>
-      </p:par>
-    </p:tnLst>
-  </p:timing>
 </p:sld>
 </file>
 
@@ -14288,25 +14021,29 @@
         <p:spPr/>
         <p:txBody>
           <a:bodyPr>
-            <a:normAutofit fontScale="90000"/>
+            <a:normAutofit/>
           </a:bodyPr>
           <a:lstStyle/>
           <a:p>
             <a:r>
               <a:rPr lang="de-DE" dirty="0" smtClean="0"/>
-              <a:t>DU: Pattern </a:t>
+              <a:t>Option </a:t>
             </a:r>
             <a:r>
               <a:rPr lang="de-DE" dirty="0" err="1" smtClean="0"/>
-              <a:t>Matching</a:t>
-            </a:r>
-            <a:r>
-              <a:rPr lang="de-DE" dirty="0" smtClean="0"/>
-              <a:t> /</a:t>
+              <a:t>vs</a:t>
+            </a:r>
+            <a:r>
+              <a:rPr lang="de-DE" dirty="0" smtClean="0"/>
+              <a:t> Null : </a:t>
+            </a:r>
+            <a:r>
+              <a:rPr lang="de-DE" dirty="0"/>
+              <a:t>Type </a:t>
             </a:r>
             <a:r>
               <a:rPr lang="de-DE" dirty="0" err="1" smtClean="0"/>
-              <a:t>Deconstruction</a:t>
+              <a:t>Safety</a:t>
             </a:r>
             <a:endParaRPr lang="en-US" dirty="0"/>
           </a:p>
@@ -14324,9 +14061,7 @@
         </p:nvSpPr>
         <p:spPr/>
         <p:txBody>
-          <a:bodyPr>
-            <a:normAutofit fontScale="92500" lnSpcReduction="10000"/>
-          </a:bodyPr>
+          <a:bodyPr/>
           <a:lstStyle/>
           <a:p>
             <a:pPr marL="0" indent="0">
@@ -14342,7 +14077,7 @@
                 </a:highlight>
                 <a:latin typeface="Consolas"/>
               </a:rPr>
-              <a:t>let</a:t>
+              <a:t>string</a:t>
             </a:r>
             <a:r>
               <a:rPr lang="en-US" dirty="0" smtClean="0">
@@ -14359,41 +14094,58 @@
             <a:r>
               <a:rPr lang="en-US" dirty="0">
                 <a:solidFill>
-                  <a:srgbClr val="DCDCDC"/>
+                  <a:srgbClr val="000000"/>
                 </a:solidFill>
                 <a:highlight>
                   <a:srgbClr val="FFFFFF"/>
                 </a:highlight>
                 <a:latin typeface="Consolas"/>
               </a:rPr>
-              <a:t>matcher</a:t>
+              <a:t>s2 = </a:t>
             </a:r>
             <a:r>
               <a:rPr lang="en-US" dirty="0">
                 <a:solidFill>
-                  <a:srgbClr val="000000"/>
+                  <a:srgbClr val="0000FF"/>
                 </a:solidFill>
                 <a:highlight>
                   <a:srgbClr val="FFFFFF"/>
                 </a:highlight>
                 <a:latin typeface="Consolas"/>
               </a:rPr>
-              <a:t> s </a:t>
+              <a:t>null</a:t>
             </a:r>
             <a:r>
               <a:rPr lang="en-US" dirty="0">
                 <a:solidFill>
-                  <a:srgbClr val="DCDCDC"/>
+                  <a:srgbClr val="000000"/>
                 </a:solidFill>
                 <a:highlight>
                   <a:srgbClr val="FFFFFF"/>
                 </a:highlight>
                 <a:latin typeface="Consolas"/>
               </a:rPr>
-              <a:t>=</a:t>
-            </a:r>
-            <a:r>
-              <a:rPr lang="en-US" dirty="0">
+              <a:t>;</a:t>
+            </a:r>
+          </a:p>
+          <a:p>
+            <a:pPr marL="0" indent="0">
+              <a:buNone/>
+            </a:pPr>
+            <a:r>
+              <a:rPr lang="en-US" dirty="0" err="1" smtClean="0">
+                <a:solidFill>
+                  <a:srgbClr val="0000FF"/>
+                </a:solidFill>
+                <a:highlight>
+                  <a:srgbClr val="FFFFFF"/>
+                </a:highlight>
+                <a:latin typeface="Consolas"/>
+              </a:rPr>
+              <a:t>var</a:t>
+            </a:r>
+            <a:r>
+              <a:rPr lang="en-US" dirty="0" smtClean="0">
                 <a:solidFill>
                   <a:srgbClr val="000000"/>
                 </a:solidFill>
@@ -14404,22 +14156,17 @@
               </a:rPr>
               <a:t> </a:t>
             </a:r>
-          </a:p>
-          <a:p>
-            <a:pPr marL="0" indent="0">
-              <a:buNone/>
-            </a:pPr>
-            <a:r>
-              <a:rPr lang="en-US" dirty="0" smtClean="0">
-                <a:solidFill>
-                  <a:srgbClr val="0000FF"/>
+            <a:r>
+              <a:rPr lang="en-US" dirty="0">
+                <a:solidFill>
+                  <a:srgbClr val="000000"/>
                 </a:solidFill>
                 <a:highlight>
                   <a:srgbClr val="FFFFFF"/>
                 </a:highlight>
                 <a:latin typeface="Consolas"/>
               </a:rPr>
-              <a:t>match</a:t>
+              <a:t>len2 = s2.Length</a:t>
             </a:r>
             <a:r>
               <a:rPr lang="en-US" dirty="0" smtClean="0">
@@ -14431,10 +14178,15 @@
                 </a:highlight>
                 <a:latin typeface="Consolas"/>
               </a:rPr>
-              <a:t> </a:t>
-            </a:r>
-            <a:r>
-              <a:rPr lang="en-US" dirty="0">
+              <a:t>; </a:t>
+            </a:r>
+          </a:p>
+          <a:p>
+            <a:pPr marL="0" indent="0">
+              <a:buNone/>
+            </a:pPr>
+            <a:r>
+              <a:rPr lang="de-DE" dirty="0" smtClean="0">
                 <a:solidFill>
                   <a:srgbClr val="000000"/>
                 </a:solidFill>
@@ -14443,722 +14195,32 @@
                 </a:highlight>
                 <a:latin typeface="Consolas"/>
               </a:rPr>
-              <a:t>s </a:t>
-            </a:r>
-            <a:r>
-              <a:rPr lang="en-US" dirty="0">
-                <a:solidFill>
-                  <a:srgbClr val="0000FF"/>
-                </a:solidFill>
-                <a:highlight>
-                  <a:srgbClr val="FFFFFF"/>
-                </a:highlight>
-                <a:latin typeface="Consolas"/>
-              </a:rPr>
-              <a:t>with</a:t>
-            </a:r>
-            <a:r>
-              <a:rPr lang="en-US" dirty="0">
-                <a:solidFill>
-                  <a:srgbClr val="000000"/>
-                </a:solidFill>
-                <a:highlight>
-                  <a:srgbClr val="FFFFFF"/>
-                </a:highlight>
-                <a:latin typeface="Consolas"/>
-              </a:rPr>
-              <a:t> </a:t>
-            </a:r>
+              <a:t>// WIR wissen dass s2 null ist, der Compiler nicht</a:t>
+            </a:r>
+            <a:endParaRPr lang="en-US" dirty="0" smtClean="0">
+              <a:highlight>
+                <a:srgbClr val="FFFFFF"/>
+              </a:highlight>
+            </a:endParaRPr>
           </a:p>
           <a:p>
             <a:pPr marL="0" indent="0">
               <a:buNone/>
             </a:pPr>
-            <a:r>
-              <a:rPr lang="en-US" dirty="0" smtClean="0">
-                <a:solidFill>
-                  <a:srgbClr val="000000"/>
-                </a:solidFill>
-                <a:highlight>
-                  <a:srgbClr val="FFFFFF"/>
-                </a:highlight>
-                <a:latin typeface="Consolas"/>
-              </a:rPr>
-              <a:t>| </a:t>
-            </a:r>
-            <a:r>
-              <a:rPr lang="en-US" dirty="0">
-                <a:solidFill>
-                  <a:schemeClr val="accent2">
-                    <a:lumMod val="75000"/>
-                  </a:schemeClr>
-                </a:solidFill>
-                <a:highlight>
-                  <a:srgbClr val="FFFFFF"/>
-                </a:highlight>
-                <a:latin typeface="Consolas"/>
-              </a:rPr>
-              <a:t>Rectangle</a:t>
-            </a:r>
-            <a:r>
-              <a:rPr lang="en-US" dirty="0">
-                <a:solidFill>
-                  <a:srgbClr val="000000"/>
-                </a:solidFill>
-                <a:highlight>
-                  <a:srgbClr val="FFFFFF"/>
-                </a:highlight>
-                <a:latin typeface="Consolas"/>
-              </a:rPr>
-              <a:t> (</a:t>
-            </a:r>
-            <a:r>
-              <a:rPr lang="en-US" dirty="0" err="1">
-                <a:solidFill>
-                  <a:srgbClr val="000000"/>
-                </a:solidFill>
-                <a:highlight>
-                  <a:srgbClr val="FFFFFF"/>
-                </a:highlight>
-                <a:latin typeface="Consolas"/>
-              </a:rPr>
-              <a:t>w,l</a:t>
-            </a:r>
-            <a:r>
-              <a:rPr lang="en-US" dirty="0">
-                <a:solidFill>
-                  <a:srgbClr val="000000"/>
-                </a:solidFill>
-                <a:highlight>
-                  <a:srgbClr val="FFFFFF"/>
-                </a:highlight>
-                <a:latin typeface="Consolas"/>
-              </a:rPr>
-              <a:t>) </a:t>
-            </a:r>
-            <a:r>
-              <a:rPr lang="en-US" dirty="0">
-                <a:solidFill>
-                  <a:srgbClr val="0000FF"/>
-                </a:solidFill>
-                <a:highlight>
-                  <a:srgbClr val="FFFFFF"/>
-                </a:highlight>
-                <a:latin typeface="Consolas"/>
-              </a:rPr>
-              <a:t>-&gt;</a:t>
-            </a:r>
-            <a:r>
-              <a:rPr lang="en-US" dirty="0">
-                <a:solidFill>
-                  <a:srgbClr val="000000"/>
-                </a:solidFill>
-                <a:highlight>
-                  <a:srgbClr val="FFFFFF"/>
-                </a:highlight>
-                <a:latin typeface="Consolas"/>
-              </a:rPr>
-              <a:t> </a:t>
-            </a:r>
-          </a:p>
-          <a:p>
-            <a:pPr marL="0" indent="0">
-              <a:buNone/>
-            </a:pPr>
-            <a:r>
-              <a:rPr lang="en-US" dirty="0" smtClean="0">
-                <a:solidFill>
-                  <a:srgbClr val="DCDCDC"/>
-                </a:solidFill>
-                <a:highlight>
-                  <a:srgbClr val="FFFFFF"/>
-                </a:highlight>
-                <a:latin typeface="Consolas"/>
-              </a:rPr>
-              <a:t>	sprintf</a:t>
-            </a:r>
-            <a:r>
-              <a:rPr lang="en-US" dirty="0" smtClean="0">
-                <a:solidFill>
-                  <a:srgbClr val="000000"/>
-                </a:solidFill>
-                <a:highlight>
-                  <a:srgbClr val="FFFFFF"/>
-                </a:highlight>
-                <a:latin typeface="Consolas"/>
-              </a:rPr>
-              <a:t> </a:t>
-            </a:r>
-            <a:r>
-              <a:rPr lang="en-US" dirty="0">
-                <a:solidFill>
-                  <a:srgbClr val="A31515"/>
-                </a:solidFill>
-                <a:highlight>
-                  <a:srgbClr val="FFFFFF"/>
-                </a:highlight>
-                <a:latin typeface="Consolas"/>
-              </a:rPr>
-              <a:t>"</a:t>
-            </a:r>
-            <a:r>
-              <a:rPr lang="en-US" dirty="0" smtClean="0">
-                <a:solidFill>
-                  <a:srgbClr val="A31515"/>
-                </a:solidFill>
-                <a:highlight>
-                  <a:srgbClr val="FFFFFF"/>
-                </a:highlight>
-                <a:latin typeface="Consolas"/>
-              </a:rPr>
-              <a:t>Width:</a:t>
-            </a:r>
-            <a:r>
-              <a:rPr lang="en-US" dirty="0" smtClean="0">
-                <a:solidFill>
-                  <a:srgbClr val="4EDCB0"/>
-                </a:solidFill>
-                <a:highlight>
-                  <a:srgbClr val="FFFFFF"/>
-                </a:highlight>
-                <a:latin typeface="Consolas"/>
-              </a:rPr>
-              <a:t>%</a:t>
-            </a:r>
-            <a:r>
-              <a:rPr lang="en-US" dirty="0">
-                <a:solidFill>
-                  <a:srgbClr val="4EDCB0"/>
-                </a:solidFill>
-                <a:highlight>
-                  <a:srgbClr val="FFFFFF"/>
-                </a:highlight>
-                <a:latin typeface="Consolas"/>
-              </a:rPr>
-              <a:t>f</a:t>
-            </a:r>
-            <a:r>
-              <a:rPr lang="en-US" dirty="0">
-                <a:solidFill>
-                  <a:srgbClr val="A31515"/>
-                </a:solidFill>
-                <a:highlight>
-                  <a:srgbClr val="FFFFFF"/>
-                </a:highlight>
-                <a:latin typeface="Consolas"/>
-              </a:rPr>
-              <a:t> / </a:t>
-            </a:r>
-            <a:r>
-              <a:rPr lang="en-US" dirty="0" smtClean="0">
-                <a:solidFill>
-                  <a:srgbClr val="A31515"/>
-                </a:solidFill>
-                <a:highlight>
-                  <a:srgbClr val="FFFFFF"/>
-                </a:highlight>
-                <a:latin typeface="Consolas"/>
-              </a:rPr>
-              <a:t>Length:</a:t>
-            </a:r>
-            <a:r>
-              <a:rPr lang="en-US" dirty="0" smtClean="0">
-                <a:solidFill>
-                  <a:srgbClr val="4EDCB0"/>
-                </a:solidFill>
-                <a:highlight>
-                  <a:srgbClr val="FFFFFF"/>
-                </a:highlight>
-                <a:latin typeface="Consolas"/>
-              </a:rPr>
-              <a:t>%</a:t>
-            </a:r>
-            <a:r>
-              <a:rPr lang="en-US" dirty="0">
-                <a:solidFill>
-                  <a:srgbClr val="4EDCB0"/>
-                </a:solidFill>
-                <a:highlight>
-                  <a:srgbClr val="FFFFFF"/>
-                </a:highlight>
-                <a:latin typeface="Consolas"/>
-              </a:rPr>
-              <a:t>f</a:t>
-            </a:r>
-            <a:r>
-              <a:rPr lang="en-US" dirty="0">
-                <a:solidFill>
-                  <a:srgbClr val="A31515"/>
-                </a:solidFill>
-                <a:highlight>
-                  <a:srgbClr val="FFFFFF"/>
-                </a:highlight>
-                <a:latin typeface="Consolas"/>
-              </a:rPr>
-              <a:t>"</a:t>
-            </a:r>
-            <a:r>
-              <a:rPr lang="en-US" dirty="0">
-                <a:solidFill>
-                  <a:srgbClr val="000000"/>
-                </a:solidFill>
-                <a:highlight>
-                  <a:srgbClr val="FFFFFF"/>
-                </a:highlight>
-                <a:latin typeface="Consolas"/>
-              </a:rPr>
-              <a:t> w l</a:t>
-            </a:r>
-          </a:p>
-          <a:p>
-            <a:pPr marL="0" indent="0">
-              <a:buNone/>
-            </a:pPr>
-            <a:r>
-              <a:rPr lang="en-US" dirty="0" smtClean="0">
-                <a:solidFill>
-                  <a:srgbClr val="000000"/>
-                </a:solidFill>
-                <a:highlight>
-                  <a:srgbClr val="FFFFFF"/>
-                </a:highlight>
-                <a:latin typeface="Consolas"/>
-              </a:rPr>
-              <a:t>| </a:t>
-            </a:r>
-            <a:r>
-              <a:rPr lang="en-US" dirty="0">
-                <a:solidFill>
-                  <a:schemeClr val="accent2">
-                    <a:lumMod val="75000"/>
-                  </a:schemeClr>
-                </a:solidFill>
-                <a:highlight>
-                  <a:srgbClr val="FFFFFF"/>
-                </a:highlight>
-                <a:latin typeface="Consolas"/>
-              </a:rPr>
-              <a:t>Circle</a:t>
-            </a:r>
-            <a:r>
-              <a:rPr lang="en-US" dirty="0">
-                <a:solidFill>
-                  <a:srgbClr val="000000"/>
-                </a:solidFill>
-                <a:highlight>
-                  <a:srgbClr val="FFFFFF"/>
-                </a:highlight>
-                <a:latin typeface="Consolas"/>
-              </a:rPr>
-              <a:t>(r) </a:t>
-            </a:r>
-            <a:r>
-              <a:rPr lang="en-US" dirty="0">
-                <a:solidFill>
-                  <a:srgbClr val="0000FF"/>
-                </a:solidFill>
-                <a:highlight>
-                  <a:srgbClr val="FFFFFF"/>
-                </a:highlight>
-                <a:latin typeface="Consolas"/>
-              </a:rPr>
-              <a:t>-&gt;</a:t>
-            </a:r>
-            <a:r>
-              <a:rPr lang="en-US" dirty="0">
-                <a:solidFill>
-                  <a:srgbClr val="000000"/>
-                </a:solidFill>
-                <a:highlight>
-                  <a:srgbClr val="FFFFFF"/>
-                </a:highlight>
-                <a:latin typeface="Consolas"/>
-              </a:rPr>
-              <a:t> </a:t>
-            </a:r>
-            <a:endParaRPr lang="en-US" dirty="0" smtClean="0">
-              <a:solidFill>
-                <a:srgbClr val="000000"/>
-              </a:solidFill>
-              <a:highlight>
-                <a:srgbClr val="FFFFFF"/>
-              </a:highlight>
-              <a:latin typeface="Consolas"/>
-            </a:endParaRPr>
-          </a:p>
-          <a:p>
-            <a:pPr marL="0" indent="0">
-              <a:buNone/>
-            </a:pPr>
-            <a:r>
-              <a:rPr lang="en-US" dirty="0">
-                <a:solidFill>
-                  <a:srgbClr val="000000"/>
-                </a:solidFill>
-                <a:highlight>
-                  <a:srgbClr val="FFFFFF"/>
-                </a:highlight>
-                <a:latin typeface="Consolas"/>
-              </a:rPr>
-              <a:t>	</a:t>
-            </a:r>
-            <a:r>
-              <a:rPr lang="en-US" dirty="0" smtClean="0">
-                <a:solidFill>
-                  <a:srgbClr val="DCDCDC"/>
-                </a:solidFill>
-                <a:highlight>
-                  <a:srgbClr val="FFFFFF"/>
-                </a:highlight>
-                <a:latin typeface="Consolas"/>
-              </a:rPr>
-              <a:t>sprintf</a:t>
-            </a:r>
-            <a:r>
-              <a:rPr lang="en-US" dirty="0" smtClean="0">
-                <a:solidFill>
-                  <a:srgbClr val="000000"/>
-                </a:solidFill>
-                <a:highlight>
-                  <a:srgbClr val="FFFFFF"/>
-                </a:highlight>
-                <a:latin typeface="Consolas"/>
-              </a:rPr>
-              <a:t> </a:t>
-            </a:r>
-            <a:r>
-              <a:rPr lang="en-US" dirty="0">
-                <a:solidFill>
-                  <a:srgbClr val="A31515"/>
-                </a:solidFill>
-                <a:highlight>
-                  <a:srgbClr val="FFFFFF"/>
-                </a:highlight>
-                <a:latin typeface="Consolas"/>
-              </a:rPr>
-              <a:t>"Radius</a:t>
-            </a:r>
-            <a:r>
-              <a:rPr lang="en-US" dirty="0" smtClean="0">
-                <a:solidFill>
-                  <a:srgbClr val="A31515"/>
-                </a:solidFill>
-                <a:highlight>
-                  <a:srgbClr val="FFFFFF"/>
-                </a:highlight>
-                <a:latin typeface="Consolas"/>
-              </a:rPr>
-              <a:t>:</a:t>
-            </a:r>
-            <a:r>
-              <a:rPr lang="en-US" dirty="0" smtClean="0">
-                <a:solidFill>
-                  <a:srgbClr val="4EDCB0"/>
-                </a:solidFill>
-                <a:highlight>
-                  <a:srgbClr val="FFFFFF"/>
-                </a:highlight>
-                <a:latin typeface="Consolas"/>
-              </a:rPr>
-              <a:t>%</a:t>
-            </a:r>
-            <a:r>
-              <a:rPr lang="en-US" dirty="0">
-                <a:solidFill>
-                  <a:srgbClr val="4EDCB0"/>
-                </a:solidFill>
-                <a:highlight>
-                  <a:srgbClr val="FFFFFF"/>
-                </a:highlight>
-                <a:latin typeface="Consolas"/>
-              </a:rPr>
-              <a:t>f</a:t>
-            </a:r>
-            <a:r>
-              <a:rPr lang="en-US" dirty="0">
-                <a:solidFill>
-                  <a:srgbClr val="A31515"/>
-                </a:solidFill>
-                <a:highlight>
-                  <a:srgbClr val="FFFFFF"/>
-                </a:highlight>
-                <a:latin typeface="Consolas"/>
-              </a:rPr>
-              <a:t>"</a:t>
-            </a:r>
-            <a:r>
-              <a:rPr lang="en-US" dirty="0">
-                <a:solidFill>
-                  <a:srgbClr val="000000"/>
-                </a:solidFill>
-                <a:highlight>
-                  <a:srgbClr val="FFFFFF"/>
-                </a:highlight>
-                <a:latin typeface="Consolas"/>
-              </a:rPr>
-              <a:t> r</a:t>
-            </a:r>
-          </a:p>
-          <a:p>
-            <a:pPr marL="0" indent="0">
-              <a:buNone/>
-            </a:pPr>
-            <a:r>
-              <a:rPr lang="en-US" dirty="0" smtClean="0">
-                <a:solidFill>
-                  <a:srgbClr val="000000"/>
-                </a:solidFill>
-                <a:highlight>
-                  <a:srgbClr val="FFFFFF"/>
-                </a:highlight>
-                <a:latin typeface="Consolas"/>
-              </a:rPr>
-              <a:t>| </a:t>
-            </a:r>
-            <a:r>
-              <a:rPr lang="en-US" dirty="0">
-                <a:solidFill>
-                  <a:schemeClr val="accent2">
-                    <a:lumMod val="75000"/>
-                  </a:schemeClr>
-                </a:solidFill>
-                <a:highlight>
-                  <a:srgbClr val="FFFFFF"/>
-                </a:highlight>
-                <a:latin typeface="Consolas"/>
-              </a:rPr>
-              <a:t>Prism</a:t>
-            </a:r>
-            <a:r>
-              <a:rPr lang="en-US" dirty="0">
-                <a:solidFill>
-                  <a:srgbClr val="000000"/>
-                </a:solidFill>
-                <a:highlight>
-                  <a:srgbClr val="FFFFFF"/>
-                </a:highlight>
-                <a:latin typeface="Consolas"/>
-              </a:rPr>
-              <a:t>(w, l, h) </a:t>
-            </a:r>
-            <a:r>
-              <a:rPr lang="en-US" dirty="0">
-                <a:solidFill>
-                  <a:srgbClr val="0000FF"/>
-                </a:solidFill>
-                <a:highlight>
-                  <a:srgbClr val="FFFFFF"/>
-                </a:highlight>
-                <a:latin typeface="Consolas"/>
-              </a:rPr>
-              <a:t>-&gt;</a:t>
-            </a:r>
-            <a:r>
-              <a:rPr lang="en-US" dirty="0">
-                <a:solidFill>
-                  <a:srgbClr val="000000"/>
-                </a:solidFill>
-                <a:highlight>
-                  <a:srgbClr val="FFFFFF"/>
-                </a:highlight>
-                <a:latin typeface="Consolas"/>
-              </a:rPr>
-              <a:t> </a:t>
-            </a:r>
-          </a:p>
-          <a:p>
-            <a:pPr marL="0" indent="0">
-              <a:buNone/>
-            </a:pPr>
-            <a:r>
-              <a:rPr lang="en-US" dirty="0" smtClean="0">
-                <a:solidFill>
-                  <a:srgbClr val="DCDCDC"/>
-                </a:solidFill>
-                <a:highlight>
-                  <a:srgbClr val="FFFFFF"/>
-                </a:highlight>
-                <a:latin typeface="Consolas"/>
-              </a:rPr>
-              <a:t>	sprintf</a:t>
-            </a:r>
-            <a:r>
-              <a:rPr lang="en-US" dirty="0" smtClean="0">
-                <a:solidFill>
-                  <a:srgbClr val="000000"/>
-                </a:solidFill>
-                <a:highlight>
-                  <a:srgbClr val="FFFFFF"/>
-                </a:highlight>
-                <a:latin typeface="Consolas"/>
-              </a:rPr>
-              <a:t> </a:t>
-            </a:r>
-            <a:r>
-              <a:rPr lang="en-US" dirty="0">
-                <a:solidFill>
-                  <a:srgbClr val="A31515"/>
-                </a:solidFill>
-                <a:highlight>
-                  <a:srgbClr val="FFFFFF"/>
-                </a:highlight>
-                <a:latin typeface="Consolas"/>
-              </a:rPr>
-              <a:t>"Width</a:t>
-            </a:r>
-            <a:r>
-              <a:rPr lang="en-US" dirty="0" smtClean="0">
-                <a:solidFill>
-                  <a:srgbClr val="A31515"/>
-                </a:solidFill>
-                <a:highlight>
-                  <a:srgbClr val="FFFFFF"/>
-                </a:highlight>
-                <a:latin typeface="Consolas"/>
-              </a:rPr>
-              <a:t>:</a:t>
-            </a:r>
-            <a:r>
-              <a:rPr lang="en-US" dirty="0" smtClean="0">
-                <a:solidFill>
-                  <a:srgbClr val="4EDCB0"/>
-                </a:solidFill>
-                <a:highlight>
-                  <a:srgbClr val="FFFFFF"/>
-                </a:highlight>
-                <a:latin typeface="Consolas"/>
-              </a:rPr>
-              <a:t>%</a:t>
-            </a:r>
-            <a:r>
-              <a:rPr lang="en-US" dirty="0">
-                <a:solidFill>
-                  <a:srgbClr val="4EDCB0"/>
-                </a:solidFill>
-                <a:highlight>
-                  <a:srgbClr val="FFFFFF"/>
-                </a:highlight>
-                <a:latin typeface="Consolas"/>
-              </a:rPr>
-              <a:t>f</a:t>
-            </a:r>
-            <a:r>
-              <a:rPr lang="en-US" dirty="0">
-                <a:solidFill>
-                  <a:srgbClr val="A31515"/>
-                </a:solidFill>
-                <a:highlight>
-                  <a:srgbClr val="FFFFFF"/>
-                </a:highlight>
-                <a:latin typeface="Consolas"/>
-              </a:rPr>
-              <a:t> / Length</a:t>
-            </a:r>
-            <a:r>
-              <a:rPr lang="en-US" dirty="0" smtClean="0">
-                <a:solidFill>
-                  <a:srgbClr val="A31515"/>
-                </a:solidFill>
-                <a:highlight>
-                  <a:srgbClr val="FFFFFF"/>
-                </a:highlight>
-                <a:latin typeface="Consolas"/>
-              </a:rPr>
-              <a:t>:</a:t>
-            </a:r>
-            <a:r>
-              <a:rPr lang="en-US" dirty="0" smtClean="0">
-                <a:solidFill>
-                  <a:srgbClr val="4EDCB0"/>
-                </a:solidFill>
-                <a:highlight>
-                  <a:srgbClr val="FFFFFF"/>
-                </a:highlight>
-                <a:latin typeface="Consolas"/>
-              </a:rPr>
-              <a:t>%</a:t>
-            </a:r>
-            <a:r>
-              <a:rPr lang="en-US" dirty="0">
-                <a:solidFill>
-                  <a:srgbClr val="4EDCB0"/>
-                </a:solidFill>
-                <a:highlight>
-                  <a:srgbClr val="FFFFFF"/>
-                </a:highlight>
-                <a:latin typeface="Consolas"/>
-              </a:rPr>
-              <a:t>f</a:t>
-            </a:r>
-            <a:r>
-              <a:rPr lang="en-US" dirty="0">
-                <a:solidFill>
-                  <a:srgbClr val="A31515"/>
-                </a:solidFill>
-                <a:highlight>
-                  <a:srgbClr val="FFFFFF"/>
-                </a:highlight>
-                <a:latin typeface="Consolas"/>
-              </a:rPr>
-              <a:t> / Height: </a:t>
-            </a:r>
-            <a:r>
-              <a:rPr lang="en-US" dirty="0">
-                <a:solidFill>
-                  <a:srgbClr val="4EDCB0"/>
-                </a:solidFill>
-                <a:highlight>
-                  <a:srgbClr val="FFFFFF"/>
-                </a:highlight>
-                <a:latin typeface="Consolas"/>
-              </a:rPr>
-              <a:t>%f</a:t>
-            </a:r>
-            <a:r>
-              <a:rPr lang="en-US" dirty="0">
-                <a:solidFill>
-                  <a:srgbClr val="A31515"/>
-                </a:solidFill>
-                <a:highlight>
-                  <a:srgbClr val="FFFFFF"/>
-                </a:highlight>
-                <a:latin typeface="Consolas"/>
-              </a:rPr>
-              <a:t>"</a:t>
-            </a:r>
-            <a:r>
-              <a:rPr lang="en-US" dirty="0">
-                <a:solidFill>
-                  <a:srgbClr val="000000"/>
-                </a:solidFill>
-                <a:highlight>
-                  <a:srgbClr val="FFFFFF"/>
-                </a:highlight>
-                <a:latin typeface="Consolas"/>
-              </a:rPr>
-              <a:t> w l h</a:t>
-            </a:r>
-            <a:endParaRPr lang="en-US" dirty="0"/>
+            <a:endParaRPr lang="de-DE" dirty="0" smtClean="0"/>
           </a:p>
         </p:txBody>
       </p:sp>
     </p:spTree>
     <p:extLst>
       <p:ext uri="{BB962C8B-B14F-4D97-AF65-F5344CB8AC3E}">
-        <p14:creationId xmlns:p14="http://schemas.microsoft.com/office/powerpoint/2010/main" val="2783144213"/>
+        <p14:creationId xmlns:p14="http://schemas.microsoft.com/office/powerpoint/2010/main" val="1684138351"/>
       </p:ext>
     </p:extLst>
   </p:cSld>
   <p:clrMapOvr>
     <a:masterClrMapping/>
   </p:clrMapOvr>
-  <p:timing>
-    <p:tnLst>
-      <p:par>
-        <p:cTn id="1" dur="indefinite" restart="never" nodeType="tmRoot"/>
-      </p:par>
-    </p:tnLst>
-  </p:timing>
 </p:sld>
 </file>
 
@@ -15191,12 +14253,30 @@
         </p:nvSpPr>
         <p:spPr/>
         <p:txBody>
-          <a:bodyPr/>
+          <a:bodyPr>
+            <a:normAutofit/>
+          </a:bodyPr>
           <a:lstStyle/>
           <a:p>
             <a:r>
               <a:rPr lang="de-DE" dirty="0" smtClean="0"/>
-              <a:t>Option</a:t>
+              <a:t>Option </a:t>
+            </a:r>
+            <a:r>
+              <a:rPr lang="de-DE" dirty="0" err="1" smtClean="0"/>
+              <a:t>vs</a:t>
+            </a:r>
+            <a:r>
+              <a:rPr lang="de-DE" dirty="0" smtClean="0"/>
+              <a:t> Null : </a:t>
+            </a:r>
+            <a:r>
+              <a:rPr lang="de-DE" dirty="0"/>
+              <a:t>Type </a:t>
+            </a:r>
+            <a:r>
+              <a:rPr lang="de-DE" dirty="0" err="1" smtClean="0"/>
+              <a:t>Safety</a:t>
             </a:r>
             <a:endParaRPr lang="en-US" dirty="0"/>
           </a:p>
@@ -15221,90 +14301,171 @@
               <a:buNone/>
             </a:pPr>
             <a:r>
-              <a:rPr lang="de-DE" dirty="0" smtClean="0"/>
-              <a:t>Besondere Form des DU</a:t>
-            </a:r>
+              <a:rPr lang="en-US" dirty="0" smtClean="0">
+                <a:solidFill>
+                  <a:srgbClr val="0000FF"/>
+                </a:solidFill>
+                <a:highlight>
+                  <a:srgbClr val="FFFFFF"/>
+                </a:highlight>
+                <a:latin typeface="Consolas"/>
+              </a:rPr>
+              <a:t>let</a:t>
+            </a:r>
+            <a:r>
+              <a:rPr lang="en-US" dirty="0" smtClean="0">
+                <a:solidFill>
+                  <a:srgbClr val="000000"/>
+                </a:solidFill>
+                <a:highlight>
+                  <a:srgbClr val="FFFFFF"/>
+                </a:highlight>
+                <a:latin typeface="Consolas"/>
+              </a:rPr>
+              <a:t> </a:t>
+            </a:r>
+            <a:r>
+              <a:rPr lang="en-US" dirty="0">
+                <a:solidFill>
+                  <a:srgbClr val="000000"/>
+                </a:solidFill>
+                <a:highlight>
+                  <a:srgbClr val="FFFFFF"/>
+                </a:highlight>
+                <a:latin typeface="Consolas"/>
+              </a:rPr>
+              <a:t>s </a:t>
+            </a:r>
+            <a:r>
+              <a:rPr lang="en-US" dirty="0">
+                <a:solidFill>
+                  <a:srgbClr val="DCDCDC"/>
+                </a:solidFill>
+                <a:highlight>
+                  <a:srgbClr val="FFFFFF"/>
+                </a:highlight>
+                <a:latin typeface="Consolas"/>
+              </a:rPr>
+              <a:t>=</a:t>
+            </a:r>
+            <a:r>
+              <a:rPr lang="en-US" dirty="0">
+                <a:solidFill>
+                  <a:srgbClr val="000000"/>
+                </a:solidFill>
+                <a:highlight>
+                  <a:srgbClr val="FFFFFF"/>
+                </a:highlight>
+                <a:latin typeface="Consolas"/>
+              </a:rPr>
+              <a:t> </a:t>
+            </a:r>
+            <a:r>
+              <a:rPr lang="en-US" dirty="0">
+                <a:solidFill>
+                  <a:srgbClr val="A31515"/>
+                </a:solidFill>
+                <a:highlight>
+                  <a:srgbClr val="FFFFFF"/>
+                </a:highlight>
+                <a:latin typeface="Consolas"/>
+              </a:rPr>
+              <a:t>"string"</a:t>
+            </a:r>
+            <a:endParaRPr lang="en-US" dirty="0">
+              <a:solidFill>
+                <a:srgbClr val="000000"/>
+              </a:solidFill>
+              <a:highlight>
+                <a:srgbClr val="FFFFFF"/>
+              </a:highlight>
+              <a:latin typeface="Consolas"/>
+            </a:endParaRPr>
           </a:p>
           <a:p>
             <a:pPr marL="0" indent="0">
               <a:buNone/>
             </a:pPr>
             <a:r>
-              <a:rPr lang="en-US" b="1" dirty="0">
-                <a:solidFill>
-                  <a:srgbClr val="008000"/>
-                </a:solidFill>
+              <a:rPr lang="en-US" dirty="0" smtClean="0">
+                <a:solidFill>
+                  <a:srgbClr val="0000FF"/>
+                </a:solidFill>
+                <a:highlight>
+                  <a:srgbClr val="FFFFFF"/>
+                </a:highlight>
+                <a:latin typeface="Consolas"/>
               </a:rPr>
-              <a:t>type</a:t>
-            </a:r>
-            <a:r>
-              <a:rPr lang="en-US" dirty="0"/>
+              <a:t>let</a:t>
+            </a:r>
+            <a:r>
+              <a:rPr lang="en-US" dirty="0" smtClean="0">
+                <a:solidFill>
+                  <a:srgbClr val="000000"/>
+                </a:solidFill>
+                <a:highlight>
+                  <a:srgbClr val="FFFFFF"/>
+                </a:highlight>
+                <a:latin typeface="Consolas"/>
+              </a:rPr>
               <a:t> </a:t>
             </a:r>
             <a:r>
-              <a:rPr lang="en-US" b="1" dirty="0">
-                <a:solidFill>
-                  <a:srgbClr val="0000FF"/>
-                </a:solidFill>
+              <a:rPr lang="en-US" dirty="0">
+                <a:solidFill>
+                  <a:srgbClr val="000000"/>
+                </a:solidFill>
+                <a:highlight>
+                  <a:srgbClr val="FFFFFF"/>
+                </a:highlight>
+                <a:latin typeface="Consolas"/>
               </a:rPr>
-              <a:t>Option</a:t>
+              <a:t>length </a:t>
             </a:r>
             <a:r>
               <a:rPr lang="en-US" dirty="0">
                 <a:solidFill>
-                  <a:srgbClr val="666666"/>
-                </a:solidFill>
-              </a:rPr>
-              <a:t>&lt;</a:t>
-            </a:r>
-            <a:r>
-              <a:rPr lang="en-US" b="1" dirty="0">
-                <a:solidFill>
-                  <a:srgbClr val="008000"/>
-                </a:solidFill>
-              </a:rPr>
-              <a:t>'</a:t>
-            </a:r>
-            <a:r>
-              <a:rPr lang="en-US" dirty="0"/>
-              <a:t>a</a:t>
-            </a:r>
-            <a:r>
-              <a:rPr lang="en-US" dirty="0">
-                <a:solidFill>
-                  <a:srgbClr val="666666"/>
-                </a:solidFill>
-              </a:rPr>
-              <a:t>&gt;</a:t>
-            </a:r>
-            <a:r>
-              <a:rPr lang="en-US" dirty="0"/>
-              <a:t> </a:t>
-            </a:r>
-            <a:r>
-              <a:rPr lang="en-US" dirty="0">
-                <a:solidFill>
-                  <a:srgbClr val="666666"/>
-                </a:solidFill>
+                  <a:srgbClr val="DCDCDC"/>
+                </a:solidFill>
+                <a:highlight>
+                  <a:srgbClr val="FFFFFF"/>
+                </a:highlight>
+                <a:latin typeface="Consolas"/>
               </a:rPr>
               <a:t>=</a:t>
             </a:r>
             <a:r>
-              <a:rPr lang="en-US" dirty="0"/>
+              <a:rPr lang="en-US" dirty="0">
+                <a:solidFill>
+                  <a:srgbClr val="000000"/>
+                </a:solidFill>
+                <a:highlight>
+                  <a:srgbClr val="FFFFFF"/>
+                </a:highlight>
+                <a:latin typeface="Consolas"/>
+              </a:rPr>
               <a:t> </a:t>
             </a:r>
             <a:r>
-              <a:rPr lang="en-US" i="1" dirty="0">
-                <a:solidFill>
-                  <a:srgbClr val="408080"/>
-                </a:solidFill>
+              <a:rPr lang="en-US" dirty="0" err="1">
+                <a:solidFill>
+                  <a:srgbClr val="000000"/>
+                </a:solidFill>
+                <a:highlight>
+                  <a:srgbClr val="FFFFFF"/>
+                </a:highlight>
+                <a:latin typeface="Consolas"/>
               </a:rPr>
-              <a:t>// use a generic definition </a:t>
-            </a:r>
-            <a:endParaRPr lang="en-US" i="1" dirty="0" smtClean="0">
+              <a:t>s.Length</a:t>
+            </a:r>
+            <a:endParaRPr lang="en-US" dirty="0">
               <a:solidFill>
-                <a:srgbClr val="408080"/>
+                <a:srgbClr val="000000"/>
               </a:solidFill>
+              <a:highlight>
+                <a:srgbClr val="FFFFFF"/>
+              </a:highlight>
+              <a:latin typeface="Consolas"/>
             </a:endParaRPr>
           </a:p>
           <a:p>
@@ -15314,64 +14475,132 @@
             <a:r>
               <a:rPr lang="en-US" dirty="0" smtClean="0">
                 <a:solidFill>
-                  <a:srgbClr val="666666"/>
-                </a:solidFill>
+                  <a:srgbClr val="0000FF"/>
+                </a:solidFill>
+                <a:highlight>
+                  <a:srgbClr val="FFFFFF"/>
+                </a:highlight>
+                <a:latin typeface="Consolas"/>
               </a:rPr>
-              <a:t>|</a:t>
-            </a:r>
-            <a:r>
-              <a:rPr lang="en-US" dirty="0" smtClean="0"/>
+              <a:t>let</a:t>
+            </a:r>
+            <a:r>
+              <a:rPr lang="en-US" dirty="0" smtClean="0">
+                <a:solidFill>
+                  <a:srgbClr val="000000"/>
+                </a:solidFill>
+                <a:highlight>
+                  <a:srgbClr val="FFFFFF"/>
+                </a:highlight>
+                <a:latin typeface="Consolas"/>
+              </a:rPr>
               <a:t> </a:t>
             </a:r>
             <a:r>
-              <a:rPr lang="en-US" b="1" dirty="0">
-                <a:solidFill>
-                  <a:srgbClr val="0000FF"/>
-                </a:solidFill>
+              <a:rPr lang="en-US" dirty="0">
+                <a:solidFill>
+                  <a:srgbClr val="000000"/>
+                </a:solidFill>
+                <a:highlight>
+                  <a:srgbClr val="FFFFFF"/>
+                </a:highlight>
+                <a:latin typeface="Consolas"/>
               </a:rPr>
-              <a:t>Some</a:t>
-            </a:r>
-            <a:r>
-              <a:rPr lang="en-US" dirty="0"/>
+              <a:t>s' </a:t>
+            </a:r>
+            <a:r>
+              <a:rPr lang="en-US" dirty="0">
+                <a:solidFill>
+                  <a:srgbClr val="DCDCDC"/>
+                </a:solidFill>
+                <a:highlight>
+                  <a:srgbClr val="FFFFFF"/>
+                </a:highlight>
+                <a:latin typeface="Consolas"/>
+              </a:rPr>
+              <a:t>=</a:t>
+            </a:r>
+            <a:r>
+              <a:rPr lang="en-US" dirty="0">
+                <a:solidFill>
+                  <a:srgbClr val="000000"/>
+                </a:solidFill>
+                <a:highlight>
+                  <a:srgbClr val="FFFFFF"/>
+                </a:highlight>
+                <a:latin typeface="Consolas"/>
+              </a:rPr>
               <a:t> </a:t>
             </a:r>
             <a:r>
-              <a:rPr lang="en-US" b="1" dirty="0">
-                <a:solidFill>
-                  <a:srgbClr val="008000"/>
-                </a:solidFill>
+              <a:rPr lang="en-US" dirty="0">
+                <a:solidFill>
+                  <a:srgbClr val="4EC9B0"/>
+                </a:solidFill>
+                <a:highlight>
+                  <a:srgbClr val="FFFFFF"/>
+                </a:highlight>
+                <a:latin typeface="Consolas"/>
               </a:rPr>
-              <a:t>of</a:t>
-            </a:r>
-            <a:r>
-              <a:rPr lang="en-US" dirty="0"/>
-              <a:t> </a:t>
-            </a:r>
-            <a:r>
-              <a:rPr lang="en-US" b="1" dirty="0">
-                <a:solidFill>
-                  <a:srgbClr val="008000"/>
-                </a:solidFill>
+              <a:t>Option</a:t>
+            </a:r>
+            <a:r>
+              <a:rPr lang="en-US" dirty="0">
+                <a:solidFill>
+                  <a:srgbClr val="000000"/>
+                </a:solidFill>
+                <a:highlight>
+                  <a:srgbClr val="FFFFFF"/>
+                </a:highlight>
+                <a:latin typeface="Consolas"/>
               </a:rPr>
-              <a:t>'</a:t>
-            </a:r>
-            <a:r>
-              <a:rPr lang="en-US" dirty="0"/>
-              <a:t>a </a:t>
-            </a:r>
-            <a:r>
-              <a:rPr lang="en-US" i="1" dirty="0">
-                <a:solidFill>
-                  <a:srgbClr val="408080"/>
-                </a:solidFill>
+              <a:t>&lt;</a:t>
+            </a:r>
+            <a:r>
+              <a:rPr lang="en-US" dirty="0">
+                <a:solidFill>
+                  <a:srgbClr val="4EC9B0"/>
+                </a:solidFill>
+                <a:highlight>
+                  <a:srgbClr val="FFFFFF"/>
+                </a:highlight>
+                <a:latin typeface="Consolas"/>
               </a:rPr>
-              <a:t>// valid value</a:t>
-            </a:r>
-            <a:r>
-              <a:rPr lang="en-US" dirty="0"/>
-              <a:t> </a:t>
-            </a:r>
-            <a:endParaRPr lang="en-US" dirty="0" smtClean="0"/>
+              <a:t>string</a:t>
+            </a:r>
+            <a:r>
+              <a:rPr lang="en-US" dirty="0">
+                <a:solidFill>
+                  <a:srgbClr val="000000"/>
+                </a:solidFill>
+                <a:highlight>
+                  <a:srgbClr val="FFFFFF"/>
+                </a:highlight>
+                <a:latin typeface="Consolas"/>
+              </a:rPr>
+              <a:t>&gt;.</a:t>
+            </a:r>
+            <a:r>
+              <a:rPr lang="en-US" dirty="0">
+                <a:solidFill>
+                  <a:srgbClr val="DCDCDC"/>
+                </a:solidFill>
+                <a:highlight>
+                  <a:srgbClr val="FFFFFF"/>
+                </a:highlight>
+                <a:latin typeface="Consolas"/>
+              </a:rPr>
+              <a:t>None</a:t>
+            </a:r>
+            <a:endParaRPr lang="en-US" dirty="0">
+              <a:solidFill>
+                <a:srgbClr val="000000"/>
+              </a:solidFill>
+              <a:highlight>
+                <a:srgbClr val="FFFFFF"/>
+              </a:highlight>
+              <a:latin typeface="Consolas"/>
+            </a:endParaRPr>
           </a:p>
           <a:p>
             <a:pPr marL="0" indent="0">
@@ -15380,56 +14609,107 @@
             <a:r>
               <a:rPr lang="en-US" dirty="0" smtClean="0">
                 <a:solidFill>
-                  <a:srgbClr val="666666"/>
-                </a:solidFill>
+                  <a:srgbClr val="0000FF"/>
+                </a:solidFill>
+                <a:highlight>
+                  <a:srgbClr val="FFFFFF"/>
+                </a:highlight>
+                <a:latin typeface="Consolas"/>
               </a:rPr>
-              <a:t>|</a:t>
-            </a:r>
-            <a:r>
-              <a:rPr lang="en-US" dirty="0" smtClean="0"/>
+              <a:t>let</a:t>
+            </a:r>
+            <a:r>
+              <a:rPr lang="en-US" dirty="0" smtClean="0">
+                <a:solidFill>
+                  <a:srgbClr val="000000"/>
+                </a:solidFill>
+                <a:highlight>
+                  <a:srgbClr val="FFFFFF"/>
+                </a:highlight>
+                <a:latin typeface="Consolas"/>
+              </a:rPr>
               <a:t> </a:t>
             </a:r>
             <a:r>
-              <a:rPr lang="en-US" b="1" dirty="0">
-                <a:solidFill>
-                  <a:srgbClr val="0000FF"/>
-                </a:solidFill>
+              <a:rPr lang="en-US" dirty="0">
+                <a:solidFill>
+                  <a:srgbClr val="000000"/>
+                </a:solidFill>
+                <a:highlight>
+                  <a:srgbClr val="FFFFFF"/>
+                </a:highlight>
+                <a:latin typeface="Consolas"/>
               </a:rPr>
-              <a:t>None</a:t>
-            </a:r>
-            <a:r>
-              <a:rPr lang="en-US" dirty="0"/>
+              <a:t>length' </a:t>
+            </a:r>
+            <a:r>
+              <a:rPr lang="en-US" dirty="0">
+                <a:solidFill>
+                  <a:srgbClr val="DCDCDC"/>
+                </a:solidFill>
+                <a:highlight>
+                  <a:srgbClr val="FFFFFF"/>
+                </a:highlight>
+                <a:latin typeface="Consolas"/>
+              </a:rPr>
+              <a:t>=</a:t>
+            </a:r>
+            <a:r>
+              <a:rPr lang="en-US" dirty="0">
+                <a:solidFill>
+                  <a:srgbClr val="000000"/>
+                </a:solidFill>
+                <a:highlight>
+                  <a:srgbClr val="FFFFFF"/>
+                </a:highlight>
+                <a:latin typeface="Consolas"/>
+              </a:rPr>
               <a:t> </a:t>
             </a:r>
             <a:r>
-              <a:rPr lang="en-US" i="1" dirty="0">
-                <a:solidFill>
-                  <a:srgbClr val="408080"/>
-                </a:solidFill>
+              <a:rPr lang="en-US" dirty="0" err="1">
+                <a:solidFill>
+                  <a:srgbClr val="000000"/>
+                </a:solidFill>
+                <a:highlight>
+                  <a:srgbClr val="FFFFFF"/>
+                </a:highlight>
+                <a:latin typeface="Consolas"/>
               </a:rPr>
-              <a:t>// </a:t>
-            </a:r>
-            <a:r>
-              <a:rPr lang="en-US" i="1" dirty="0" smtClean="0">
-                <a:solidFill>
-                  <a:srgbClr val="408080"/>
-                </a:solidFill>
+              <a:t>s'.</a:t>
+            </a:r>
+            <a:r>
+              <a:rPr lang="en-US" dirty="0" err="1" smtClean="0">
+                <a:solidFill>
+                  <a:srgbClr val="000000"/>
+                </a:solidFill>
+                <a:highlight>
+                  <a:srgbClr val="FFFFFF"/>
+                </a:highlight>
+                <a:latin typeface="Consolas"/>
               </a:rPr>
-              <a:t>missing</a:t>
-            </a:r>
-          </a:p>
-          <a:p>
-            <a:pPr marL="0" indent="0">
-              <a:buNone/>
-            </a:pPr>
-            <a:endParaRPr lang="en-US" dirty="0"/>
+              <a:t>Length</a:t>
+            </a:r>
+            <a:r>
+              <a:rPr lang="en-US" dirty="0" smtClean="0">
+                <a:solidFill>
+                  <a:srgbClr val="000000"/>
+                </a:solidFill>
+                <a:highlight>
+                  <a:srgbClr val="FFFFFF"/>
+                </a:highlight>
+                <a:latin typeface="Consolas"/>
+              </a:rPr>
+              <a:t> // ERROR</a:t>
+            </a:r>
+            <a:endParaRPr lang="de-DE" dirty="0" smtClean="0"/>
           </a:p>
         </p:txBody>
       </p:sp>
     </p:spTree>
     <p:extLst>
       <p:ext uri="{BB962C8B-B14F-4D97-AF65-F5344CB8AC3E}">
-        <p14:creationId xmlns:p14="http://schemas.microsoft.com/office/powerpoint/2010/main" val="1673819925"/>
+        <p14:creationId xmlns:p14="http://schemas.microsoft.com/office/powerpoint/2010/main" val="1731058063"/>
       </p:ext>
     </p:extLst>
   </p:cSld>
@@ -15530,1435 +14810,6 @@
 </file>
 
 <file path=ppt/slides/slide30.xml><?xml version="1.0" encoding="utf-8"?>
-<p:sld xmlns:a="http://schemas.openxmlformats.org/drawingml/2006/main" xmlns:r="http://schemas.openxmlformats.org/officeDocument/2006/relationships" xmlns:p="http://schemas.openxmlformats.org/presentationml/2006/main">
-  <p:cSld>
-    <p:spTree>
-      <p:nvGrpSpPr>
-        <p:cNvPr id="1" name=""/>
-        <p:cNvGrpSpPr/>
-        <p:nvPr/>
-      </p:nvGrpSpPr>
-      <p:grpSpPr>
-        <a:xfrm>
-          <a:off x="0" y="0"/>
-          <a:ext cx="0" cy="0"/>
-          <a:chOff x="0" y="0"/>
-          <a:chExt cx="0" cy="0"/>
-        </a:xfrm>
-      </p:grpSpPr>
-      <p:sp>
-        <p:nvSpPr>
-          <p:cNvPr id="2" name="Title 1"/>
-          <p:cNvSpPr>
-            <a:spLocks noGrp="1"/>
-          </p:cNvSpPr>
-          <p:nvPr>
-            <p:ph type="title"/>
-          </p:nvPr>
-        </p:nvSpPr>
-        <p:spPr/>
-        <p:txBody>
-          <a:bodyPr>
-            <a:normAutofit fontScale="90000"/>
-          </a:bodyPr>
-          <a:lstStyle/>
-          <a:p>
-            <a:r>
-              <a:rPr lang="de-DE" dirty="0" smtClean="0"/>
-              <a:t>Option: </a:t>
-            </a:r>
-            <a:r>
-              <a:rPr lang="de-DE" dirty="0" err="1" smtClean="0"/>
-              <a:t>Construction</a:t>
-            </a:r>
-            <a:r>
-              <a:rPr lang="de-DE" dirty="0" smtClean="0"/>
-              <a:t> / De</a:t>
-            </a:r>
-            <a:br>
-              <a:rPr lang="de-DE" dirty="0" smtClean="0"/>
-            </a:br>
-            <a:r>
-              <a:rPr lang="de-DE" dirty="0" smtClean="0"/>
-              <a:t>Pattern </a:t>
-            </a:r>
-            <a:r>
-              <a:rPr lang="de-DE" dirty="0" err="1" smtClean="0"/>
-              <a:t>Matching</a:t>
-            </a:r>
-            <a:endParaRPr lang="en-US" dirty="0"/>
-          </a:p>
-        </p:txBody>
-      </p:sp>
-      <p:sp>
-        <p:nvSpPr>
-          <p:cNvPr id="3" name="Content Placeholder 2"/>
-          <p:cNvSpPr>
-            <a:spLocks noGrp="1"/>
-          </p:cNvSpPr>
-          <p:nvPr>
-            <p:ph idx="1"/>
-          </p:nvPr>
-        </p:nvSpPr>
-        <p:spPr/>
-        <p:txBody>
-          <a:bodyPr>
-            <a:normAutofit fontScale="92500" lnSpcReduction="10000"/>
-          </a:bodyPr>
-          <a:lstStyle/>
-          <a:p>
-            <a:pPr marL="0" indent="0">
-              <a:buNone/>
-            </a:pPr>
-            <a:r>
-              <a:rPr lang="en-US" dirty="0">
-                <a:solidFill>
-                  <a:srgbClr val="0000FF"/>
-                </a:solidFill>
-                <a:highlight>
-                  <a:srgbClr val="FFFFFF"/>
-                </a:highlight>
-                <a:latin typeface="Consolas"/>
-              </a:rPr>
-              <a:t>let</a:t>
-            </a:r>
-            <a:r>
-              <a:rPr lang="en-US" dirty="0">
-                <a:solidFill>
-                  <a:srgbClr val="000000"/>
-                </a:solidFill>
-                <a:highlight>
-                  <a:srgbClr val="FFFFFF"/>
-                </a:highlight>
-                <a:latin typeface="Consolas"/>
-              </a:rPr>
-              <a:t> s </a:t>
-            </a:r>
-            <a:r>
-              <a:rPr lang="en-US" dirty="0">
-                <a:solidFill>
-                  <a:srgbClr val="DCDCDC"/>
-                </a:solidFill>
-                <a:highlight>
-                  <a:srgbClr val="FFFFFF"/>
-                </a:highlight>
-                <a:latin typeface="Consolas"/>
-              </a:rPr>
-              <a:t>=</a:t>
-            </a:r>
-            <a:r>
-              <a:rPr lang="en-US" dirty="0">
-                <a:solidFill>
-                  <a:srgbClr val="000000"/>
-                </a:solidFill>
-                <a:highlight>
-                  <a:srgbClr val="FFFFFF"/>
-                </a:highlight>
-                <a:latin typeface="Consolas"/>
-              </a:rPr>
-              <a:t> </a:t>
-            </a:r>
-            <a:r>
-              <a:rPr lang="en-US" dirty="0">
-                <a:solidFill>
-                  <a:srgbClr val="DCDCDC"/>
-                </a:solidFill>
-                <a:highlight>
-                  <a:srgbClr val="FFFFFF"/>
-                </a:highlight>
-                <a:latin typeface="Consolas"/>
-              </a:rPr>
-              <a:t>Some</a:t>
-            </a:r>
-            <a:r>
-              <a:rPr lang="en-US" dirty="0">
-                <a:solidFill>
-                  <a:srgbClr val="000000"/>
-                </a:solidFill>
-                <a:highlight>
-                  <a:srgbClr val="FFFFFF"/>
-                </a:highlight>
-                <a:latin typeface="Consolas"/>
-              </a:rPr>
-              <a:t> </a:t>
-            </a:r>
-            <a:r>
-              <a:rPr lang="en-US" dirty="0">
-                <a:solidFill>
-                  <a:srgbClr val="A31515"/>
-                </a:solidFill>
-                <a:highlight>
-                  <a:srgbClr val="FFFFFF"/>
-                </a:highlight>
-                <a:latin typeface="Consolas"/>
-              </a:rPr>
-              <a:t>"</a:t>
-            </a:r>
-            <a:r>
-              <a:rPr lang="en-US" dirty="0" smtClean="0">
-                <a:solidFill>
-                  <a:srgbClr val="A31515"/>
-                </a:solidFill>
-                <a:highlight>
-                  <a:srgbClr val="FFFFFF"/>
-                </a:highlight>
-                <a:latin typeface="Consolas"/>
-              </a:rPr>
-              <a:t>string“ </a:t>
-            </a:r>
-          </a:p>
-          <a:p>
-            <a:pPr marL="0" indent="0">
-              <a:buNone/>
-            </a:pPr>
-            <a:endParaRPr lang="de-DE" dirty="0" smtClean="0"/>
-          </a:p>
-          <a:p>
-            <a:pPr marL="0" indent="0">
-              <a:buNone/>
-            </a:pPr>
-            <a:r>
-              <a:rPr lang="de-DE" dirty="0" smtClean="0"/>
-              <a:t>Keine </a:t>
-            </a:r>
-            <a:r>
-              <a:rPr lang="de-DE" dirty="0" err="1" smtClean="0"/>
-              <a:t>Construction</a:t>
-            </a:r>
-            <a:r>
-              <a:rPr lang="de-DE" dirty="0" smtClean="0"/>
-              <a:t> für None in der Regel, außer bei der Rückgabe</a:t>
-            </a:r>
-          </a:p>
-          <a:p>
-            <a:pPr marL="0" indent="0">
-              <a:buNone/>
-            </a:pPr>
-            <a:r>
-              <a:rPr lang="en-US" dirty="0" smtClean="0">
-                <a:solidFill>
-                  <a:srgbClr val="0000FF"/>
-                </a:solidFill>
-                <a:highlight>
-                  <a:srgbClr val="FFFFFF"/>
-                </a:highlight>
-                <a:latin typeface="Consolas"/>
-              </a:rPr>
-              <a:t>let</a:t>
-            </a:r>
-            <a:r>
-              <a:rPr lang="en-US" dirty="0" smtClean="0">
-                <a:solidFill>
-                  <a:srgbClr val="000000"/>
-                </a:solidFill>
-                <a:highlight>
-                  <a:srgbClr val="FFFFFF"/>
-                </a:highlight>
-                <a:latin typeface="Consolas"/>
-              </a:rPr>
-              <a:t> </a:t>
-            </a:r>
-            <a:r>
-              <a:rPr lang="en-US" dirty="0" err="1">
-                <a:solidFill>
-                  <a:srgbClr val="DCDCDC"/>
-                </a:solidFill>
-                <a:highlight>
-                  <a:srgbClr val="FFFFFF"/>
-                </a:highlight>
-                <a:latin typeface="Consolas"/>
-              </a:rPr>
-              <a:t>optionMatch</a:t>
-            </a:r>
-            <a:r>
-              <a:rPr lang="en-US" dirty="0">
-                <a:solidFill>
-                  <a:srgbClr val="000000"/>
-                </a:solidFill>
-                <a:highlight>
-                  <a:srgbClr val="FFFFFF"/>
-                </a:highlight>
-                <a:latin typeface="Consolas"/>
-              </a:rPr>
-              <a:t> s </a:t>
-            </a:r>
-            <a:r>
-              <a:rPr lang="en-US" dirty="0">
-                <a:solidFill>
-                  <a:srgbClr val="DCDCDC"/>
-                </a:solidFill>
-                <a:highlight>
-                  <a:srgbClr val="FFFFFF"/>
-                </a:highlight>
-                <a:latin typeface="Consolas"/>
-              </a:rPr>
-              <a:t>=</a:t>
-            </a:r>
-            <a:r>
-              <a:rPr lang="en-US" dirty="0">
-                <a:solidFill>
-                  <a:srgbClr val="000000"/>
-                </a:solidFill>
-                <a:highlight>
-                  <a:srgbClr val="FFFFFF"/>
-                </a:highlight>
-                <a:latin typeface="Consolas"/>
-              </a:rPr>
-              <a:t> </a:t>
-            </a:r>
-          </a:p>
-          <a:p>
-            <a:pPr marL="0" indent="0">
-              <a:buNone/>
-            </a:pPr>
-            <a:r>
-              <a:rPr lang="en-US" dirty="0" smtClean="0">
-                <a:solidFill>
-                  <a:srgbClr val="0000FF"/>
-                </a:solidFill>
-                <a:highlight>
-                  <a:srgbClr val="FFFFFF"/>
-                </a:highlight>
-                <a:latin typeface="Consolas"/>
-              </a:rPr>
-              <a:t>match</a:t>
-            </a:r>
-            <a:r>
-              <a:rPr lang="en-US" dirty="0" smtClean="0">
-                <a:solidFill>
-                  <a:srgbClr val="000000"/>
-                </a:solidFill>
-                <a:highlight>
-                  <a:srgbClr val="FFFFFF"/>
-                </a:highlight>
-                <a:latin typeface="Consolas"/>
-              </a:rPr>
-              <a:t> </a:t>
-            </a:r>
-            <a:r>
-              <a:rPr lang="en-US" dirty="0">
-                <a:solidFill>
-                  <a:srgbClr val="000000"/>
-                </a:solidFill>
-                <a:highlight>
-                  <a:srgbClr val="FFFFFF"/>
-                </a:highlight>
-                <a:latin typeface="Consolas"/>
-              </a:rPr>
-              <a:t>s </a:t>
-            </a:r>
-            <a:r>
-              <a:rPr lang="en-US" dirty="0">
-                <a:solidFill>
-                  <a:srgbClr val="0000FF"/>
-                </a:solidFill>
-                <a:highlight>
-                  <a:srgbClr val="FFFFFF"/>
-                </a:highlight>
-                <a:latin typeface="Consolas"/>
-              </a:rPr>
-              <a:t>with</a:t>
-            </a:r>
-            <a:r>
-              <a:rPr lang="en-US" dirty="0">
-                <a:solidFill>
-                  <a:srgbClr val="000000"/>
-                </a:solidFill>
-                <a:highlight>
-                  <a:srgbClr val="FFFFFF"/>
-                </a:highlight>
-                <a:latin typeface="Consolas"/>
-              </a:rPr>
-              <a:t> </a:t>
-            </a:r>
-          </a:p>
-          <a:p>
-            <a:pPr marL="0" indent="0">
-              <a:buNone/>
-            </a:pPr>
-            <a:r>
-              <a:rPr lang="en-US" dirty="0" smtClean="0">
-                <a:solidFill>
-                  <a:srgbClr val="000000"/>
-                </a:solidFill>
-                <a:highlight>
-                  <a:srgbClr val="FFFFFF"/>
-                </a:highlight>
-                <a:latin typeface="Consolas"/>
-              </a:rPr>
-              <a:t>| </a:t>
-            </a:r>
-            <a:r>
-              <a:rPr lang="en-US" dirty="0">
-                <a:solidFill>
-                  <a:srgbClr val="DCDCDC"/>
-                </a:solidFill>
-                <a:highlight>
-                  <a:srgbClr val="FFFFFF"/>
-                </a:highlight>
-                <a:latin typeface="Consolas"/>
-              </a:rPr>
-              <a:t>Some</a:t>
-            </a:r>
-            <a:r>
-              <a:rPr lang="en-US" dirty="0">
-                <a:solidFill>
-                  <a:srgbClr val="000000"/>
-                </a:solidFill>
-                <a:highlight>
-                  <a:srgbClr val="FFFFFF"/>
-                </a:highlight>
-                <a:latin typeface="Consolas"/>
-              </a:rPr>
-              <a:t> </a:t>
-            </a:r>
-            <a:r>
-              <a:rPr lang="en-US" dirty="0" err="1">
-                <a:solidFill>
-                  <a:srgbClr val="000000"/>
-                </a:solidFill>
-                <a:highlight>
-                  <a:srgbClr val="FFFFFF"/>
-                </a:highlight>
-                <a:latin typeface="Consolas"/>
-              </a:rPr>
-              <a:t>i</a:t>
-            </a:r>
-            <a:r>
-              <a:rPr lang="en-US" dirty="0">
-                <a:solidFill>
-                  <a:srgbClr val="000000"/>
-                </a:solidFill>
-                <a:highlight>
-                  <a:srgbClr val="FFFFFF"/>
-                </a:highlight>
-                <a:latin typeface="Consolas"/>
-              </a:rPr>
-              <a:t> </a:t>
-            </a:r>
-            <a:r>
-              <a:rPr lang="en-US" dirty="0">
-                <a:solidFill>
-                  <a:srgbClr val="0000FF"/>
-                </a:solidFill>
-                <a:highlight>
-                  <a:srgbClr val="FFFFFF"/>
-                </a:highlight>
-                <a:latin typeface="Consolas"/>
-              </a:rPr>
-              <a:t>-&gt;</a:t>
-            </a:r>
-            <a:r>
-              <a:rPr lang="en-US" dirty="0">
-                <a:solidFill>
-                  <a:srgbClr val="000000"/>
-                </a:solidFill>
-                <a:highlight>
-                  <a:srgbClr val="FFFFFF"/>
-                </a:highlight>
-                <a:latin typeface="Consolas"/>
-              </a:rPr>
-              <a:t> </a:t>
-            </a:r>
-            <a:r>
-              <a:rPr lang="en-US" dirty="0">
-                <a:solidFill>
-                  <a:srgbClr val="DCDCDC"/>
-                </a:solidFill>
-                <a:highlight>
-                  <a:srgbClr val="FFFFFF"/>
-                </a:highlight>
-                <a:latin typeface="Consolas"/>
-              </a:rPr>
-              <a:t>Some</a:t>
-            </a:r>
-            <a:r>
-              <a:rPr lang="en-US" dirty="0">
-                <a:solidFill>
-                  <a:srgbClr val="000000"/>
-                </a:solidFill>
-                <a:highlight>
-                  <a:srgbClr val="FFFFFF"/>
-                </a:highlight>
-                <a:latin typeface="Consolas"/>
-              </a:rPr>
-              <a:t> (</a:t>
-            </a:r>
-            <a:r>
-              <a:rPr lang="en-US" dirty="0" err="1">
-                <a:solidFill>
-                  <a:srgbClr val="000000"/>
-                </a:solidFill>
-                <a:highlight>
-                  <a:srgbClr val="FFFFFF"/>
-                </a:highlight>
-                <a:latin typeface="Consolas"/>
-              </a:rPr>
-              <a:t>i</a:t>
-            </a:r>
-            <a:r>
-              <a:rPr lang="en-US" dirty="0">
-                <a:solidFill>
-                  <a:srgbClr val="000000"/>
-                </a:solidFill>
-                <a:highlight>
-                  <a:srgbClr val="FFFFFF"/>
-                </a:highlight>
-                <a:latin typeface="Consolas"/>
-              </a:rPr>
-              <a:t> </a:t>
-            </a:r>
-            <a:r>
-              <a:rPr lang="en-US" dirty="0">
-                <a:solidFill>
-                  <a:srgbClr val="DCDCDC"/>
-                </a:solidFill>
-                <a:highlight>
-                  <a:srgbClr val="FFFFFF"/>
-                </a:highlight>
-                <a:latin typeface="Consolas"/>
-              </a:rPr>
-              <a:t>+</a:t>
-            </a:r>
-            <a:r>
-              <a:rPr lang="en-US" dirty="0">
-                <a:solidFill>
-                  <a:srgbClr val="000000"/>
-                </a:solidFill>
-                <a:highlight>
-                  <a:srgbClr val="FFFFFF"/>
-                </a:highlight>
-                <a:latin typeface="Consolas"/>
-              </a:rPr>
-              <a:t> 5)</a:t>
-            </a:r>
-          </a:p>
-          <a:p>
-            <a:pPr marL="0" indent="0">
-              <a:buNone/>
-            </a:pPr>
-            <a:r>
-              <a:rPr lang="en-US" dirty="0" smtClean="0">
-                <a:solidFill>
-                  <a:srgbClr val="000000"/>
-                </a:solidFill>
-                <a:highlight>
-                  <a:srgbClr val="FFFFFF"/>
-                </a:highlight>
-                <a:latin typeface="Consolas"/>
-              </a:rPr>
-              <a:t>| </a:t>
-            </a:r>
-            <a:r>
-              <a:rPr lang="en-US" dirty="0">
-                <a:solidFill>
-                  <a:srgbClr val="DCDCDC"/>
-                </a:solidFill>
-                <a:highlight>
-                  <a:srgbClr val="FFFFFF"/>
-                </a:highlight>
-                <a:latin typeface="Consolas"/>
-              </a:rPr>
-              <a:t>None</a:t>
-            </a:r>
-            <a:r>
-              <a:rPr lang="en-US" dirty="0">
-                <a:solidFill>
-                  <a:srgbClr val="000000"/>
-                </a:solidFill>
-                <a:highlight>
-                  <a:srgbClr val="FFFFFF"/>
-                </a:highlight>
-                <a:latin typeface="Consolas"/>
-              </a:rPr>
-              <a:t> </a:t>
-            </a:r>
-            <a:r>
-              <a:rPr lang="en-US" dirty="0">
-                <a:solidFill>
-                  <a:srgbClr val="0000FF"/>
-                </a:solidFill>
-                <a:highlight>
-                  <a:srgbClr val="FFFFFF"/>
-                </a:highlight>
-                <a:latin typeface="Consolas"/>
-              </a:rPr>
-              <a:t>-&gt;</a:t>
-            </a:r>
-            <a:r>
-              <a:rPr lang="en-US" dirty="0">
-                <a:solidFill>
-                  <a:srgbClr val="000000"/>
-                </a:solidFill>
-                <a:highlight>
-                  <a:srgbClr val="FFFFFF"/>
-                </a:highlight>
-                <a:latin typeface="Consolas"/>
-              </a:rPr>
-              <a:t> </a:t>
-            </a:r>
-            <a:r>
-              <a:rPr lang="en-US" dirty="0" smtClean="0">
-                <a:solidFill>
-                  <a:srgbClr val="DCDCDC"/>
-                </a:solidFill>
-                <a:highlight>
-                  <a:srgbClr val="FFFFFF"/>
-                </a:highlight>
-                <a:latin typeface="Consolas"/>
-              </a:rPr>
-              <a:t>None </a:t>
-            </a:r>
-          </a:p>
-          <a:p>
-            <a:pPr marL="0" indent="0">
-              <a:buNone/>
-            </a:pPr>
-            <a:r>
-              <a:rPr lang="de-DE" dirty="0" smtClean="0">
-                <a:solidFill>
-                  <a:srgbClr val="DCDCDC"/>
-                </a:solidFill>
-                <a:highlight>
-                  <a:srgbClr val="FFFFFF"/>
-                </a:highlight>
-                <a:latin typeface="Consolas"/>
-              </a:rPr>
-              <a:t>Signatur </a:t>
-            </a:r>
-            <a:r>
-              <a:rPr lang="de-DE" dirty="0" err="1" smtClean="0">
-                <a:solidFill>
-                  <a:srgbClr val="DCDCDC"/>
-                </a:solidFill>
-                <a:highlight>
-                  <a:srgbClr val="FFFFFF"/>
-                </a:highlight>
-                <a:latin typeface="Consolas"/>
-              </a:rPr>
-              <a:t>is</a:t>
-            </a:r>
-            <a:r>
-              <a:rPr lang="de-DE" dirty="0" smtClean="0">
-                <a:solidFill>
-                  <a:srgbClr val="DCDCDC"/>
-                </a:solidFill>
-                <a:highlight>
-                  <a:srgbClr val="FFFFFF"/>
-                </a:highlight>
-                <a:latin typeface="Consolas"/>
-              </a:rPr>
-              <a:t> </a:t>
-            </a:r>
-            <a:r>
-              <a:rPr lang="de-DE" dirty="0" err="1" smtClean="0">
-                <a:highlight>
-                  <a:srgbClr val="FFFFFF"/>
-                </a:highlight>
-                <a:latin typeface="Consolas"/>
-              </a:rPr>
-              <a:t>int</a:t>
-            </a:r>
-            <a:r>
-              <a:rPr lang="de-DE" dirty="0" smtClean="0">
-                <a:highlight>
-                  <a:srgbClr val="FFFFFF"/>
-                </a:highlight>
-                <a:latin typeface="Consolas"/>
-              </a:rPr>
-              <a:t> </a:t>
-            </a:r>
-            <a:r>
-              <a:rPr lang="de-DE" dirty="0" err="1" smtClean="0">
-                <a:highlight>
-                  <a:srgbClr val="FFFFFF"/>
-                </a:highlight>
-                <a:latin typeface="Consolas"/>
-              </a:rPr>
-              <a:t>option</a:t>
-            </a:r>
-            <a:r>
-              <a:rPr lang="de-DE" dirty="0" smtClean="0">
-                <a:highlight>
-                  <a:srgbClr val="FFFFFF"/>
-                </a:highlight>
-                <a:latin typeface="Consolas"/>
-              </a:rPr>
-              <a:t> -&gt; </a:t>
-            </a:r>
-            <a:r>
-              <a:rPr lang="de-DE" dirty="0" err="1" smtClean="0">
-                <a:highlight>
-                  <a:srgbClr val="FFFFFF"/>
-                </a:highlight>
-                <a:latin typeface="Consolas"/>
-              </a:rPr>
-              <a:t>int</a:t>
-            </a:r>
-            <a:r>
-              <a:rPr lang="de-DE" dirty="0" smtClean="0">
-                <a:highlight>
-                  <a:srgbClr val="FFFFFF"/>
-                </a:highlight>
-                <a:latin typeface="Consolas"/>
-              </a:rPr>
-              <a:t> </a:t>
-            </a:r>
-            <a:r>
-              <a:rPr lang="de-DE" dirty="0" err="1" smtClean="0">
-                <a:highlight>
-                  <a:srgbClr val="FFFFFF"/>
-                </a:highlight>
-                <a:latin typeface="Consolas"/>
-              </a:rPr>
-              <a:t>option</a:t>
-            </a:r>
-            <a:endParaRPr lang="en-US" dirty="0"/>
-          </a:p>
-        </p:txBody>
-      </p:sp>
-    </p:spTree>
-    <p:extLst>
-      <p:ext uri="{BB962C8B-B14F-4D97-AF65-F5344CB8AC3E}">
-        <p14:creationId xmlns:p14="http://schemas.microsoft.com/office/powerpoint/2010/main" val="3850727552"/>
-      </p:ext>
-    </p:extLst>
-  </p:cSld>
-  <p:clrMapOvr>
-    <a:masterClrMapping/>
-  </p:clrMapOvr>
-</p:sld>
-</file>
-
-<file path=ppt/slides/slide31.xml><?xml version="1.0" encoding="utf-8"?>
-<p:sld xmlns:a="http://schemas.openxmlformats.org/drawingml/2006/main" xmlns:r="http://schemas.openxmlformats.org/officeDocument/2006/relationships" xmlns:p="http://schemas.openxmlformats.org/presentationml/2006/main">
-  <p:cSld>
-    <p:spTree>
-      <p:nvGrpSpPr>
-        <p:cNvPr id="1" name=""/>
-        <p:cNvGrpSpPr/>
-        <p:nvPr/>
-      </p:nvGrpSpPr>
-      <p:grpSpPr>
-        <a:xfrm>
-          <a:off x="0" y="0"/>
-          <a:ext cx="0" cy="0"/>
-          <a:chOff x="0" y="0"/>
-          <a:chExt cx="0" cy="0"/>
-        </a:xfrm>
-      </p:grpSpPr>
-      <p:sp>
-        <p:nvSpPr>
-          <p:cNvPr id="2" name="Title 1"/>
-          <p:cNvSpPr>
-            <a:spLocks noGrp="1"/>
-          </p:cNvSpPr>
-          <p:nvPr>
-            <p:ph type="title"/>
-          </p:nvPr>
-        </p:nvSpPr>
-        <p:spPr/>
-        <p:txBody>
-          <a:bodyPr>
-            <a:normAutofit/>
-          </a:bodyPr>
-          <a:lstStyle/>
-          <a:p>
-            <a:r>
-              <a:rPr lang="de-DE" dirty="0" smtClean="0"/>
-              <a:t>Option </a:t>
-            </a:r>
-            <a:r>
-              <a:rPr lang="de-DE" dirty="0" err="1" smtClean="0"/>
-              <a:t>vs</a:t>
-            </a:r>
-            <a:r>
-              <a:rPr lang="de-DE" dirty="0" smtClean="0"/>
-              <a:t> Null : </a:t>
-            </a:r>
-            <a:r>
-              <a:rPr lang="de-DE" dirty="0"/>
-              <a:t>Type </a:t>
-            </a:r>
-            <a:r>
-              <a:rPr lang="de-DE" dirty="0" err="1" smtClean="0"/>
-              <a:t>Safety</a:t>
-            </a:r>
-            <a:endParaRPr lang="en-US" dirty="0"/>
-          </a:p>
-        </p:txBody>
-      </p:sp>
-      <p:sp>
-        <p:nvSpPr>
-          <p:cNvPr id="3" name="Content Placeholder 2"/>
-          <p:cNvSpPr>
-            <a:spLocks noGrp="1"/>
-          </p:cNvSpPr>
-          <p:nvPr>
-            <p:ph idx="1"/>
-          </p:nvPr>
-        </p:nvSpPr>
-        <p:spPr/>
-        <p:txBody>
-          <a:bodyPr/>
-          <a:lstStyle/>
-          <a:p>
-            <a:pPr marL="0" indent="0">
-              <a:buNone/>
-            </a:pPr>
-            <a:r>
-              <a:rPr lang="en-US" dirty="0" smtClean="0">
-                <a:solidFill>
-                  <a:srgbClr val="0000FF"/>
-                </a:solidFill>
-                <a:highlight>
-                  <a:srgbClr val="FFFFFF"/>
-                </a:highlight>
-                <a:latin typeface="Consolas"/>
-              </a:rPr>
-              <a:t>string</a:t>
-            </a:r>
-            <a:r>
-              <a:rPr lang="en-US" dirty="0" smtClean="0">
-                <a:solidFill>
-                  <a:srgbClr val="000000"/>
-                </a:solidFill>
-                <a:highlight>
-                  <a:srgbClr val="FFFFFF"/>
-                </a:highlight>
-                <a:latin typeface="Consolas"/>
-              </a:rPr>
-              <a:t> </a:t>
-            </a:r>
-            <a:r>
-              <a:rPr lang="en-US" dirty="0">
-                <a:solidFill>
-                  <a:srgbClr val="000000"/>
-                </a:solidFill>
-                <a:highlight>
-                  <a:srgbClr val="FFFFFF"/>
-                </a:highlight>
-                <a:latin typeface="Consolas"/>
-              </a:rPr>
-              <a:t>s2 = </a:t>
-            </a:r>
-            <a:r>
-              <a:rPr lang="en-US" dirty="0">
-                <a:solidFill>
-                  <a:srgbClr val="0000FF"/>
-                </a:solidFill>
-                <a:highlight>
-                  <a:srgbClr val="FFFFFF"/>
-                </a:highlight>
-                <a:latin typeface="Consolas"/>
-              </a:rPr>
-              <a:t>null</a:t>
-            </a:r>
-            <a:r>
-              <a:rPr lang="en-US" dirty="0">
-                <a:solidFill>
-                  <a:srgbClr val="000000"/>
-                </a:solidFill>
-                <a:highlight>
-                  <a:srgbClr val="FFFFFF"/>
-                </a:highlight>
-                <a:latin typeface="Consolas"/>
-              </a:rPr>
-              <a:t>;</a:t>
-            </a:r>
-          </a:p>
-          <a:p>
-            <a:pPr marL="0" indent="0">
-              <a:buNone/>
-            </a:pPr>
-            <a:r>
-              <a:rPr lang="en-US" dirty="0" err="1" smtClean="0">
-                <a:solidFill>
-                  <a:srgbClr val="0000FF"/>
-                </a:solidFill>
-                <a:highlight>
-                  <a:srgbClr val="FFFFFF"/>
-                </a:highlight>
-                <a:latin typeface="Consolas"/>
-              </a:rPr>
-              <a:t>var</a:t>
-            </a:r>
-            <a:r>
-              <a:rPr lang="en-US" dirty="0" smtClean="0">
-                <a:solidFill>
-                  <a:srgbClr val="000000"/>
-                </a:solidFill>
-                <a:highlight>
-                  <a:srgbClr val="FFFFFF"/>
-                </a:highlight>
-                <a:latin typeface="Consolas"/>
-              </a:rPr>
-              <a:t> </a:t>
-            </a:r>
-            <a:r>
-              <a:rPr lang="en-US" dirty="0">
-                <a:solidFill>
-                  <a:srgbClr val="000000"/>
-                </a:solidFill>
-                <a:highlight>
-                  <a:srgbClr val="FFFFFF"/>
-                </a:highlight>
-                <a:latin typeface="Consolas"/>
-              </a:rPr>
-              <a:t>len2 = s2.Length</a:t>
-            </a:r>
-            <a:r>
-              <a:rPr lang="en-US" dirty="0" smtClean="0">
-                <a:solidFill>
-                  <a:srgbClr val="000000"/>
-                </a:solidFill>
-                <a:highlight>
-                  <a:srgbClr val="FFFFFF"/>
-                </a:highlight>
-                <a:latin typeface="Consolas"/>
-              </a:rPr>
-              <a:t>; </a:t>
-            </a:r>
-          </a:p>
-          <a:p>
-            <a:pPr marL="0" indent="0">
-              <a:buNone/>
-            </a:pPr>
-            <a:r>
-              <a:rPr lang="de-DE" dirty="0" smtClean="0">
-                <a:solidFill>
-                  <a:srgbClr val="000000"/>
-                </a:solidFill>
-                <a:highlight>
-                  <a:srgbClr val="FFFFFF"/>
-                </a:highlight>
-                <a:latin typeface="Consolas"/>
-              </a:rPr>
-              <a:t>// WIR wissen dass s2 null ist, der Compiler nicht</a:t>
-            </a:r>
-            <a:endParaRPr lang="en-US" dirty="0" smtClean="0">
-              <a:highlight>
-                <a:srgbClr val="FFFFFF"/>
-              </a:highlight>
-            </a:endParaRPr>
-          </a:p>
-          <a:p>
-            <a:pPr marL="0" indent="0">
-              <a:buNone/>
-            </a:pPr>
-            <a:endParaRPr lang="de-DE" dirty="0" smtClean="0"/>
-          </a:p>
-        </p:txBody>
-      </p:sp>
-    </p:spTree>
-    <p:extLst>
-      <p:ext uri="{BB962C8B-B14F-4D97-AF65-F5344CB8AC3E}">
-        <p14:creationId xmlns:p14="http://schemas.microsoft.com/office/powerpoint/2010/main" val="1684138351"/>
-      </p:ext>
-    </p:extLst>
-  </p:cSld>
-  <p:clrMapOvr>
-    <a:masterClrMapping/>
-  </p:clrMapOvr>
-</p:sld>
-</file>
-
-<file path=ppt/slides/slide32.xml><?xml version="1.0" encoding="utf-8"?>
-<p:sld xmlns:a="http://schemas.openxmlformats.org/drawingml/2006/main" xmlns:r="http://schemas.openxmlformats.org/officeDocument/2006/relationships" xmlns:p="http://schemas.openxmlformats.org/presentationml/2006/main">
-  <p:cSld>
-    <p:spTree>
-      <p:nvGrpSpPr>
-        <p:cNvPr id="1" name=""/>
-        <p:cNvGrpSpPr/>
-        <p:nvPr/>
-      </p:nvGrpSpPr>
-      <p:grpSpPr>
-        <a:xfrm>
-          <a:off x="0" y="0"/>
-          <a:ext cx="0" cy="0"/>
-          <a:chOff x="0" y="0"/>
-          <a:chExt cx="0" cy="0"/>
-        </a:xfrm>
-      </p:grpSpPr>
-      <p:sp>
-        <p:nvSpPr>
-          <p:cNvPr id="2" name="Title 1"/>
-          <p:cNvSpPr>
-            <a:spLocks noGrp="1"/>
-          </p:cNvSpPr>
-          <p:nvPr>
-            <p:ph type="title"/>
-          </p:nvPr>
-        </p:nvSpPr>
-        <p:spPr/>
-        <p:txBody>
-          <a:bodyPr>
-            <a:normAutofit/>
-          </a:bodyPr>
-          <a:lstStyle/>
-          <a:p>
-            <a:r>
-              <a:rPr lang="de-DE" dirty="0" smtClean="0"/>
-              <a:t>Option </a:t>
-            </a:r>
-            <a:r>
-              <a:rPr lang="de-DE" dirty="0" err="1" smtClean="0"/>
-              <a:t>vs</a:t>
-            </a:r>
-            <a:r>
-              <a:rPr lang="de-DE" dirty="0" smtClean="0"/>
-              <a:t> Null : </a:t>
-            </a:r>
-            <a:r>
-              <a:rPr lang="de-DE" dirty="0"/>
-              <a:t>Type </a:t>
-            </a:r>
-            <a:r>
-              <a:rPr lang="de-DE" dirty="0" err="1" smtClean="0"/>
-              <a:t>Safety</a:t>
-            </a:r>
-            <a:endParaRPr lang="en-US" dirty="0"/>
-          </a:p>
-        </p:txBody>
-      </p:sp>
-      <p:sp>
-        <p:nvSpPr>
-          <p:cNvPr id="3" name="Content Placeholder 2"/>
-          <p:cNvSpPr>
-            <a:spLocks noGrp="1"/>
-          </p:cNvSpPr>
-          <p:nvPr>
-            <p:ph idx="1"/>
-          </p:nvPr>
-        </p:nvSpPr>
-        <p:spPr/>
-        <p:txBody>
-          <a:bodyPr/>
-          <a:lstStyle/>
-          <a:p>
-            <a:pPr marL="0" indent="0">
-              <a:buNone/>
-            </a:pPr>
-            <a:r>
-              <a:rPr lang="en-US" dirty="0" smtClean="0">
-                <a:solidFill>
-                  <a:srgbClr val="0000FF"/>
-                </a:solidFill>
-                <a:highlight>
-                  <a:srgbClr val="FFFFFF"/>
-                </a:highlight>
-                <a:latin typeface="Consolas"/>
-              </a:rPr>
-              <a:t>let</a:t>
-            </a:r>
-            <a:r>
-              <a:rPr lang="en-US" dirty="0" smtClean="0">
-                <a:solidFill>
-                  <a:srgbClr val="000000"/>
-                </a:solidFill>
-                <a:highlight>
-                  <a:srgbClr val="FFFFFF"/>
-                </a:highlight>
-                <a:latin typeface="Consolas"/>
-              </a:rPr>
-              <a:t> </a:t>
-            </a:r>
-            <a:r>
-              <a:rPr lang="en-US" dirty="0">
-                <a:solidFill>
-                  <a:srgbClr val="000000"/>
-                </a:solidFill>
-                <a:highlight>
-                  <a:srgbClr val="FFFFFF"/>
-                </a:highlight>
-                <a:latin typeface="Consolas"/>
-              </a:rPr>
-              <a:t>s </a:t>
-            </a:r>
-            <a:r>
-              <a:rPr lang="en-US" dirty="0">
-                <a:solidFill>
-                  <a:srgbClr val="DCDCDC"/>
-                </a:solidFill>
-                <a:highlight>
-                  <a:srgbClr val="FFFFFF"/>
-                </a:highlight>
-                <a:latin typeface="Consolas"/>
-              </a:rPr>
-              <a:t>=</a:t>
-            </a:r>
-            <a:r>
-              <a:rPr lang="en-US" dirty="0">
-                <a:solidFill>
-                  <a:srgbClr val="000000"/>
-                </a:solidFill>
-                <a:highlight>
-                  <a:srgbClr val="FFFFFF"/>
-                </a:highlight>
-                <a:latin typeface="Consolas"/>
-              </a:rPr>
-              <a:t> </a:t>
-            </a:r>
-            <a:r>
-              <a:rPr lang="en-US" dirty="0">
-                <a:solidFill>
-                  <a:srgbClr val="A31515"/>
-                </a:solidFill>
-                <a:highlight>
-                  <a:srgbClr val="FFFFFF"/>
-                </a:highlight>
-                <a:latin typeface="Consolas"/>
-              </a:rPr>
-              <a:t>"string"</a:t>
-            </a:r>
-            <a:endParaRPr lang="en-US" dirty="0">
-              <a:solidFill>
-                <a:srgbClr val="000000"/>
-              </a:solidFill>
-              <a:highlight>
-                <a:srgbClr val="FFFFFF"/>
-              </a:highlight>
-              <a:latin typeface="Consolas"/>
-            </a:endParaRPr>
-          </a:p>
-          <a:p>
-            <a:pPr marL="0" indent="0">
-              <a:buNone/>
-            </a:pPr>
-            <a:r>
-              <a:rPr lang="en-US" dirty="0" smtClean="0">
-                <a:solidFill>
-                  <a:srgbClr val="0000FF"/>
-                </a:solidFill>
-                <a:highlight>
-                  <a:srgbClr val="FFFFFF"/>
-                </a:highlight>
-                <a:latin typeface="Consolas"/>
-              </a:rPr>
-              <a:t>let</a:t>
-            </a:r>
-            <a:r>
-              <a:rPr lang="en-US" dirty="0" smtClean="0">
-                <a:solidFill>
-                  <a:srgbClr val="000000"/>
-                </a:solidFill>
-                <a:highlight>
-                  <a:srgbClr val="FFFFFF"/>
-                </a:highlight>
-                <a:latin typeface="Consolas"/>
-              </a:rPr>
-              <a:t> </a:t>
-            </a:r>
-            <a:r>
-              <a:rPr lang="en-US" dirty="0">
-                <a:solidFill>
-                  <a:srgbClr val="000000"/>
-                </a:solidFill>
-                <a:highlight>
-                  <a:srgbClr val="FFFFFF"/>
-                </a:highlight>
-                <a:latin typeface="Consolas"/>
-              </a:rPr>
-              <a:t>length </a:t>
-            </a:r>
-            <a:r>
-              <a:rPr lang="en-US" dirty="0">
-                <a:solidFill>
-                  <a:srgbClr val="DCDCDC"/>
-                </a:solidFill>
-                <a:highlight>
-                  <a:srgbClr val="FFFFFF"/>
-                </a:highlight>
-                <a:latin typeface="Consolas"/>
-              </a:rPr>
-              <a:t>=</a:t>
-            </a:r>
-            <a:r>
-              <a:rPr lang="en-US" dirty="0">
-                <a:solidFill>
-                  <a:srgbClr val="000000"/>
-                </a:solidFill>
-                <a:highlight>
-                  <a:srgbClr val="FFFFFF"/>
-                </a:highlight>
-                <a:latin typeface="Consolas"/>
-              </a:rPr>
-              <a:t> </a:t>
-            </a:r>
-            <a:r>
-              <a:rPr lang="en-US" dirty="0" err="1">
-                <a:solidFill>
-                  <a:srgbClr val="000000"/>
-                </a:solidFill>
-                <a:highlight>
-                  <a:srgbClr val="FFFFFF"/>
-                </a:highlight>
-                <a:latin typeface="Consolas"/>
-              </a:rPr>
-              <a:t>s.Length</a:t>
-            </a:r>
-            <a:endParaRPr lang="en-US" dirty="0">
-              <a:solidFill>
-                <a:srgbClr val="000000"/>
-              </a:solidFill>
-              <a:highlight>
-                <a:srgbClr val="FFFFFF"/>
-              </a:highlight>
-              <a:latin typeface="Consolas"/>
-            </a:endParaRPr>
-          </a:p>
-          <a:p>
-            <a:pPr marL="0" indent="0">
-              <a:buNone/>
-            </a:pPr>
-            <a:r>
-              <a:rPr lang="en-US" dirty="0" smtClean="0">
-                <a:solidFill>
-                  <a:srgbClr val="0000FF"/>
-                </a:solidFill>
-                <a:highlight>
-                  <a:srgbClr val="FFFFFF"/>
-                </a:highlight>
-                <a:latin typeface="Consolas"/>
-              </a:rPr>
-              <a:t>let</a:t>
-            </a:r>
-            <a:r>
-              <a:rPr lang="en-US" dirty="0" smtClean="0">
-                <a:solidFill>
-                  <a:srgbClr val="000000"/>
-                </a:solidFill>
-                <a:highlight>
-                  <a:srgbClr val="FFFFFF"/>
-                </a:highlight>
-                <a:latin typeface="Consolas"/>
-              </a:rPr>
-              <a:t> </a:t>
-            </a:r>
-            <a:r>
-              <a:rPr lang="en-US" dirty="0">
-                <a:solidFill>
-                  <a:srgbClr val="000000"/>
-                </a:solidFill>
-                <a:highlight>
-                  <a:srgbClr val="FFFFFF"/>
-                </a:highlight>
-                <a:latin typeface="Consolas"/>
-              </a:rPr>
-              <a:t>s' </a:t>
-            </a:r>
-            <a:r>
-              <a:rPr lang="en-US" dirty="0">
-                <a:solidFill>
-                  <a:srgbClr val="DCDCDC"/>
-                </a:solidFill>
-                <a:highlight>
-                  <a:srgbClr val="FFFFFF"/>
-                </a:highlight>
-                <a:latin typeface="Consolas"/>
-              </a:rPr>
-              <a:t>=</a:t>
-            </a:r>
-            <a:r>
-              <a:rPr lang="en-US" dirty="0">
-                <a:solidFill>
-                  <a:srgbClr val="000000"/>
-                </a:solidFill>
-                <a:highlight>
-                  <a:srgbClr val="FFFFFF"/>
-                </a:highlight>
-                <a:latin typeface="Consolas"/>
-              </a:rPr>
-              <a:t> </a:t>
-            </a:r>
-            <a:r>
-              <a:rPr lang="en-US" dirty="0">
-                <a:solidFill>
-                  <a:srgbClr val="4EC9B0"/>
-                </a:solidFill>
-                <a:highlight>
-                  <a:srgbClr val="FFFFFF"/>
-                </a:highlight>
-                <a:latin typeface="Consolas"/>
-              </a:rPr>
-              <a:t>Option</a:t>
-            </a:r>
-            <a:r>
-              <a:rPr lang="en-US" dirty="0">
-                <a:solidFill>
-                  <a:srgbClr val="000000"/>
-                </a:solidFill>
-                <a:highlight>
-                  <a:srgbClr val="FFFFFF"/>
-                </a:highlight>
-                <a:latin typeface="Consolas"/>
-              </a:rPr>
-              <a:t>&lt;</a:t>
-            </a:r>
-            <a:r>
-              <a:rPr lang="en-US" dirty="0">
-                <a:solidFill>
-                  <a:srgbClr val="4EC9B0"/>
-                </a:solidFill>
-                <a:highlight>
-                  <a:srgbClr val="FFFFFF"/>
-                </a:highlight>
-                <a:latin typeface="Consolas"/>
-              </a:rPr>
-              <a:t>string</a:t>
-            </a:r>
-            <a:r>
-              <a:rPr lang="en-US" dirty="0">
-                <a:solidFill>
-                  <a:srgbClr val="000000"/>
-                </a:solidFill>
-                <a:highlight>
-                  <a:srgbClr val="FFFFFF"/>
-                </a:highlight>
-                <a:latin typeface="Consolas"/>
-              </a:rPr>
-              <a:t>&gt;.</a:t>
-            </a:r>
-            <a:r>
-              <a:rPr lang="en-US" dirty="0">
-                <a:solidFill>
-                  <a:srgbClr val="DCDCDC"/>
-                </a:solidFill>
-                <a:highlight>
-                  <a:srgbClr val="FFFFFF"/>
-                </a:highlight>
-                <a:latin typeface="Consolas"/>
-              </a:rPr>
-              <a:t>None</a:t>
-            </a:r>
-            <a:endParaRPr lang="en-US" dirty="0">
-              <a:solidFill>
-                <a:srgbClr val="000000"/>
-              </a:solidFill>
-              <a:highlight>
-                <a:srgbClr val="FFFFFF"/>
-              </a:highlight>
-              <a:latin typeface="Consolas"/>
-            </a:endParaRPr>
-          </a:p>
-          <a:p>
-            <a:pPr marL="0" indent="0">
-              <a:buNone/>
-            </a:pPr>
-            <a:r>
-              <a:rPr lang="en-US" dirty="0" smtClean="0">
-                <a:solidFill>
-                  <a:srgbClr val="0000FF"/>
-                </a:solidFill>
-                <a:highlight>
-                  <a:srgbClr val="FFFFFF"/>
-                </a:highlight>
-                <a:latin typeface="Consolas"/>
-              </a:rPr>
-              <a:t>let</a:t>
-            </a:r>
-            <a:r>
-              <a:rPr lang="en-US" dirty="0" smtClean="0">
-                <a:solidFill>
-                  <a:srgbClr val="000000"/>
-                </a:solidFill>
-                <a:highlight>
-                  <a:srgbClr val="FFFFFF"/>
-                </a:highlight>
-                <a:latin typeface="Consolas"/>
-              </a:rPr>
-              <a:t> </a:t>
-            </a:r>
-            <a:r>
-              <a:rPr lang="en-US" dirty="0">
-                <a:solidFill>
-                  <a:srgbClr val="000000"/>
-                </a:solidFill>
-                <a:highlight>
-                  <a:srgbClr val="FFFFFF"/>
-                </a:highlight>
-                <a:latin typeface="Consolas"/>
-              </a:rPr>
-              <a:t>length' </a:t>
-            </a:r>
-            <a:r>
-              <a:rPr lang="en-US" dirty="0">
-                <a:solidFill>
-                  <a:srgbClr val="DCDCDC"/>
-                </a:solidFill>
-                <a:highlight>
-                  <a:srgbClr val="FFFFFF"/>
-                </a:highlight>
-                <a:latin typeface="Consolas"/>
-              </a:rPr>
-              <a:t>=</a:t>
-            </a:r>
-            <a:r>
-              <a:rPr lang="en-US" dirty="0">
-                <a:solidFill>
-                  <a:srgbClr val="000000"/>
-                </a:solidFill>
-                <a:highlight>
-                  <a:srgbClr val="FFFFFF"/>
-                </a:highlight>
-                <a:latin typeface="Consolas"/>
-              </a:rPr>
-              <a:t> </a:t>
-            </a:r>
-            <a:r>
-              <a:rPr lang="en-US" dirty="0" err="1">
-                <a:solidFill>
-                  <a:srgbClr val="000000"/>
-                </a:solidFill>
-                <a:highlight>
-                  <a:srgbClr val="FFFFFF"/>
-                </a:highlight>
-                <a:latin typeface="Consolas"/>
-              </a:rPr>
-              <a:t>s'.</a:t>
-            </a:r>
-            <a:r>
-              <a:rPr lang="en-US" dirty="0" err="1" smtClean="0">
-                <a:solidFill>
-                  <a:srgbClr val="000000"/>
-                </a:solidFill>
-                <a:highlight>
-                  <a:srgbClr val="FFFFFF"/>
-                </a:highlight>
-                <a:latin typeface="Consolas"/>
-              </a:rPr>
-              <a:t>Length</a:t>
-            </a:r>
-            <a:r>
-              <a:rPr lang="en-US" dirty="0" smtClean="0">
-                <a:solidFill>
-                  <a:srgbClr val="000000"/>
-                </a:solidFill>
-                <a:highlight>
-                  <a:srgbClr val="FFFFFF"/>
-                </a:highlight>
-                <a:latin typeface="Consolas"/>
-              </a:rPr>
-              <a:t> // ERROR</a:t>
-            </a:r>
-            <a:endParaRPr lang="de-DE" dirty="0" smtClean="0"/>
-          </a:p>
-        </p:txBody>
-      </p:sp>
-    </p:spTree>
-    <p:extLst>
-      <p:ext uri="{BB962C8B-B14F-4D97-AF65-F5344CB8AC3E}">
-        <p14:creationId xmlns:p14="http://schemas.microsoft.com/office/powerpoint/2010/main" val="1731058063"/>
-      </p:ext>
-    </p:extLst>
-  </p:cSld>
-  <p:clrMapOvr>
-    <a:masterClrMapping/>
-  </p:clrMapOvr>
-</p:sld>
-</file>
-
-<file path=ppt/slides/slide33.xml><?xml version="1.0" encoding="utf-8"?>
 <p:sld xmlns:a="http://schemas.openxmlformats.org/drawingml/2006/main" xmlns:r="http://schemas.openxmlformats.org/officeDocument/2006/relationships" xmlns:p="http://schemas.openxmlformats.org/presentationml/2006/main">
   <p:cSld>
     <p:spTree>
@@ -17625,7 +15476,6 @@
               <a:rPr lang="de-DE" dirty="0" smtClean="0"/>
               <a:t>Möglicher Grund: OO Unzulänglichkeiten</a:t>
             </a:r>
-            <a:endParaRPr lang="de-DE" dirty="0" smtClean="0"/>
           </a:p>
           <a:p>
             <a:pPr marL="0" indent="0">
@@ -18487,30 +16337,17 @@
               <a:rPr lang="de-DE" dirty="0" smtClean="0"/>
               <a:t>Anweisung</a:t>
             </a:r>
-            <a:endParaRPr lang="de-DE" dirty="0" smtClean="0"/>
-          </a:p>
-          <a:p>
-            <a:r>
-              <a:rPr lang="de-DE" dirty="0" smtClean="0"/>
-              <a:t>Können </a:t>
-            </a:r>
-            <a:r>
-              <a:rPr lang="de-DE" dirty="0" smtClean="0"/>
-              <a:t>als Parameter verwendet werden</a:t>
-            </a:r>
-          </a:p>
-          <a:p>
-            <a:r>
-              <a:rPr lang="de-DE" dirty="0" smtClean="0"/>
-              <a:t>Können als Ergebnis einer </a:t>
-            </a:r>
-            <a:r>
-              <a:rPr lang="de-DE" dirty="0" smtClean="0"/>
-              <a:t>Funktion </a:t>
-            </a:r>
-            <a:r>
-              <a:rPr lang="de-DE" dirty="0" smtClean="0"/>
-              <a:t>zurückgegeben werden</a:t>
+          </a:p>
+          <a:p>
+            <a:r>
+              <a:rPr lang="de-DE" dirty="0" smtClean="0"/>
+              <a:t>Können als Parameter verwendet werden</a:t>
+            </a:r>
+          </a:p>
+          <a:p>
+            <a:r>
+              <a:rPr lang="de-DE" dirty="0" smtClean="0"/>
+              <a:t>Können als Ergebnis einer Funktion zurückgegeben werden</a:t>
             </a:r>
           </a:p>
           <a:p>

--- a/20151202Extended/FSharp.pptx
+++ b/20151202Extended/FSharp.pptx
@@ -4091,9 +4091,12 @@
             </a:r>
             <a:r>
               <a:rPr lang="de-DE" baseline="0" dirty="0" smtClean="0"/>
-              <a:t>, …</a:t>
-            </a:r>
-            <a:endParaRPr lang="en-US" dirty="0" smtClean="0"/>
+              <a:t>, </a:t>
+            </a:r>
+            <a:r>
+              <a:rPr lang="de-DE" baseline="0" dirty="0" smtClean="0"/>
+              <a:t>…</a:t>
+            </a:r>
           </a:p>
           <a:p>
             <a:pPr marL="0" marR="0" indent="0" algn="l" defTabSz="914400" rtl="0" eaLnBrk="1" fontAlgn="auto" latinLnBrk="0" hangingPunct="1">
@@ -4116,7 +4119,478 @@
             <a:endParaRPr lang="de-DE" baseline="0" dirty="0" smtClean="0"/>
           </a:p>
           <a:p>
-            <a:endParaRPr lang="en-US" dirty="0"/>
+            <a:pPr marL="0" marR="0" indent="0" algn="l" defTabSz="914400" rtl="0" eaLnBrk="1" fontAlgn="auto" latinLnBrk="0" hangingPunct="1">
+              <a:lnSpc>
+                <a:spcPct val="100000"/>
+              </a:lnSpc>
+              <a:spcBef>
+                <a:spcPts val="0"/>
+              </a:spcBef>
+              <a:spcAft>
+                <a:spcPts val="0"/>
+              </a:spcAft>
+              <a:buClrTx/>
+              <a:buSzTx/>
+              <a:buFontTx/>
+              <a:buNone/>
+              <a:tabLst/>
+              <a:defRPr/>
+            </a:pPr>
+            <a:r>
+              <a:rPr lang="de-DE" baseline="0" dirty="0" smtClean="0"/>
+              <a:t>Zwei Arten mit F# zu arbeiten:</a:t>
+            </a:r>
+          </a:p>
+          <a:p>
+            <a:pPr marL="171450" marR="0" indent="-171450" algn="l" defTabSz="914400" rtl="0" eaLnBrk="1" fontAlgn="auto" latinLnBrk="0" hangingPunct="1">
+              <a:lnSpc>
+                <a:spcPct val="100000"/>
+              </a:lnSpc>
+              <a:spcBef>
+                <a:spcPts val="0"/>
+              </a:spcBef>
+              <a:spcAft>
+                <a:spcPts val="0"/>
+              </a:spcAft>
+              <a:buClrTx/>
+              <a:buSzTx/>
+              <a:buFontTx/>
+              <a:buChar char="-"/>
+              <a:tabLst/>
+              <a:defRPr/>
+            </a:pPr>
+            <a:r>
+              <a:rPr lang="de-DE" baseline="0" dirty="0" smtClean="0"/>
+              <a:t>Werkzeugmacherinnen</a:t>
+            </a:r>
+          </a:p>
+          <a:p>
+            <a:pPr marL="171450" marR="0" indent="-171450" algn="l" defTabSz="914400" rtl="0" eaLnBrk="1" fontAlgn="auto" latinLnBrk="0" hangingPunct="1">
+              <a:lnSpc>
+                <a:spcPct val="100000"/>
+              </a:lnSpc>
+              <a:spcBef>
+                <a:spcPts val="0"/>
+              </a:spcBef>
+              <a:spcAft>
+                <a:spcPts val="0"/>
+              </a:spcAft>
+              <a:buClrTx/>
+              <a:buSzTx/>
+              <a:buFontTx/>
+              <a:buChar char="-"/>
+              <a:tabLst/>
+              <a:defRPr/>
+            </a:pPr>
+            <a:r>
+              <a:rPr lang="de-DE" baseline="0" dirty="0" err="1" smtClean="0"/>
+              <a:t>Zeugmacher</a:t>
+            </a:r>
+            <a:endParaRPr lang="de-DE" baseline="0" dirty="0" smtClean="0"/>
+          </a:p>
+          <a:p>
+            <a:pPr marL="171450" marR="0" indent="-171450" algn="l" defTabSz="914400" rtl="0" eaLnBrk="1" fontAlgn="auto" latinLnBrk="0" hangingPunct="1">
+              <a:lnSpc>
+                <a:spcPct val="100000"/>
+              </a:lnSpc>
+              <a:spcBef>
+                <a:spcPts val="0"/>
+              </a:spcBef>
+              <a:spcAft>
+                <a:spcPts val="0"/>
+              </a:spcAft>
+              <a:buClrTx/>
+              <a:buSzTx/>
+              <a:buFontTx/>
+              <a:buChar char="-"/>
+              <a:tabLst/>
+              <a:defRPr/>
+            </a:pPr>
+            <a:endParaRPr lang="de-DE" baseline="0" dirty="0" smtClean="0"/>
+          </a:p>
+          <a:p>
+            <a:pPr marL="0" marR="0" indent="0" algn="l" defTabSz="914400" rtl="0" eaLnBrk="1" fontAlgn="auto" latinLnBrk="0" hangingPunct="1">
+              <a:lnSpc>
+                <a:spcPct val="100000"/>
+              </a:lnSpc>
+              <a:spcBef>
+                <a:spcPts val="0"/>
+              </a:spcBef>
+              <a:spcAft>
+                <a:spcPts val="0"/>
+              </a:spcAft>
+              <a:buClrTx/>
+              <a:buSzTx/>
+              <a:buFontTx/>
+              <a:buNone/>
+              <a:tabLst/>
+              <a:defRPr/>
+            </a:pPr>
+            <a:r>
+              <a:rPr lang="de-DE" baseline="0" dirty="0" err="1" smtClean="0"/>
+              <a:t>Zeugmacherinnen</a:t>
+            </a:r>
+            <a:r>
+              <a:rPr lang="de-DE" baseline="0" dirty="0" smtClean="0"/>
+              <a:t> beschäftigen sich mit den praktischen Aspekten: Wie kann ich F# und das funktionale Paradigma einsetzen:</a:t>
+            </a:r>
+          </a:p>
+          <a:p>
+            <a:pPr marL="171450" marR="0" indent="-171450" algn="l" defTabSz="914400" rtl="0" eaLnBrk="1" fontAlgn="auto" latinLnBrk="0" hangingPunct="1">
+              <a:lnSpc>
+                <a:spcPct val="100000"/>
+              </a:lnSpc>
+              <a:spcBef>
+                <a:spcPts val="0"/>
+              </a:spcBef>
+              <a:spcAft>
+                <a:spcPts val="0"/>
+              </a:spcAft>
+              <a:buClrTx/>
+              <a:buSzTx/>
+              <a:buFontTx/>
+              <a:buChar char="-"/>
+              <a:tabLst/>
+              <a:defRPr/>
+            </a:pPr>
+            <a:r>
+              <a:rPr lang="de-DE" baseline="0" dirty="0" smtClean="0"/>
+              <a:t>IO-Zugriff (DB, Dateisystem, Streams)</a:t>
+            </a:r>
+          </a:p>
+          <a:p>
+            <a:pPr marL="171450" marR="0" indent="-171450" algn="l" defTabSz="914400" rtl="0" eaLnBrk="1" fontAlgn="auto" latinLnBrk="0" hangingPunct="1">
+              <a:lnSpc>
+                <a:spcPct val="100000"/>
+              </a:lnSpc>
+              <a:spcBef>
+                <a:spcPts val="0"/>
+              </a:spcBef>
+              <a:spcAft>
+                <a:spcPts val="0"/>
+              </a:spcAft>
+              <a:buClrTx/>
+              <a:buSzTx/>
+              <a:buFontTx/>
+              <a:buChar char="-"/>
+              <a:tabLst/>
+              <a:defRPr/>
+            </a:pPr>
+            <a:r>
+              <a:rPr lang="de-DE" baseline="0" dirty="0" smtClean="0"/>
+              <a:t>Methoden zur Behandlung von Nebenwirkungen</a:t>
+            </a:r>
+          </a:p>
+          <a:p>
+            <a:pPr marL="171450" marR="0" indent="-171450" algn="l" defTabSz="914400" rtl="0" eaLnBrk="1" fontAlgn="auto" latinLnBrk="0" hangingPunct="1">
+              <a:lnSpc>
+                <a:spcPct val="100000"/>
+              </a:lnSpc>
+              <a:spcBef>
+                <a:spcPts val="0"/>
+              </a:spcBef>
+              <a:spcAft>
+                <a:spcPts val="0"/>
+              </a:spcAft>
+              <a:buClrTx/>
+              <a:buSzTx/>
+              <a:buFontTx/>
+              <a:buChar char="-"/>
+              <a:tabLst/>
+              <a:defRPr/>
+            </a:pPr>
+            <a:r>
+              <a:rPr lang="de-DE" baseline="0" dirty="0" smtClean="0"/>
+              <a:t>Validierung</a:t>
+            </a:r>
+          </a:p>
+          <a:p>
+            <a:pPr marL="171450" marR="0" indent="-171450" algn="l" defTabSz="914400" rtl="0" eaLnBrk="1" fontAlgn="auto" latinLnBrk="0" hangingPunct="1">
+              <a:lnSpc>
+                <a:spcPct val="100000"/>
+              </a:lnSpc>
+              <a:spcBef>
+                <a:spcPts val="0"/>
+              </a:spcBef>
+              <a:spcAft>
+                <a:spcPts val="0"/>
+              </a:spcAft>
+              <a:buClrTx/>
+              <a:buSzTx/>
+              <a:buFontTx/>
+              <a:buChar char="-"/>
+              <a:tabLst/>
+              <a:defRPr/>
+            </a:pPr>
+            <a:r>
+              <a:rPr lang="de-DE" baseline="0" dirty="0" smtClean="0"/>
+              <a:t>Routing </a:t>
+            </a:r>
+          </a:p>
+          <a:p>
+            <a:pPr marL="171450" marR="0" indent="-171450" algn="l" defTabSz="914400" rtl="0" eaLnBrk="1" fontAlgn="auto" latinLnBrk="0" hangingPunct="1">
+              <a:lnSpc>
+                <a:spcPct val="100000"/>
+              </a:lnSpc>
+              <a:spcBef>
+                <a:spcPts val="0"/>
+              </a:spcBef>
+              <a:spcAft>
+                <a:spcPts val="0"/>
+              </a:spcAft>
+              <a:buClrTx/>
+              <a:buSzTx/>
+              <a:buFontTx/>
+              <a:buChar char="-"/>
+              <a:tabLst/>
+              <a:defRPr/>
+            </a:pPr>
+            <a:r>
+              <a:rPr lang="de-DE" baseline="0" dirty="0" smtClean="0"/>
+              <a:t>UI</a:t>
+            </a:r>
+          </a:p>
+          <a:p>
+            <a:pPr marL="171450" marR="0" indent="-171450" algn="l" defTabSz="914400" rtl="0" eaLnBrk="1" fontAlgn="auto" latinLnBrk="0" hangingPunct="1">
+              <a:lnSpc>
+                <a:spcPct val="100000"/>
+              </a:lnSpc>
+              <a:spcBef>
+                <a:spcPts val="0"/>
+              </a:spcBef>
+              <a:spcAft>
+                <a:spcPts val="0"/>
+              </a:spcAft>
+              <a:buClrTx/>
+              <a:buSzTx/>
+              <a:buFontTx/>
+              <a:buChar char="-"/>
+              <a:tabLst/>
+              <a:defRPr/>
+            </a:pPr>
+            <a:endParaRPr lang="de-DE" baseline="0" dirty="0" smtClean="0"/>
+          </a:p>
+          <a:p>
+            <a:pPr marL="0" marR="0" indent="0" algn="l" defTabSz="914400" rtl="0" eaLnBrk="1" fontAlgn="auto" latinLnBrk="0" hangingPunct="1">
+              <a:lnSpc>
+                <a:spcPct val="100000"/>
+              </a:lnSpc>
+              <a:spcBef>
+                <a:spcPts val="0"/>
+              </a:spcBef>
+              <a:spcAft>
+                <a:spcPts val="0"/>
+              </a:spcAft>
+              <a:buClrTx/>
+              <a:buSzTx/>
+              <a:buFontTx/>
+              <a:buNone/>
+              <a:tabLst/>
+              <a:defRPr/>
+            </a:pPr>
+            <a:r>
+              <a:rPr lang="de-DE" baseline="0" dirty="0" smtClean="0"/>
+              <a:t>Werkzeugmacherinnen beschäftigen sich mit Mathe.</a:t>
+            </a:r>
+          </a:p>
+          <a:p>
+            <a:pPr marL="0" marR="0" indent="0" algn="l" defTabSz="914400" rtl="0" eaLnBrk="1" fontAlgn="auto" latinLnBrk="0" hangingPunct="1">
+              <a:lnSpc>
+                <a:spcPct val="100000"/>
+              </a:lnSpc>
+              <a:spcBef>
+                <a:spcPts val="0"/>
+              </a:spcBef>
+              <a:spcAft>
+                <a:spcPts val="0"/>
+              </a:spcAft>
+              <a:buClrTx/>
+              <a:buSzTx/>
+              <a:buFontTx/>
+              <a:buNone/>
+              <a:tabLst/>
+              <a:defRPr/>
+            </a:pPr>
+            <a:endParaRPr lang="de-DE" baseline="0" dirty="0" smtClean="0"/>
+          </a:p>
+          <a:p>
+            <a:pPr marL="0" marR="0" indent="0" algn="l" defTabSz="914400" rtl="0" eaLnBrk="1" fontAlgn="auto" latinLnBrk="0" hangingPunct="1">
+              <a:lnSpc>
+                <a:spcPct val="100000"/>
+              </a:lnSpc>
+              <a:spcBef>
+                <a:spcPts val="0"/>
+              </a:spcBef>
+              <a:spcAft>
+                <a:spcPts val="0"/>
+              </a:spcAft>
+              <a:buClrTx/>
+              <a:buSzTx/>
+              <a:buFontTx/>
+              <a:buNone/>
+              <a:tabLst/>
+              <a:defRPr/>
+            </a:pPr>
+            <a:r>
+              <a:rPr lang="de-DE" baseline="0" dirty="0" smtClean="0"/>
+              <a:t>OK sehr grob ausgedrückt.</a:t>
+            </a:r>
+          </a:p>
+          <a:p>
+            <a:pPr marL="0" marR="0" indent="0" algn="l" defTabSz="914400" rtl="0" eaLnBrk="1" fontAlgn="auto" latinLnBrk="0" hangingPunct="1">
+              <a:lnSpc>
+                <a:spcPct val="100000"/>
+              </a:lnSpc>
+              <a:spcBef>
+                <a:spcPts val="0"/>
+              </a:spcBef>
+              <a:spcAft>
+                <a:spcPts val="0"/>
+              </a:spcAft>
+              <a:buClrTx/>
+              <a:buSzTx/>
+              <a:buFontTx/>
+              <a:buNone/>
+              <a:tabLst/>
+              <a:defRPr/>
+            </a:pPr>
+            <a:endParaRPr lang="de-DE" baseline="0" dirty="0" smtClean="0"/>
+          </a:p>
+          <a:p>
+            <a:pPr marL="0" marR="0" indent="0" algn="l" defTabSz="914400" rtl="0" eaLnBrk="1" fontAlgn="auto" latinLnBrk="0" hangingPunct="1">
+              <a:lnSpc>
+                <a:spcPct val="100000"/>
+              </a:lnSpc>
+              <a:spcBef>
+                <a:spcPts val="0"/>
+              </a:spcBef>
+              <a:spcAft>
+                <a:spcPts val="0"/>
+              </a:spcAft>
+              <a:buClrTx/>
+              <a:buSzTx/>
+              <a:buFontTx/>
+              <a:buNone/>
+              <a:tabLst/>
+              <a:defRPr/>
+            </a:pPr>
+            <a:r>
+              <a:rPr lang="de-DE" baseline="0" dirty="0" err="1" smtClean="0"/>
+              <a:t>Zeugmacherinnen</a:t>
+            </a:r>
+            <a:r>
+              <a:rPr lang="de-DE" baseline="0" dirty="0" smtClean="0"/>
+              <a:t> werden durch die Arbeit sich sukzessive mit den höheren Konzepte der Programmierung befassen.  Dank Seiten wie </a:t>
+            </a:r>
+            <a:r>
+              <a:rPr lang="de-DE" baseline="0" dirty="0" err="1" smtClean="0"/>
+              <a:t>fsharpforfunandprofit</a:t>
+            </a:r>
+            <a:r>
+              <a:rPr lang="de-DE" baseline="0" dirty="0" smtClean="0"/>
+              <a:t>, könnte </a:t>
+            </a:r>
+            <a:r>
+              <a:rPr lang="de-DE" baseline="0" dirty="0" err="1" smtClean="0"/>
+              <a:t>Monoid</a:t>
+            </a:r>
+            <a:r>
+              <a:rPr lang="de-DE" baseline="0" dirty="0" smtClean="0"/>
+              <a:t> </a:t>
+            </a:r>
+            <a:r>
+              <a:rPr lang="de-DE" baseline="0" dirty="0" err="1" smtClean="0"/>
+              <a:t>Catamorphism</a:t>
+            </a:r>
+            <a:r>
+              <a:rPr lang="de-DE" baseline="0" dirty="0" smtClean="0"/>
+              <a:t> bald ein geläufiger Begriff werden. Kein </a:t>
+            </a:r>
+            <a:r>
+              <a:rPr lang="de-DE" baseline="0" smtClean="0"/>
+              <a:t>Scherz. </a:t>
+            </a:r>
+            <a:endParaRPr lang="de-DE" baseline="0" dirty="0" smtClean="0"/>
+          </a:p>
+          <a:p>
+            <a:pPr marL="0" marR="0" indent="0" algn="l" defTabSz="914400" rtl="0" eaLnBrk="1" fontAlgn="auto" latinLnBrk="0" hangingPunct="1">
+              <a:lnSpc>
+                <a:spcPct val="100000"/>
+              </a:lnSpc>
+              <a:spcBef>
+                <a:spcPts val="0"/>
+              </a:spcBef>
+              <a:spcAft>
+                <a:spcPts val="0"/>
+              </a:spcAft>
+              <a:buClrTx/>
+              <a:buSzTx/>
+              <a:buFontTx/>
+              <a:buNone/>
+              <a:tabLst/>
+              <a:defRPr/>
+            </a:pPr>
+            <a:endParaRPr lang="de-DE" baseline="0" dirty="0" smtClean="0"/>
+          </a:p>
+          <a:p>
+            <a:pPr marL="0" marR="0" indent="0" algn="l" defTabSz="914400" rtl="0" eaLnBrk="1" fontAlgn="auto" latinLnBrk="0" hangingPunct="1">
+              <a:lnSpc>
+                <a:spcPct val="100000"/>
+              </a:lnSpc>
+              <a:spcBef>
+                <a:spcPts val="0"/>
+              </a:spcBef>
+              <a:spcAft>
+                <a:spcPts val="0"/>
+              </a:spcAft>
+              <a:buClrTx/>
+              <a:buSzTx/>
+              <a:buFontTx/>
+              <a:buNone/>
+              <a:tabLst/>
+              <a:defRPr/>
+            </a:pPr>
+            <a:endParaRPr lang="de-DE" baseline="0" dirty="0" smtClean="0"/>
+          </a:p>
+          <a:p>
+            <a:pPr marL="0" marR="0" indent="0" algn="l" defTabSz="914400" rtl="0" eaLnBrk="1" fontAlgn="auto" latinLnBrk="0" hangingPunct="1">
+              <a:lnSpc>
+                <a:spcPct val="100000"/>
+              </a:lnSpc>
+              <a:spcBef>
+                <a:spcPts val="0"/>
+              </a:spcBef>
+              <a:spcAft>
+                <a:spcPts val="0"/>
+              </a:spcAft>
+              <a:buClrTx/>
+              <a:buSzTx/>
+              <a:buFontTx/>
+              <a:buNone/>
+              <a:tabLst/>
+              <a:defRPr/>
+            </a:pPr>
+            <a:endParaRPr lang="de-DE" baseline="0" dirty="0" smtClean="0"/>
+          </a:p>
+          <a:p>
+            <a:pPr marL="0" marR="0" indent="0" algn="l" defTabSz="914400" rtl="0" eaLnBrk="1" fontAlgn="auto" latinLnBrk="0" hangingPunct="1">
+              <a:lnSpc>
+                <a:spcPct val="100000"/>
+              </a:lnSpc>
+              <a:spcBef>
+                <a:spcPts val="0"/>
+              </a:spcBef>
+              <a:spcAft>
+                <a:spcPts val="0"/>
+              </a:spcAft>
+              <a:buClrTx/>
+              <a:buSzTx/>
+              <a:buFontTx/>
+              <a:buNone/>
+              <a:tabLst/>
+              <a:defRPr/>
+            </a:pPr>
+            <a:endParaRPr lang="de-DE" baseline="0" dirty="0" smtClean="0"/>
           </a:p>
         </p:txBody>
       </p:sp>
@@ -7452,15 +7926,15 @@
             </a:pPr>
             <a:r>
               <a:rPr lang="de-DE" dirty="0" smtClean="0"/>
-              <a:t>Typsystem das </a:t>
+              <a:t>Typsystem </a:t>
+            </a:r>
+            <a:r>
+              <a:rPr lang="de-DE" dirty="0" smtClean="0"/>
+              <a:t>begünstigt </a:t>
             </a:r>
             <a:r>
               <a:rPr lang="de-DE" dirty="0"/>
-              <a:t>Komposition </a:t>
-            </a:r>
-            <a:r>
-              <a:rPr lang="de-DE" dirty="0" smtClean="0"/>
-              <a:t>bevorzugt</a:t>
+              <a:t>Komposition</a:t>
             </a:r>
             <a:endParaRPr lang="de-DE" dirty="0"/>
           </a:p>
@@ -7495,9 +7969,34 @@
               <a:t>Func</a:t>
             </a:r>
             <a:r>
-              <a:rPr lang="de-DE" dirty="0"/>
-              <a:t>&lt;&gt;</a:t>
-            </a:r>
+              <a:rPr lang="de-DE" dirty="0" smtClean="0"/>
+              <a:t>&lt;&gt; Syntax durch „</a:t>
+            </a:r>
+            <a:r>
+              <a:rPr lang="en-US" smtClean="0"/>
+              <a:t>let </a:t>
+            </a:r>
+            <a:r>
+              <a:rPr lang="en-US"/>
+              <a:t>f x </a:t>
+            </a:r>
+            <a:r>
+              <a:rPr lang="en-US"/>
+              <a:t>= </a:t>
+            </a:r>
+            <a:r>
+              <a:rPr lang="en-US" smtClean="0"/>
+              <a:t>x”</a:t>
+            </a:r>
+            <a:r>
+              <a:rPr lang="de-DE" smtClean="0"/>
+              <a:t> </a:t>
+            </a:r>
+            <a:r>
+              <a:rPr lang="de-DE" dirty="0" smtClean="0"/>
+              <a:t>ersetzt</a:t>
+            </a:r>
+            <a:endParaRPr lang="de-DE" dirty="0"/>
           </a:p>
           <a:p>
             <a:pPr marL="0" indent="0">

--- a/20151202Extended/FSharp.pptx
+++ b/20151202Extended/FSharp.pptx
@@ -4504,13 +4504,8 @@
             </a:r>
             <a:r>
               <a:rPr lang="de-DE" baseline="0" dirty="0" smtClean="0"/>
-              <a:t> bald ein geläufiger Begriff werden. Kein </a:t>
-            </a:r>
-            <a:r>
-              <a:rPr lang="de-DE" baseline="0" smtClean="0"/>
-              <a:t>Scherz. </a:t>
-            </a:r>
-            <a:endParaRPr lang="de-DE" baseline="0" dirty="0" smtClean="0"/>
+              <a:t> bald ein geläufiger Begriff werden. Kein Scherz. </a:t>
+            </a:r>
           </a:p>
           <a:p>
             <a:pPr marL="0" marR="0" indent="0" algn="l" defTabSz="914400" rtl="0" eaLnBrk="1" fontAlgn="auto" latinLnBrk="0" hangingPunct="1">
@@ -7973,28 +7968,20 @@
               <a:t>&lt;&gt; Syntax durch „</a:t>
             </a:r>
             <a:r>
-              <a:rPr lang="en-US" smtClean="0"/>
+              <a:rPr lang="en-US" dirty="0" smtClean="0"/>
               <a:t>let </a:t>
             </a:r>
             <a:r>
-              <a:rPr lang="en-US"/>
-              <a:t>f x </a:t>
-            </a:r>
-            <a:r>
-              <a:rPr lang="en-US"/>
-              <a:t>= </a:t>
-            </a:r>
-            <a:r>
-              <a:rPr lang="en-US" smtClean="0"/>
+              <a:rPr lang="en-US" dirty="0"/>
+              <a:t>f x = </a:t>
+            </a:r>
+            <a:r>
+              <a:rPr lang="en-US" dirty="0" smtClean="0"/>
               <a:t>x”</a:t>
             </a:r>
             <a:r>
-              <a:rPr lang="de-DE" smtClean="0"/>
-              <a:t> </a:t>
-            </a:r>
-            <a:r>
-              <a:rPr lang="de-DE" dirty="0" smtClean="0"/>
-              <a:t>ersetzt</a:t>
+              <a:rPr lang="de-DE" dirty="0" smtClean="0"/>
+              <a:t> ersetzt</a:t>
             </a:r>
             <a:endParaRPr lang="de-DE" dirty="0"/>
           </a:p>

--- a/20151202Extended/FSharp.pptx
+++ b/20151202Extended/FSharp.pptx
@@ -5,7 +5,7 @@
     <p:sldMasterId id="2147483648" r:id="rId1"/>
   </p:sldMasterIdLst>
   <p:notesMasterIdLst>
-    <p:notesMasterId r:id="rId32"/>
+    <p:notesMasterId r:id="rId31"/>
   </p:notesMasterIdLst>
   <p:sldIdLst>
     <p:sldId id="256" r:id="rId2"/>
@@ -37,7 +37,6 @@
     <p:sldId id="280" r:id="rId28"/>
     <p:sldId id="281" r:id="rId29"/>
     <p:sldId id="283" r:id="rId30"/>
-    <p:sldId id="282" r:id="rId31"/>
   </p:sldIdLst>
   <p:sldSz cx="9144000" cy="6858000" type="screen4x3"/>
   <p:notesSz cx="6858000" cy="9144000"/>
@@ -138,7 +137,7 @@
   </p:defaultTextStyle>
   <p:extLst>
     <p:ext uri="{EFAFB233-063F-42B5-8137-9DF3F51BA10A}">
-      <p15:sldGuideLst xmlns:p15="http://schemas.microsoft.com/office/powerpoint/2012/main" xmlns="">
+      <p15:sldGuideLst xmlns="" xmlns:p15="http://schemas.microsoft.com/office/powerpoint/2012/main">
         <p15:guide id="1" orient="horz" pos="2160">
           <p15:clr>
             <a:srgbClr val="A4A3A4"/>
@@ -237,7 +236,7 @@
           <a:p>
             <a:fld id="{8583A242-7230-4070-B2AF-A33EB304C08D}" type="datetimeFigureOut">
               <a:rPr lang="en-US" smtClean="0"/>
-              <a:t>2/11/2016</a:t>
+              <a:t>4/6/2016</a:t>
             </a:fld>
             <a:endParaRPr lang="en-US"/>
           </a:p>
@@ -1957,12 +1956,12 @@
           <a:lstStyle/>
           <a:p>
             <a:r>
-              <a:rPr lang="de-DE" dirty="0" smtClean="0"/>
-              <a:t>Ich kann pro Deklaration</a:t>
-            </a:r>
-            <a:r>
-              <a:rPr lang="de-DE" baseline="0" dirty="0" smtClean="0"/>
-              <a:t> eine andere Funktion angeben.  Reihenfolge der Deklarationen ist nicht relevant.</a:t>
+              <a:rPr lang="de-DE" dirty="0" err="1" smtClean="0"/>
+              <a:t>Adhoc</a:t>
+            </a:r>
+            <a:r>
+              <a:rPr lang="de-DE" dirty="0" smtClean="0"/>
+              <a:t> Data Type.</a:t>
             </a:r>
             <a:endParaRPr lang="en-US" dirty="0"/>
           </a:p>
@@ -1985,7 +1984,7 @@
           <a:p>
             <a:fld id="{4775FDF9-2A53-4261-A0AF-3B6A9698D365}" type="slidenum">
               <a:rPr lang="en-US" smtClean="0"/>
-              <a:t>23</a:t>
+              <a:t>22</a:t>
             </a:fld>
             <a:endParaRPr lang="en-US"/>
           </a:p>
@@ -1994,7 +1993,7 @@
     </p:spTree>
     <p:extLst>
       <p:ext uri="{BB962C8B-B14F-4D97-AF65-F5344CB8AC3E}">
-        <p14:creationId xmlns:p14="http://schemas.microsoft.com/office/powerpoint/2010/main" val="827611547"/>
+        <p14:creationId xmlns:p14="http://schemas.microsoft.com/office/powerpoint/2010/main" val="3351844412"/>
       </p:ext>
     </p:extLst>
   </p:cSld>
@@ -2050,47 +2049,11 @@
           <a:p>
             <a:r>
               <a:rPr lang="de-DE" dirty="0" smtClean="0"/>
-              <a:t>Zwei </a:t>
-            </a:r>
-            <a:r>
-              <a:rPr lang="de-DE" dirty="0" err="1" smtClean="0"/>
-              <a:t>named</a:t>
-            </a:r>
-            <a:r>
-              <a:rPr lang="de-DE" dirty="0" smtClean="0"/>
-              <a:t> </a:t>
-            </a:r>
-            <a:r>
-              <a:rPr lang="de-DE" dirty="0" err="1" smtClean="0"/>
-              <a:t>tuples</a:t>
-            </a:r>
-            <a:r>
-              <a:rPr lang="de-DE" dirty="0" smtClean="0"/>
-              <a:t> (also </a:t>
-            </a:r>
-            <a:r>
-              <a:rPr lang="de-DE" dirty="0" err="1" smtClean="0"/>
-              <a:t>record</a:t>
+              <a:t>Ich kann pro Deklaration</a:t>
             </a:r>
             <a:r>
               <a:rPr lang="de-DE" baseline="0" dirty="0" smtClean="0"/>
-              <a:t> </a:t>
-            </a:r>
-            <a:r>
-              <a:rPr lang="de-DE" baseline="0" dirty="0" err="1" smtClean="0"/>
-              <a:t>types</a:t>
-            </a:r>
-            <a:r>
-              <a:rPr lang="de-DE" baseline="0" dirty="0" smtClean="0"/>
-              <a:t>)</a:t>
-            </a:r>
-            <a:r>
-              <a:rPr lang="de-DE" dirty="0" smtClean="0"/>
-              <a:t> können nur dann vergleichbar</a:t>
-            </a:r>
-            <a:r>
-              <a:rPr lang="de-DE" baseline="0" dirty="0" smtClean="0"/>
-              <a:t> sein wenn diese den gleichen Namen haben UND über die gleichen Werte verfüge</a:t>
+              <a:t> eine andere Funktion angeben.  Reihenfolge der Deklarationen ist nicht relevant.</a:t>
             </a:r>
             <a:endParaRPr lang="en-US" dirty="0"/>
           </a:p>
@@ -2113,7 +2076,7 @@
           <a:p>
             <a:fld id="{4775FDF9-2A53-4261-A0AF-3B6A9698D365}" type="slidenum">
               <a:rPr lang="en-US" smtClean="0"/>
-              <a:t>24</a:t>
+              <a:t>23</a:t>
             </a:fld>
             <a:endParaRPr lang="en-US"/>
           </a:p>
@@ -2122,7 +2085,7 @@
     </p:spTree>
     <p:extLst>
       <p:ext uri="{BB962C8B-B14F-4D97-AF65-F5344CB8AC3E}">
-        <p14:creationId xmlns:p14="http://schemas.microsoft.com/office/powerpoint/2010/main" val="3235457770"/>
+        <p14:creationId xmlns:p14="http://schemas.microsoft.com/office/powerpoint/2010/main" val="827611547"/>
       </p:ext>
     </p:extLst>
   </p:cSld>
@@ -2178,35 +2141,27 @@
           <a:p>
             <a:r>
               <a:rPr lang="de-DE" dirty="0" smtClean="0"/>
-              <a:t>Und da Ausdrucke </a:t>
+              <a:t>Zwei </a:t>
             </a:r>
             <a:r>
               <a:rPr lang="de-DE" dirty="0" err="1" smtClean="0"/>
-              <a:t>immutable</a:t>
-            </a:r>
-            <a:r>
-              <a:rPr lang="de-DE" dirty="0" smtClean="0"/>
-              <a:t> sind, ändert sich der Wert nicht.  Bitte nicht mit einem Variant (vb.net) verwechseln</a:t>
-            </a:r>
-          </a:p>
-          <a:p>
-            <a:r>
-              <a:rPr lang="de-DE" dirty="0" smtClean="0"/>
-              <a:t>DU ist das ganze.  Die einzelnen möglichen Werte heißen Union</a:t>
-            </a:r>
-            <a:r>
-              <a:rPr lang="de-DE" baseline="0" dirty="0" smtClean="0"/>
-              <a:t> Case</a:t>
-            </a:r>
-          </a:p>
-          <a:p>
-            <a:r>
-              <a:rPr lang="de-DE" baseline="0" dirty="0" smtClean="0"/>
-              <a:t>Empty Case </a:t>
-            </a:r>
-            <a:r>
-              <a:rPr lang="de-DE" baseline="0" dirty="0" err="1" smtClean="0"/>
-              <a:t>is</a:t>
+              <a:t>named</a:t>
+            </a:r>
+            <a:r>
+              <a:rPr lang="de-DE" dirty="0" smtClean="0"/>
+              <a:t> </a:t>
+            </a:r>
+            <a:r>
+              <a:rPr lang="de-DE" dirty="0" err="1" smtClean="0"/>
+              <a:t>tuples</a:t>
+            </a:r>
+            <a:r>
+              <a:rPr lang="de-DE" dirty="0" smtClean="0"/>
+              <a:t> (also </a:t>
+            </a:r>
+            <a:r>
+              <a:rPr lang="de-DE" dirty="0" err="1" smtClean="0"/>
+              <a:t>record</a:t>
             </a:r>
             <a:r>
               <a:rPr lang="de-DE" baseline="0" dirty="0" smtClean="0"/>
@@ -2214,81 +2169,19 @@
             </a:r>
             <a:r>
               <a:rPr lang="de-DE" baseline="0" dirty="0" err="1" smtClean="0"/>
-              <a:t>possible</a:t>
+              <a:t>types</a:t>
             </a:r>
             <a:r>
               <a:rPr lang="de-DE" baseline="0" dirty="0" smtClean="0"/>
-              <a:t>.  Wenn es nur Empty </a:t>
-            </a:r>
-            <a:r>
-              <a:rPr lang="de-DE" baseline="0" dirty="0" err="1" smtClean="0"/>
-              <a:t>cases</a:t>
+              <a:t>)</a:t>
+            </a:r>
+            <a:r>
+              <a:rPr lang="de-DE" dirty="0" smtClean="0"/>
+              <a:t> können nur dann vergleichbar</a:t>
             </a:r>
             <a:r>
               <a:rPr lang="de-DE" baseline="0" dirty="0" smtClean="0"/>
-              <a:t> gibt, dann handelt es sich um einen „</a:t>
-            </a:r>
-            <a:r>
-              <a:rPr lang="de-DE" baseline="0" dirty="0" err="1" smtClean="0"/>
-              <a:t>Enum</a:t>
-            </a:r>
-            <a:r>
-              <a:rPr lang="de-DE" baseline="0" dirty="0" smtClean="0"/>
-              <a:t> Style“ DU.  Ein „Echter“ </a:t>
-            </a:r>
-            <a:r>
-              <a:rPr lang="de-DE" baseline="0" dirty="0" err="1" smtClean="0"/>
-              <a:t>Enum</a:t>
-            </a:r>
-            <a:r>
-              <a:rPr lang="de-DE" baseline="0" dirty="0" smtClean="0"/>
-              <a:t> aber muss anders definiert werden um das gleiche zu erhalten was das IL darstellt wenn ich in C# einen </a:t>
-            </a:r>
-            <a:r>
-              <a:rPr lang="de-DE" baseline="0" dirty="0" err="1" smtClean="0"/>
-              <a:t>Enum</a:t>
-            </a:r>
-            <a:r>
-              <a:rPr lang="de-DE" baseline="0" dirty="0" smtClean="0"/>
-              <a:t> definiere</a:t>
-            </a:r>
-          </a:p>
-          <a:p>
-            <a:r>
-              <a:rPr lang="de-DE" baseline="0" dirty="0" smtClean="0"/>
-              <a:t>Single Case gibt es auch und sind sehr schön zu verwenden um Werte die eine bestimmte Funktion in meinem Domain haben darzustellen.  Z.B. </a:t>
-            </a:r>
-            <a:r>
-              <a:rPr lang="de-DE" baseline="0" dirty="0" err="1" smtClean="0"/>
-              <a:t>int</a:t>
-            </a:r>
-            <a:r>
-              <a:rPr lang="de-DE" baseline="0" dirty="0" smtClean="0"/>
-              <a:t> als </a:t>
-            </a:r>
-            <a:r>
-              <a:rPr lang="de-DE" baseline="0" dirty="0" err="1" smtClean="0"/>
-              <a:t>KundeID</a:t>
-            </a:r>
-            <a:r>
-              <a:rPr lang="de-DE" baseline="0" dirty="0" smtClean="0"/>
-              <a:t> und </a:t>
-            </a:r>
-            <a:r>
-              <a:rPr lang="de-DE" baseline="0" dirty="0" err="1" smtClean="0"/>
-              <a:t>ProduktID</a:t>
-            </a:r>
-            <a:r>
-              <a:rPr lang="de-DE" baseline="0" dirty="0" smtClean="0"/>
-              <a:t>.  Dann ist es kein </a:t>
-            </a:r>
-            <a:r>
-              <a:rPr lang="de-DE" baseline="0" dirty="0" err="1" smtClean="0"/>
-              <a:t>int</a:t>
-            </a:r>
-            <a:r>
-              <a:rPr lang="de-DE" baseline="0" dirty="0" smtClean="0"/>
-              <a:t> mehr sondern das genannte typ und ich kann diese z.B. nicht mehr vergleichen</a:t>
+              <a:t> sein wenn diese den gleichen Namen haben UND über die gleichen Werte verfüge</a:t>
             </a:r>
             <a:endParaRPr lang="en-US" dirty="0"/>
           </a:p>
@@ -2311,7 +2204,7 @@
           <a:p>
             <a:fld id="{4775FDF9-2A53-4261-A0AF-3B6A9698D365}" type="slidenum">
               <a:rPr lang="en-US" smtClean="0"/>
-              <a:t>25</a:t>
+              <a:t>24</a:t>
             </a:fld>
             <a:endParaRPr lang="en-US"/>
           </a:p>
@@ -2320,7 +2213,7 @@
     </p:spTree>
     <p:extLst>
       <p:ext uri="{BB962C8B-B14F-4D97-AF65-F5344CB8AC3E}">
-        <p14:creationId xmlns:p14="http://schemas.microsoft.com/office/powerpoint/2010/main" val="3285654297"/>
+        <p14:creationId xmlns:p14="http://schemas.microsoft.com/office/powerpoint/2010/main" val="3235457770"/>
       </p:ext>
     </p:extLst>
   </p:cSld>
@@ -2376,19 +2269,117 @@
           <a:p>
             <a:r>
               <a:rPr lang="de-DE" dirty="0" smtClean="0"/>
-              <a:t>In DDD (Domain </a:t>
+              <a:t>Und da Ausdrucke </a:t>
             </a:r>
             <a:r>
               <a:rPr lang="de-DE" dirty="0" err="1" smtClean="0"/>
-              <a:t>Driven</a:t>
-            </a:r>
-            <a:r>
-              <a:rPr lang="de-DE" dirty="0" smtClean="0"/>
-              <a:t> Design) spielen diese oft eine wichtige Rolle.  Z.B. kann ich dadurch Primitives</a:t>
+              <a:t>immutable</a:t>
+            </a:r>
+            <a:r>
+              <a:rPr lang="de-DE" dirty="0" smtClean="0"/>
+              <a:t> sind, ändert sich der Wert nicht.  Bitte nicht mit einem Variant (vb.net) verwechseln</a:t>
+            </a:r>
+          </a:p>
+          <a:p>
+            <a:r>
+              <a:rPr lang="de-DE" dirty="0" smtClean="0"/>
+              <a:t>DU ist das ganze.  Die einzelnen möglichen Werte heißen Union</a:t>
             </a:r>
             <a:r>
               <a:rPr lang="de-DE" baseline="0" dirty="0" smtClean="0"/>
-              <a:t> so definieren dass diese untereinander nicht „kompatibel“ sind, auch wenn diese vom gleichen Typ sind.</a:t>
+              <a:t> Case</a:t>
+            </a:r>
+          </a:p>
+          <a:p>
+            <a:r>
+              <a:rPr lang="de-DE" baseline="0" dirty="0" smtClean="0"/>
+              <a:t>Empty Case </a:t>
+            </a:r>
+            <a:r>
+              <a:rPr lang="de-DE" baseline="0" dirty="0" err="1" smtClean="0"/>
+              <a:t>is</a:t>
+            </a:r>
+            <a:r>
+              <a:rPr lang="de-DE" baseline="0" dirty="0" smtClean="0"/>
+              <a:t> </a:t>
+            </a:r>
+            <a:r>
+              <a:rPr lang="de-DE" baseline="0" dirty="0" err="1" smtClean="0"/>
+              <a:t>possible</a:t>
+            </a:r>
+            <a:r>
+              <a:rPr lang="de-DE" baseline="0" dirty="0" smtClean="0"/>
+              <a:t>.  Wenn es nur Empty </a:t>
+            </a:r>
+            <a:r>
+              <a:rPr lang="de-DE" baseline="0" dirty="0" err="1" smtClean="0"/>
+              <a:t>cases</a:t>
+            </a:r>
+            <a:r>
+              <a:rPr lang="de-DE" baseline="0" dirty="0" smtClean="0"/>
+              <a:t> gibt, dann handelt es sich um einen „</a:t>
+            </a:r>
+            <a:r>
+              <a:rPr lang="de-DE" baseline="0" dirty="0" err="1" smtClean="0"/>
+              <a:t>Enum</a:t>
+            </a:r>
+            <a:r>
+              <a:rPr lang="de-DE" baseline="0" dirty="0" smtClean="0"/>
+              <a:t> Style“ DU.  Ein „Echter“ </a:t>
+            </a:r>
+            <a:r>
+              <a:rPr lang="de-DE" baseline="0" dirty="0" err="1" smtClean="0"/>
+              <a:t>Enum</a:t>
+            </a:r>
+            <a:r>
+              <a:rPr lang="de-DE" baseline="0" dirty="0" smtClean="0"/>
+              <a:t> aber muss anders definiert werden um das gleiche zu erhalten was das IL darstellt wenn ich in C# einen </a:t>
+            </a:r>
+            <a:r>
+              <a:rPr lang="de-DE" baseline="0" dirty="0" err="1" smtClean="0"/>
+              <a:t>Enum</a:t>
+            </a:r>
+            <a:r>
+              <a:rPr lang="de-DE" baseline="0" dirty="0" smtClean="0"/>
+              <a:t> definiere</a:t>
+            </a:r>
+          </a:p>
+          <a:p>
+            <a:r>
+              <a:rPr lang="de-DE" baseline="0" dirty="0" smtClean="0"/>
+              <a:t>Single Case gibt es auch und sind sehr schön zu verwenden um Werte die eine bestimmte Funktion in meinem Domain haben darzustellen.  Z.B. </a:t>
+            </a:r>
+            <a:r>
+              <a:rPr lang="de-DE" baseline="0" dirty="0" err="1" smtClean="0"/>
+              <a:t>int</a:t>
+            </a:r>
+            <a:r>
+              <a:rPr lang="de-DE" baseline="0" dirty="0" smtClean="0"/>
+              <a:t> als </a:t>
+            </a:r>
+            <a:r>
+              <a:rPr lang="de-DE" baseline="0" dirty="0" err="1" smtClean="0"/>
+              <a:t>KundeID</a:t>
+            </a:r>
+            <a:r>
+              <a:rPr lang="de-DE" baseline="0" dirty="0" smtClean="0"/>
+              <a:t> und </a:t>
+            </a:r>
+            <a:r>
+              <a:rPr lang="de-DE" baseline="0" dirty="0" err="1" smtClean="0"/>
+              <a:t>ProduktID</a:t>
+            </a:r>
+            <a:r>
+              <a:rPr lang="de-DE" baseline="0" dirty="0" smtClean="0"/>
+              <a:t>.  Dann ist es kein </a:t>
+            </a:r>
+            <a:r>
+              <a:rPr lang="de-DE" baseline="0" dirty="0" err="1" smtClean="0"/>
+              <a:t>int</a:t>
+            </a:r>
+            <a:r>
+              <a:rPr lang="de-DE" baseline="0" dirty="0" smtClean="0"/>
+              <a:t> mehr sondern das genannte typ und ich kann diese z.B. nicht mehr vergleichen</a:t>
             </a:r>
             <a:endParaRPr lang="en-US" dirty="0"/>
           </a:p>
@@ -2411,7 +2402,7 @@
           <a:p>
             <a:fld id="{4775FDF9-2A53-4261-A0AF-3B6A9698D365}" type="slidenum">
               <a:rPr lang="en-US" smtClean="0"/>
-              <a:t>26</a:t>
+              <a:t>25</a:t>
             </a:fld>
             <a:endParaRPr lang="en-US"/>
           </a:p>
@@ -2420,7 +2411,7 @@
     </p:spTree>
     <p:extLst>
       <p:ext uri="{BB962C8B-B14F-4D97-AF65-F5344CB8AC3E}">
-        <p14:creationId xmlns:p14="http://schemas.microsoft.com/office/powerpoint/2010/main" val="2117330388"/>
+        <p14:creationId xmlns:p14="http://schemas.microsoft.com/office/powerpoint/2010/main" val="3285654297"/>
       </p:ext>
     </p:extLst>
   </p:cSld>
@@ -2476,35 +2467,19 @@
           <a:p>
             <a:r>
               <a:rPr lang="de-DE" dirty="0" smtClean="0"/>
-              <a:t>In </a:t>
+              <a:t>In DDD (Domain </a:t>
             </a:r>
             <a:r>
               <a:rPr lang="de-DE" dirty="0" err="1" smtClean="0"/>
-              <a:t>Haskel</a:t>
-            </a:r>
-            <a:r>
-              <a:rPr lang="de-DE" dirty="0" smtClean="0"/>
-              <a:t> heißt dieser Typ </a:t>
-            </a:r>
-            <a:r>
-              <a:rPr lang="de-DE" dirty="0" err="1" smtClean="0"/>
-              <a:t>Maybe</a:t>
-            </a:r>
-            <a:r>
-              <a:rPr lang="de-DE" dirty="0" smtClean="0"/>
-              <a:t>, in Scala heißt</a:t>
+              <a:t>Driven</a:t>
+            </a:r>
+            <a:r>
+              <a:rPr lang="de-DE" dirty="0" smtClean="0"/>
+              <a:t> Design) spielen diese oft eine wichtige Rolle.  Z.B. kann ich dadurch Primitives</a:t>
             </a:r>
             <a:r>
               <a:rPr lang="de-DE" baseline="0" dirty="0" smtClean="0"/>
-              <a:t> es auch </a:t>
-            </a:r>
-            <a:r>
-              <a:rPr lang="de-DE" baseline="0" dirty="0" err="1" smtClean="0"/>
-              <a:t>option</a:t>
-            </a:r>
-            <a:r>
-              <a:rPr lang="de-DE" baseline="0" dirty="0" smtClean="0"/>
-              <a:t>.</a:t>
+              <a:t> so definieren dass diese untereinander nicht „kompatibel“ sind, auch wenn diese vom gleichen Typ sind.</a:t>
             </a:r>
             <a:endParaRPr lang="en-US" dirty="0"/>
           </a:p>
@@ -2527,7 +2502,7 @@
           <a:p>
             <a:fld id="{4775FDF9-2A53-4261-A0AF-3B6A9698D365}" type="slidenum">
               <a:rPr lang="en-US" smtClean="0"/>
-              <a:t>27</a:t>
+              <a:t>26</a:t>
             </a:fld>
             <a:endParaRPr lang="en-US"/>
           </a:p>
@@ -2536,7 +2511,7 @@
     </p:spTree>
     <p:extLst>
       <p:ext uri="{BB962C8B-B14F-4D97-AF65-F5344CB8AC3E}">
-        <p14:creationId xmlns:p14="http://schemas.microsoft.com/office/powerpoint/2010/main" val="1558731010"/>
+        <p14:creationId xmlns:p14="http://schemas.microsoft.com/office/powerpoint/2010/main" val="2117330388"/>
       </p:ext>
     </p:extLst>
   </p:cSld>
@@ -2592,6 +2567,122 @@
           <a:p>
             <a:r>
               <a:rPr lang="de-DE" dirty="0" smtClean="0"/>
+              <a:t>In </a:t>
+            </a:r>
+            <a:r>
+              <a:rPr lang="de-DE" dirty="0" err="1" smtClean="0"/>
+              <a:t>Haskel</a:t>
+            </a:r>
+            <a:r>
+              <a:rPr lang="de-DE" dirty="0" smtClean="0"/>
+              <a:t> heißt dieser Typ </a:t>
+            </a:r>
+            <a:r>
+              <a:rPr lang="de-DE" dirty="0" err="1" smtClean="0"/>
+              <a:t>Maybe</a:t>
+            </a:r>
+            <a:r>
+              <a:rPr lang="de-DE" dirty="0" smtClean="0"/>
+              <a:t>, in Scala heißt</a:t>
+            </a:r>
+            <a:r>
+              <a:rPr lang="de-DE" baseline="0" dirty="0" smtClean="0"/>
+              <a:t> es auch </a:t>
+            </a:r>
+            <a:r>
+              <a:rPr lang="de-DE" baseline="0" dirty="0" err="1" smtClean="0"/>
+              <a:t>option</a:t>
+            </a:r>
+            <a:r>
+              <a:rPr lang="de-DE" baseline="0" dirty="0" smtClean="0"/>
+              <a:t>.</a:t>
+            </a:r>
+            <a:endParaRPr lang="en-US" dirty="0"/>
+          </a:p>
+        </p:txBody>
+      </p:sp>
+      <p:sp>
+        <p:nvSpPr>
+          <p:cNvPr id="4" name="Slide Number Placeholder 3"/>
+          <p:cNvSpPr>
+            <a:spLocks noGrp="1"/>
+          </p:cNvSpPr>
+          <p:nvPr>
+            <p:ph type="sldNum" sz="quarter" idx="10"/>
+          </p:nvPr>
+        </p:nvSpPr>
+        <p:spPr/>
+        <p:txBody>
+          <a:bodyPr/>
+          <a:lstStyle/>
+          <a:p>
+            <a:fld id="{4775FDF9-2A53-4261-A0AF-3B6A9698D365}" type="slidenum">
+              <a:rPr lang="en-US" smtClean="0"/>
+              <a:t>27</a:t>
+            </a:fld>
+            <a:endParaRPr lang="en-US"/>
+          </a:p>
+        </p:txBody>
+      </p:sp>
+    </p:spTree>
+    <p:extLst>
+      <p:ext uri="{BB962C8B-B14F-4D97-AF65-F5344CB8AC3E}">
+        <p14:creationId xmlns:p14="http://schemas.microsoft.com/office/powerpoint/2010/main" val="1558731010"/>
+      </p:ext>
+    </p:extLst>
+  </p:cSld>
+  <p:clrMapOvr>
+    <a:masterClrMapping/>
+  </p:clrMapOvr>
+</p:notes>
+</file>
+
+<file path=ppt/notesSlides/notesSlide26.xml><?xml version="1.0" encoding="utf-8"?>
+<p:notes xmlns:a="http://schemas.openxmlformats.org/drawingml/2006/main" xmlns:r="http://schemas.openxmlformats.org/officeDocument/2006/relationships" xmlns:p="http://schemas.openxmlformats.org/presentationml/2006/main">
+  <p:cSld>
+    <p:spTree>
+      <p:nvGrpSpPr>
+        <p:cNvPr id="1" name=""/>
+        <p:cNvGrpSpPr/>
+        <p:nvPr/>
+      </p:nvGrpSpPr>
+      <p:grpSpPr>
+        <a:xfrm>
+          <a:off x="0" y="0"/>
+          <a:ext cx="0" cy="0"/>
+          <a:chOff x="0" y="0"/>
+          <a:chExt cx="0" cy="0"/>
+        </a:xfrm>
+      </p:grpSpPr>
+      <p:sp>
+        <p:nvSpPr>
+          <p:cNvPr id="2" name="Slide Image Placeholder 1"/>
+          <p:cNvSpPr>
+            <a:spLocks noGrp="1" noRot="1" noChangeAspect="1"/>
+          </p:cNvSpPr>
+          <p:nvPr>
+            <p:ph type="sldImg"/>
+          </p:nvPr>
+        </p:nvSpPr>
+        <p:spPr/>
+      </p:sp>
+      <p:sp>
+        <p:nvSpPr>
+          <p:cNvPr id="3" name="Notes Placeholder 2"/>
+          <p:cNvSpPr>
+            <a:spLocks noGrp="1"/>
+          </p:cNvSpPr>
+          <p:nvPr>
+            <p:ph type="body" idx="1"/>
+          </p:nvPr>
+        </p:nvSpPr>
+        <p:spPr/>
+        <p:txBody>
+          <a:bodyPr/>
+          <a:lstStyle/>
+          <a:p>
+            <a:r>
+              <a:rPr lang="de-DE" dirty="0" smtClean="0"/>
               <a:t>null</a:t>
             </a:r>
             <a:r>
@@ -2687,7 +2778,7 @@
 </p:notes>
 </file>
 
-<file path=ppt/notesSlides/notesSlide26.xml><?xml version="1.0" encoding="utf-8"?>
+<file path=ppt/notesSlides/notesSlide27.xml><?xml version="1.0" encoding="utf-8"?>
 <p:notes xmlns:a="http://schemas.openxmlformats.org/drawingml/2006/main" xmlns:r="http://schemas.openxmlformats.org/officeDocument/2006/relationships" xmlns:p="http://schemas.openxmlformats.org/presentationml/2006/main">
   <p:cSld>
     <p:spTree>
@@ -4091,11 +4182,7 @@
             </a:r>
             <a:r>
               <a:rPr lang="de-DE" baseline="0" dirty="0" smtClean="0"/>
-              <a:t>, </a:t>
-            </a:r>
-            <a:r>
-              <a:rPr lang="de-DE" baseline="0" dirty="0" smtClean="0"/>
-              <a:t>…</a:t>
+              <a:t>, …</a:t>
             </a:r>
           </a:p>
           <a:p>
@@ -4806,7 +4893,7 @@
           <a:p>
             <a:fld id="{28CA3B8B-C56F-4663-93D1-BECEDA7EAF67}" type="datetimeFigureOut">
               <a:rPr lang="en-US" smtClean="0"/>
-              <a:t>2/11/2016</a:t>
+              <a:t>4/6/2016</a:t>
             </a:fld>
             <a:endParaRPr lang="en-US"/>
           </a:p>
@@ -4976,7 +5063,7 @@
           <a:p>
             <a:fld id="{28CA3B8B-C56F-4663-93D1-BECEDA7EAF67}" type="datetimeFigureOut">
               <a:rPr lang="en-US" smtClean="0"/>
-              <a:t>2/11/2016</a:t>
+              <a:t>4/6/2016</a:t>
             </a:fld>
             <a:endParaRPr lang="en-US"/>
           </a:p>
@@ -5156,7 +5243,7 @@
           <a:p>
             <a:fld id="{28CA3B8B-C56F-4663-93D1-BECEDA7EAF67}" type="datetimeFigureOut">
               <a:rPr lang="en-US" smtClean="0"/>
-              <a:t>2/11/2016</a:t>
+              <a:t>4/6/2016</a:t>
             </a:fld>
             <a:endParaRPr lang="en-US"/>
           </a:p>
@@ -5326,7 +5413,7 @@
           <a:p>
             <a:fld id="{28CA3B8B-C56F-4663-93D1-BECEDA7EAF67}" type="datetimeFigureOut">
               <a:rPr lang="en-US" smtClean="0"/>
-              <a:t>2/11/2016</a:t>
+              <a:t>4/6/2016</a:t>
             </a:fld>
             <a:endParaRPr lang="en-US"/>
           </a:p>
@@ -5572,7 +5659,7 @@
           <a:p>
             <a:fld id="{28CA3B8B-C56F-4663-93D1-BECEDA7EAF67}" type="datetimeFigureOut">
               <a:rPr lang="en-US" smtClean="0"/>
-              <a:t>2/11/2016</a:t>
+              <a:t>4/6/2016</a:t>
             </a:fld>
             <a:endParaRPr lang="en-US"/>
           </a:p>
@@ -5860,7 +5947,7 @@
           <a:p>
             <a:fld id="{28CA3B8B-C56F-4663-93D1-BECEDA7EAF67}" type="datetimeFigureOut">
               <a:rPr lang="en-US" smtClean="0"/>
-              <a:t>2/11/2016</a:t>
+              <a:t>4/6/2016</a:t>
             </a:fld>
             <a:endParaRPr lang="en-US"/>
           </a:p>
@@ -6282,7 +6369,7 @@
           <a:p>
             <a:fld id="{28CA3B8B-C56F-4663-93D1-BECEDA7EAF67}" type="datetimeFigureOut">
               <a:rPr lang="en-US" smtClean="0"/>
-              <a:t>2/11/2016</a:t>
+              <a:t>4/6/2016</a:t>
             </a:fld>
             <a:endParaRPr lang="en-US"/>
           </a:p>
@@ -6400,7 +6487,7 @@
           <a:p>
             <a:fld id="{28CA3B8B-C56F-4663-93D1-BECEDA7EAF67}" type="datetimeFigureOut">
               <a:rPr lang="en-US" smtClean="0"/>
-              <a:t>2/11/2016</a:t>
+              <a:t>4/6/2016</a:t>
             </a:fld>
             <a:endParaRPr lang="en-US"/>
           </a:p>
@@ -6495,7 +6582,7 @@
           <a:p>
             <a:fld id="{28CA3B8B-C56F-4663-93D1-BECEDA7EAF67}" type="datetimeFigureOut">
               <a:rPr lang="en-US" smtClean="0"/>
-              <a:t>2/11/2016</a:t>
+              <a:t>4/6/2016</a:t>
             </a:fld>
             <a:endParaRPr lang="en-US"/>
           </a:p>
@@ -6772,7 +6859,7 @@
           <a:p>
             <a:fld id="{28CA3B8B-C56F-4663-93D1-BECEDA7EAF67}" type="datetimeFigureOut">
               <a:rPr lang="en-US" smtClean="0"/>
-              <a:t>2/11/2016</a:t>
+              <a:t>4/6/2016</a:t>
             </a:fld>
             <a:endParaRPr lang="en-US"/>
           </a:p>
@@ -7025,7 +7112,7 @@
           <a:p>
             <a:fld id="{28CA3B8B-C56F-4663-93D1-BECEDA7EAF67}" type="datetimeFigureOut">
               <a:rPr lang="en-US" smtClean="0"/>
-              <a:t>2/11/2016</a:t>
+              <a:t>4/6/2016</a:t>
             </a:fld>
             <a:endParaRPr lang="en-US"/>
           </a:p>
@@ -7238,7 +7325,7 @@
           <a:p>
             <a:fld id="{28CA3B8B-C56F-4663-93D1-BECEDA7EAF67}" type="datetimeFigureOut">
               <a:rPr lang="en-US" smtClean="0"/>
-              <a:t>2/11/2016</a:t>
+              <a:t>4/6/2016</a:t>
             </a:fld>
             <a:endParaRPr lang="en-US"/>
           </a:p>
@@ -7921,17 +8008,12 @@
             </a:pPr>
             <a:r>
               <a:rPr lang="de-DE" dirty="0" smtClean="0"/>
-              <a:t>Typsystem </a:t>
-            </a:r>
-            <a:r>
-              <a:rPr lang="de-DE" dirty="0" smtClean="0"/>
-              <a:t>begünstigt </a:t>
+              <a:t>Typsystem begünstigt </a:t>
             </a:r>
             <a:r>
               <a:rPr lang="de-DE" dirty="0"/>
               <a:t>Komposition</a:t>
             </a:r>
-            <a:endParaRPr lang="de-DE" dirty="0"/>
           </a:p>
           <a:p>
             <a:pPr marL="0" indent="0">
@@ -8631,8 +8713,9 @@
             <a:pPr lvl="1"/>
             <a:r>
               <a:rPr lang="de-DE" dirty="0" smtClean="0"/>
-              <a:t>Web</a:t>
-            </a:r>
+              <a:t>Cloud</a:t>
+            </a:r>
+            <a:endParaRPr lang="de-DE" dirty="0" smtClean="0"/>
           </a:p>
           <a:p>
             <a:r>
@@ -9003,23 +9086,12 @@
           <a:lstStyle/>
           <a:p>
             <a:r>
-              <a:rPr lang="de-DE" dirty="0" err="1" smtClean="0"/>
-              <a:t>Computation</a:t>
-            </a:r>
-            <a:r>
-              <a:rPr lang="de-DE" dirty="0" smtClean="0"/>
-              <a:t> </a:t>
-            </a:r>
-            <a:r>
-              <a:rPr lang="de-DE" dirty="0" err="1" smtClean="0"/>
-              <a:t>expressions</a:t>
-            </a:r>
-            <a:endParaRPr lang="de-DE" dirty="0" smtClean="0"/>
-          </a:p>
-          <a:p>
-            <a:r>
-              <a:rPr lang="de-DE" dirty="0" smtClean="0"/>
-              <a:t>Alles was nach Mathe riecht</a:t>
+              <a:rPr lang="de-DE" dirty="0" smtClean="0"/>
+              <a:t>Alles </a:t>
+            </a:r>
+            <a:r>
+              <a:rPr lang="de-DE" dirty="0" smtClean="0"/>
+              <a:t>was nach Mathe riecht</a:t>
             </a:r>
           </a:p>
           <a:p>
@@ -15295,67 +15367,6 @@
 </p:sld>
 </file>
 
-<file path=ppt/slides/slide30.xml><?xml version="1.0" encoding="utf-8"?>
-<p:sld xmlns:a="http://schemas.openxmlformats.org/drawingml/2006/main" xmlns:r="http://schemas.openxmlformats.org/officeDocument/2006/relationships" xmlns:p="http://schemas.openxmlformats.org/presentationml/2006/main">
-  <p:cSld>
-    <p:spTree>
-      <p:nvGrpSpPr>
-        <p:cNvPr id="1" name=""/>
-        <p:cNvGrpSpPr/>
-        <p:nvPr/>
-      </p:nvGrpSpPr>
-      <p:grpSpPr>
-        <a:xfrm>
-          <a:off x="0" y="0"/>
-          <a:ext cx="0" cy="0"/>
-          <a:chOff x="0" y="0"/>
-          <a:chExt cx="0" cy="0"/>
-        </a:xfrm>
-      </p:grpSpPr>
-      <p:sp>
-        <p:nvSpPr>
-          <p:cNvPr id="2" name="Title 1"/>
-          <p:cNvSpPr>
-            <a:spLocks noGrp="1"/>
-          </p:cNvSpPr>
-          <p:nvPr>
-            <p:ph type="title"/>
-          </p:nvPr>
-        </p:nvSpPr>
-        <p:spPr/>
-        <p:txBody>
-          <a:bodyPr/>
-          <a:lstStyle/>
-          <a:p>
-            <a:r>
-              <a:rPr lang="de-DE" dirty="0" smtClean="0"/>
-              <a:t>Option: </a:t>
-            </a:r>
-            <a:r>
-              <a:rPr lang="de-DE" dirty="0" err="1" smtClean="0"/>
-              <a:t>Missing</a:t>
-            </a:r>
-            <a:r>
-              <a:rPr lang="de-DE" dirty="0" smtClean="0"/>
-              <a:t> Data</a:t>
-            </a:r>
-            <a:endParaRPr lang="en-US" dirty="0"/>
-          </a:p>
-        </p:txBody>
-      </p:sp>
-    </p:spTree>
-    <p:extLst>
-      <p:ext uri="{BB962C8B-B14F-4D97-AF65-F5344CB8AC3E}">
-        <p14:creationId xmlns:p14="http://schemas.microsoft.com/office/powerpoint/2010/main" val="3089720467"/>
-      </p:ext>
-    </p:extLst>
-  </p:cSld>
-  <p:clrMapOvr>
-    <a:masterClrMapping/>
-  </p:clrMapOvr>
-</p:sld>
-</file>
-
 <file path=ppt/slides/slide4.xml><?xml version="1.0" encoding="utf-8"?>
 <p:sld xmlns:a="http://schemas.openxmlformats.org/drawingml/2006/main" xmlns:r="http://schemas.openxmlformats.org/officeDocument/2006/relationships" xmlns:p="http://schemas.openxmlformats.org/presentationml/2006/main">
   <p:cSld>
@@ -17192,7 +17203,7 @@
         <p:spPr/>
         <p:txBody>
           <a:bodyPr>
-            <a:normAutofit fontScale="92500" lnSpcReduction="20000"/>
+            <a:normAutofit fontScale="85000" lnSpcReduction="10000"/>
           </a:bodyPr>
           <a:lstStyle/>
           <a:p>
@@ -17212,7 +17223,18 @@
             </a:r>
             <a:r>
               <a:rPr lang="de-DE" dirty="0"/>
-              <a:t>Variablen (Slot im Speicher wo ich etwas pushen und poppen kann). Einmal zugewiesen, bleibt </a:t>
+              <a:t>Variablen (Slot im Speicher wo ich etwas pushen und poppen kann). </a:t>
+            </a:r>
+            <a:endParaRPr lang="de-DE" dirty="0" smtClean="0"/>
+          </a:p>
+          <a:p>
+            <a:r>
+              <a:rPr lang="de-DE" dirty="0" smtClean="0"/>
+              <a:t>Nur Ausdrücke: Einmal </a:t>
+            </a:r>
+            <a:r>
+              <a:rPr lang="de-DE" dirty="0"/>
+              <a:t>zugewiesen, bleibt </a:t>
             </a:r>
             <a:r>
               <a:rPr lang="de-DE" dirty="0" smtClean="0"/>
@@ -17528,6 +17550,55 @@
                                           <p:spTgt spid="3">
                                             <p:txEl>
                                               <p:pRg st="4" end="4"/>
+                                            </p:txEl>
+                                          </p:spTgt>
+                                        </p:tgtEl>
+                                        <p:attrNameLst>
+                                          <p:attrName>style.visibility</p:attrName>
+                                        </p:attrNameLst>
+                                      </p:cBhvr>
+                                      <p:to>
+                                        <p:strVal val="visible"/>
+                                      </p:to>
+                                    </p:set>
+                                  </p:childTnLst>
+                                </p:cTn>
+                              </p:par>
+                            </p:childTnLst>
+                          </p:cTn>
+                        </p:par>
+                      </p:childTnLst>
+                    </p:cTn>
+                  </p:par>
+                  <p:par>
+                    <p:cTn id="23" fill="hold">
+                      <p:stCondLst>
+                        <p:cond delay="indefinite"/>
+                      </p:stCondLst>
+                      <p:childTnLst>
+                        <p:par>
+                          <p:cTn id="24" fill="hold">
+                            <p:stCondLst>
+                              <p:cond delay="0"/>
+                            </p:stCondLst>
+                            <p:childTnLst>
+                              <p:par>
+                                <p:cTn id="25" presetID="1" presetClass="entr" presetSubtype="0" fill="hold" nodeType="clickEffect">
+                                  <p:stCondLst>
+                                    <p:cond delay="0"/>
+                                  </p:stCondLst>
+                                  <p:childTnLst>
+                                    <p:set>
+                                      <p:cBhvr>
+                                        <p:cTn id="26" dur="1" fill="hold">
+                                          <p:stCondLst>
+                                            <p:cond delay="0"/>
+                                          </p:stCondLst>
+                                        </p:cTn>
+                                        <p:tgtEl>
+                                          <p:spTgt spid="3">
+                                            <p:txEl>
+                                              <p:pRg st="5" end="5"/>
                                             </p:txEl>
                                           </p:spTgt>
                                         </p:tgtEl>
